--- a/Session2HtmlIntro/HelloHtml.pptx
+++ b/Session2HtmlIntro/HelloHtml.pptx
@@ -5,26 +5,21 @@
     <p:sldMasterId id="2147483648" r:id="rId1"/>
   </p:sldMasterIdLst>
   <p:notesMasterIdLst>
-    <p:notesMasterId r:id="rId19"/>
+    <p:notesMasterId r:id="rId14"/>
   </p:notesMasterIdLst>
   <p:sldIdLst>
     <p:sldId id="258" r:id="rId2"/>
     <p:sldId id="297" r:id="rId3"/>
     <p:sldId id="308" r:id="rId4"/>
-    <p:sldId id="295" r:id="rId5"/>
-    <p:sldId id="296" r:id="rId6"/>
-    <p:sldId id="298" r:id="rId7"/>
-    <p:sldId id="299" r:id="rId8"/>
-    <p:sldId id="309" r:id="rId9"/>
-    <p:sldId id="316" r:id="rId10"/>
-    <p:sldId id="310" r:id="rId11"/>
-    <p:sldId id="306" r:id="rId12"/>
-    <p:sldId id="307" r:id="rId13"/>
-    <p:sldId id="301" r:id="rId14"/>
-    <p:sldId id="311" r:id="rId15"/>
-    <p:sldId id="314" r:id="rId16"/>
-    <p:sldId id="315" r:id="rId17"/>
-    <p:sldId id="317" r:id="rId18"/>
+    <p:sldId id="296" r:id="rId5"/>
+    <p:sldId id="298" r:id="rId6"/>
+    <p:sldId id="299" r:id="rId7"/>
+    <p:sldId id="316" r:id="rId8"/>
+    <p:sldId id="310" r:id="rId9"/>
+    <p:sldId id="306" r:id="rId10"/>
+    <p:sldId id="309" r:id="rId11"/>
+    <p:sldId id="315" r:id="rId12"/>
+    <p:sldId id="317" r:id="rId13"/>
   </p:sldIdLst>
   <p:sldSz cx="12192000" cy="6858000"/>
   <p:notesSz cx="6858000" cy="9144000"/>
@@ -224,7 +219,7 @@
           <a:p>
             <a:fld id="{19104133-B5B0-4351-8158-4F0E5EB1E2BF}" type="datetimeFigureOut">
               <a:rPr lang="en-US" smtClean="0"/>
-              <a:t>6/24/2021</a:t>
+              <a:t>8/23/2021</a:t>
             </a:fld>
             <a:endParaRPr lang="en-US"/>
           </a:p>
@@ -537,7 +532,7 @@
           <a:p>
             <a:r>
               <a:rPr lang="en-US" dirty="0"/>
-              <a:t>Ask the students this question to see if they know the answer.</a:t>
+              <a:t>Some students might already know all of this – but we want to make sure everybody is on the same page before we begin.</a:t>
             </a:r>
           </a:p>
         </p:txBody>
@@ -559,7 +554,7 @@
           <a:p>
             <a:fld id="{DEC8F7F9-57EC-49CF-9FCD-2B781E4B449F}" type="slidenum">
               <a:rPr lang="en-US" smtClean="0"/>
-              <a:t>3</a:t>
+              <a:t>1</a:t>
             </a:fld>
             <a:endParaRPr lang="en-US"/>
           </a:p>
@@ -568,7 +563,7 @@
     </p:spTree>
     <p:extLst>
       <p:ext uri="{BB962C8B-B14F-4D97-AF65-F5344CB8AC3E}">
-        <p14:creationId xmlns:p14="http://schemas.microsoft.com/office/powerpoint/2010/main" val="2905201311"/>
+        <p14:creationId xmlns:p14="http://schemas.microsoft.com/office/powerpoint/2010/main" val="2645558205"/>
       </p:ext>
     </p:extLst>
   </p:cSld>
@@ -622,117 +617,25 @@
           <a:bodyPr/>
           <a:lstStyle/>
           <a:p>
-            <a:pPr marL="0" marR="0" lvl="0" indent="0" algn="l" defTabSz="914400" rtl="0" eaLnBrk="1" fontAlgn="auto" latinLnBrk="0" hangingPunct="1">
-              <a:lnSpc>
-                <a:spcPct val="100000"/>
-              </a:lnSpc>
-              <a:spcBef>
-                <a:spcPts val="0"/>
-              </a:spcBef>
-              <a:spcAft>
-                <a:spcPts val="0"/>
-              </a:spcAft>
-              <a:buClrTx/>
-              <a:buSzTx/>
-              <a:buFontTx/>
-              <a:buNone/>
-              <a:tabLst/>
-              <a:defRPr/>
-            </a:pPr>
             <a:r>
               <a:rPr lang="en-US" dirty="0"/>
-              <a:t>Students should be familiar with websites – they enter</a:t>
+              <a:t>Ask the students this question to see if they know the answer. Ask if they are familiar with any web browsers. Examples on the slide include apple safari, </a:t>
             </a:r>
             <a:r>
-              <a:rPr lang="en-US" baseline="0" dirty="0"/>
-              <a:t> a URL, and see some content.</a:t>
+              <a:rPr lang="en-US" dirty="0" err="1"/>
+              <a:t>mozilla</a:t>
             </a:r>
-          </a:p>
-          <a:p>
-            <a:pPr marL="0" marR="0" lvl="0" indent="0" algn="l" defTabSz="914400" rtl="0" eaLnBrk="1" fontAlgn="auto" latinLnBrk="0" hangingPunct="1">
-              <a:lnSpc>
-                <a:spcPct val="100000"/>
-              </a:lnSpc>
-              <a:spcBef>
-                <a:spcPts val="0"/>
-              </a:spcBef>
-              <a:spcAft>
-                <a:spcPts val="0"/>
-              </a:spcAft>
-              <a:buClrTx/>
-              <a:buSzTx/>
-              <a:buFontTx/>
-              <a:buNone/>
-              <a:tabLst/>
-              <a:defRPr/>
-            </a:pPr>
-            <a:endParaRPr lang="en-US" baseline="0" dirty="0"/>
-          </a:p>
-          <a:p>
-            <a:pPr marL="0" marR="0" lvl="0" indent="0" algn="l" defTabSz="914400" rtl="0" eaLnBrk="1" fontAlgn="auto" latinLnBrk="0" hangingPunct="1">
-              <a:lnSpc>
-                <a:spcPct val="100000"/>
-              </a:lnSpc>
-              <a:spcBef>
-                <a:spcPts val="0"/>
-              </a:spcBef>
-              <a:spcAft>
-                <a:spcPts val="0"/>
-              </a:spcAft>
-              <a:buClrTx/>
-              <a:buSzTx/>
-              <a:buFontTx/>
-              <a:buNone/>
-              <a:tabLst/>
-              <a:defRPr/>
-            </a:pPr>
-            <a:r>
-              <a:rPr lang="en-US" baseline="0" dirty="0"/>
-              <a:t>Behind the scenes, a lot of stuff happens to get that content to the user!</a:t>
-            </a:r>
-            <a:endParaRPr lang="en-US" dirty="0"/>
-          </a:p>
-          <a:p>
-            <a:pPr marL="0" marR="0" lvl="0" indent="0" algn="l" defTabSz="914400" rtl="0" eaLnBrk="1" fontAlgn="auto" latinLnBrk="0" hangingPunct="1">
-              <a:lnSpc>
-                <a:spcPct val="100000"/>
-              </a:lnSpc>
-              <a:spcBef>
-                <a:spcPts val="0"/>
-              </a:spcBef>
-              <a:spcAft>
-                <a:spcPts val="0"/>
-              </a:spcAft>
-              <a:buClrTx/>
-              <a:buSzTx/>
-              <a:buFontTx/>
-              <a:buNone/>
-              <a:tabLst/>
-              <a:defRPr/>
-            </a:pPr>
-            <a:endParaRPr lang="en-US" dirty="0"/>
-          </a:p>
-          <a:p>
-            <a:pPr marL="0" marR="0" lvl="0" indent="0" algn="l" defTabSz="914400" rtl="0" eaLnBrk="1" fontAlgn="auto" latinLnBrk="0" hangingPunct="1">
-              <a:lnSpc>
-                <a:spcPct val="100000"/>
-              </a:lnSpc>
-              <a:spcBef>
-                <a:spcPts val="0"/>
-              </a:spcBef>
-              <a:spcAft>
-                <a:spcPts val="0"/>
-              </a:spcAft>
-              <a:buClrTx/>
-              <a:buSzTx/>
-              <a:buFontTx/>
-              <a:buNone/>
-              <a:tabLst/>
-              <a:defRPr/>
-            </a:pPr>
             <a:r>
               <a:rPr lang="en-US" dirty="0"/>
-              <a:t>Most of this doesn’t really apply to this course, but it is helpful to have this background knowledge.</a:t>
+              <a:t> </a:t>
+            </a:r>
+            <a:r>
+              <a:rPr lang="en-US" dirty="0" err="1"/>
+              <a:t>firefox</a:t>
+            </a:r>
+            <a:r>
+              <a:rPr lang="en-US" dirty="0"/>
+              <a:t>, google chrome, Microsoft edge, and opera.</a:t>
             </a:r>
           </a:p>
         </p:txBody>
@@ -744,7 +647,7 @@
             <a:spLocks noGrp="1"/>
           </p:cNvSpPr>
           <p:nvPr>
-            <p:ph type="sldNum" sz="quarter" idx="10"/>
+            <p:ph type="sldNum" sz="quarter" idx="5"/>
           </p:nvPr>
         </p:nvSpPr>
         <p:spPr/>
@@ -754,7 +657,7 @@
           <a:p>
             <a:fld id="{DEC8F7F9-57EC-49CF-9FCD-2B781E4B449F}" type="slidenum">
               <a:rPr lang="en-US" smtClean="0"/>
-              <a:t>4</a:t>
+              <a:t>3</a:t>
             </a:fld>
             <a:endParaRPr lang="en-US"/>
           </a:p>
@@ -763,7 +666,7 @@
     </p:spTree>
     <p:extLst>
       <p:ext uri="{BB962C8B-B14F-4D97-AF65-F5344CB8AC3E}">
-        <p14:creationId xmlns:p14="http://schemas.microsoft.com/office/powerpoint/2010/main" val="8414601"/>
+        <p14:creationId xmlns:p14="http://schemas.microsoft.com/office/powerpoint/2010/main" val="2905201311"/>
       </p:ext>
     </p:extLst>
   </p:cSld>
@@ -909,7 +812,7 @@
           <a:p>
             <a:fld id="{DEC8F7F9-57EC-49CF-9FCD-2B781E4B449F}" type="slidenum">
               <a:rPr lang="en-US" smtClean="0"/>
-              <a:t>5</a:t>
+              <a:t>4</a:t>
             </a:fld>
             <a:endParaRPr lang="en-US"/>
           </a:p>
@@ -1001,7 +904,7 @@
           <a:p>
             <a:fld id="{DEC8F7F9-57EC-49CF-9FCD-2B781E4B449F}" type="slidenum">
               <a:rPr lang="en-US" smtClean="0"/>
-              <a:t>7</a:t>
+              <a:t>6</a:t>
             </a:fld>
             <a:endParaRPr lang="en-US"/>
           </a:p>
@@ -1021,93 +924,6 @@
 </file>
 
 <file path=ppt/notesSlides/notesSlide5.xml><?xml version="1.0" encoding="utf-8"?>
-<p:notes xmlns:a="http://schemas.openxmlformats.org/drawingml/2006/main" xmlns:r="http://schemas.openxmlformats.org/officeDocument/2006/relationships" xmlns:p="http://schemas.openxmlformats.org/presentationml/2006/main">
-  <p:cSld>
-    <p:spTree>
-      <p:nvGrpSpPr>
-        <p:cNvPr id="1" name=""/>
-        <p:cNvGrpSpPr/>
-        <p:nvPr/>
-      </p:nvGrpSpPr>
-      <p:grpSpPr>
-        <a:xfrm>
-          <a:off x="0" y="0"/>
-          <a:ext cx="0" cy="0"/>
-          <a:chOff x="0" y="0"/>
-          <a:chExt cx="0" cy="0"/>
-        </a:xfrm>
-      </p:grpSpPr>
-      <p:sp>
-        <p:nvSpPr>
-          <p:cNvPr id="2" name="Slide Image Placeholder 1"/>
-          <p:cNvSpPr>
-            <a:spLocks noGrp="1" noRot="1" noChangeAspect="1"/>
-          </p:cNvSpPr>
-          <p:nvPr>
-            <p:ph type="sldImg"/>
-          </p:nvPr>
-        </p:nvSpPr>
-        <p:spPr/>
-      </p:sp>
-      <p:sp>
-        <p:nvSpPr>
-          <p:cNvPr id="3" name="Notes Placeholder 2"/>
-          <p:cNvSpPr>
-            <a:spLocks noGrp="1"/>
-          </p:cNvSpPr>
-          <p:nvPr>
-            <p:ph type="body" idx="1"/>
-          </p:nvPr>
-        </p:nvSpPr>
-        <p:spPr/>
-        <p:txBody>
-          <a:bodyPr/>
-          <a:lstStyle/>
-          <a:p>
-            <a:r>
-              <a:rPr lang="en-US" dirty="0"/>
-              <a:t>These are the elements this lesson covers. There are so many elements out there, but this is a good place to start.</a:t>
-            </a:r>
-          </a:p>
-        </p:txBody>
-      </p:sp>
-      <p:sp>
-        <p:nvSpPr>
-          <p:cNvPr id="4" name="Slide Number Placeholder 3"/>
-          <p:cNvSpPr>
-            <a:spLocks noGrp="1"/>
-          </p:cNvSpPr>
-          <p:nvPr>
-            <p:ph type="sldNum" sz="quarter" idx="5"/>
-          </p:nvPr>
-        </p:nvSpPr>
-        <p:spPr/>
-        <p:txBody>
-          <a:bodyPr/>
-          <a:lstStyle/>
-          <a:p>
-            <a:fld id="{DEC8F7F9-57EC-49CF-9FCD-2B781E4B449F}" type="slidenum">
-              <a:rPr lang="en-US" smtClean="0"/>
-              <a:t>8</a:t>
-            </a:fld>
-            <a:endParaRPr lang="en-US"/>
-          </a:p>
-        </p:txBody>
-      </p:sp>
-    </p:spTree>
-    <p:extLst>
-      <p:ext uri="{BB962C8B-B14F-4D97-AF65-F5344CB8AC3E}">
-        <p14:creationId xmlns:p14="http://schemas.microsoft.com/office/powerpoint/2010/main" val="3791240935"/>
-      </p:ext>
-    </p:extLst>
-  </p:cSld>
-  <p:clrMapOvr>
-    <a:masterClrMapping/>
-  </p:clrMapOvr>
-</p:notes>
-</file>
-
-<file path=ppt/notesSlides/notesSlide6.xml><?xml version="1.0" encoding="utf-8"?>
 <p:notes xmlns:a="http://schemas.openxmlformats.org/drawingml/2006/main" xmlns:r="http://schemas.openxmlformats.org/officeDocument/2006/relationships" xmlns:p="http://schemas.openxmlformats.org/presentationml/2006/main">
   <p:cSld>
     <p:spTree>
@@ -1175,7 +991,7 @@
           <a:p>
             <a:fld id="{DEC8F7F9-57EC-49CF-9FCD-2B781E4B449F}" type="slidenum">
               <a:rPr lang="en-US" smtClean="0"/>
-              <a:t>9</a:t>
+              <a:t>7</a:t>
             </a:fld>
             <a:endParaRPr lang="en-US"/>
           </a:p>
@@ -1194,7 +1010,7 @@
 </p:notes>
 </file>
 
-<file path=ppt/notesSlides/notesSlide7.xml><?xml version="1.0" encoding="utf-8"?>
+<file path=ppt/notesSlides/notesSlide6.xml><?xml version="1.0" encoding="utf-8"?>
 <p:notes xmlns:a="http://schemas.openxmlformats.org/drawingml/2006/main" xmlns:r="http://schemas.openxmlformats.org/officeDocument/2006/relationships" xmlns:p="http://schemas.openxmlformats.org/presentationml/2006/main">
   <p:cSld>
     <p:spTree>
@@ -1271,7 +1087,7 @@
           <a:p>
             <a:fld id="{DEC8F7F9-57EC-49CF-9FCD-2B781E4B449F}" type="slidenum">
               <a:rPr lang="en-US" smtClean="0"/>
-              <a:t>10</a:t>
+              <a:t>8</a:t>
             </a:fld>
             <a:endParaRPr lang="en-US"/>
           </a:p>
@@ -1290,7 +1106,7 @@
 </p:notes>
 </file>
 
-<file path=ppt/notesSlides/notesSlide8.xml><?xml version="1.0" encoding="utf-8"?>
+<file path=ppt/notesSlides/notesSlide7.xml><?xml version="1.0" encoding="utf-8"?>
 <p:notes xmlns:a="http://schemas.openxmlformats.org/drawingml/2006/main" xmlns:r="http://schemas.openxmlformats.org/officeDocument/2006/relationships" xmlns:p="http://schemas.openxmlformats.org/presentationml/2006/main">
   <p:cSld>
     <p:spTree>
@@ -1367,7 +1183,7 @@
           <a:p>
             <a:fld id="{DEC8F7F9-57EC-49CF-9FCD-2B781E4B449F}" type="slidenum">
               <a:rPr lang="en-US" smtClean="0"/>
-              <a:t>11</a:t>
+              <a:t>9</a:t>
             </a:fld>
             <a:endParaRPr lang="en-US"/>
           </a:p>
@@ -1386,7 +1202,7 @@
 </p:notes>
 </file>
 
-<file path=ppt/notesSlides/notesSlide9.xml><?xml version="1.0" encoding="utf-8"?>
+<file path=ppt/notesSlides/notesSlide8.xml><?xml version="1.0" encoding="utf-8"?>
 <p:notes xmlns:a="http://schemas.openxmlformats.org/drawingml/2006/main" xmlns:r="http://schemas.openxmlformats.org/officeDocument/2006/relationships" xmlns:p="http://schemas.openxmlformats.org/presentationml/2006/main">
   <p:cSld>
     <p:spTree>
@@ -1432,41 +1248,8 @@
           <a:p>
             <a:r>
               <a:rPr lang="en-US" dirty="0"/>
-              <a:t>This is an example of a full HTML document. There is a lot of code here, but it’s not too big of a deal. This is how the </a:t>
+              <a:t>These are the elements this lesson covers. There are so many elements out there, but this is a good place to start.</a:t>
             </a:r>
-            <a:r>
-              <a:rPr lang="en-US" b="1" dirty="0"/>
-              <a:t>html</a:t>
-            </a:r>
-            <a:r>
-              <a:rPr lang="en-US" b="0" dirty="0"/>
-              <a:t> and </a:t>
-            </a:r>
-            <a:r>
-              <a:rPr lang="en-US" b="1" dirty="0"/>
-              <a:t>body</a:t>
-            </a:r>
-            <a:r>
-              <a:rPr lang="en-US" b="0" dirty="0"/>
-              <a:t> elements are used. The </a:t>
-            </a:r>
-            <a:r>
-              <a:rPr lang="en-US" b="1" dirty="0"/>
-              <a:t>p</a:t>
-            </a:r>
-            <a:r>
-              <a:rPr lang="en-US" b="0" dirty="0"/>
-              <a:t> element goes within the </a:t>
-            </a:r>
-            <a:r>
-              <a:rPr lang="en-US" b="1" dirty="0"/>
-              <a:t>body</a:t>
-            </a:r>
-            <a:r>
-              <a:rPr lang="en-US" b="0" dirty="0"/>
-              <a:t> element, as its content.</a:t>
-            </a:r>
-            <a:endParaRPr lang="en-US" dirty="0"/>
           </a:p>
         </p:txBody>
       </p:sp>
@@ -1487,7 +1270,7 @@
           <a:p>
             <a:fld id="{DEC8F7F9-57EC-49CF-9FCD-2B781E4B449F}" type="slidenum">
               <a:rPr lang="en-US" smtClean="0"/>
-              <a:t>12</a:t>
+              <a:t>10</a:t>
             </a:fld>
             <a:endParaRPr lang="en-US"/>
           </a:p>
@@ -1496,7 +1279,7 @@
     </p:spTree>
     <p:extLst>
       <p:ext uri="{BB962C8B-B14F-4D97-AF65-F5344CB8AC3E}">
-        <p14:creationId xmlns:p14="http://schemas.microsoft.com/office/powerpoint/2010/main" val="72995234"/>
+        <p14:creationId xmlns:p14="http://schemas.microsoft.com/office/powerpoint/2010/main" val="3791240935"/>
       </p:ext>
     </p:extLst>
   </p:cSld>
@@ -1688,7 +1471,7 @@
             <a:fld id="{1C2D31DE-C454-491C-B5C3-F097855E3DF7}" type="datetime4">
               <a:rPr lang="en-US" smtClean="0"/>
               <a:pPr/>
-              <a:t>June 24, 2021</a:t>
+              <a:t>August 23, 2021</a:t>
             </a:fld>
             <a:endParaRPr lang="en-US" dirty="0"/>
           </a:p>
@@ -5080,7 +4863,7 @@
           <a:p>
             <a:fld id="{5958763E-B898-436D-883D-03711491D54A}" type="datetimeFigureOut">
               <a:rPr lang="en-US" smtClean="0"/>
-              <a:t>6/24/2021</a:t>
+              <a:t>8/23/2021</a:t>
             </a:fld>
             <a:endParaRPr lang="en-US"/>
           </a:p>
@@ -5273,7 +5056,7 @@
           <a:p>
             <a:fld id="{5958763E-B898-436D-883D-03711491D54A}" type="datetimeFigureOut">
               <a:rPr lang="en-US" smtClean="0"/>
-              <a:t>6/24/2021</a:t>
+              <a:t>8/23/2021</a:t>
             </a:fld>
             <a:endParaRPr lang="en-US"/>
           </a:p>
@@ -5523,7 +5306,7 @@
           <a:p>
             <a:fld id="{5958763E-B898-436D-883D-03711491D54A}" type="datetimeFigureOut">
               <a:rPr lang="en-US" smtClean="0"/>
-              <a:t>6/24/2021</a:t>
+              <a:t>8/23/2021</a:t>
             </a:fld>
             <a:endParaRPr lang="en-US"/>
           </a:p>
@@ -5871,7 +5654,7 @@
           <a:p>
             <a:fld id="{5958763E-B898-436D-883D-03711491D54A}" type="datetimeFigureOut">
               <a:rPr lang="en-US" smtClean="0"/>
-              <a:t>6/24/2021</a:t>
+              <a:t>8/23/2021</a:t>
             </a:fld>
             <a:endParaRPr lang="en-US"/>
           </a:p>
@@ -6287,7 +6070,7 @@
           <a:p>
             <a:fld id="{5958763E-B898-436D-883D-03711491D54A}" type="datetimeFigureOut">
               <a:rPr lang="en-US" smtClean="0"/>
-              <a:t>6/24/2021</a:t>
+              <a:t>8/23/2021</a:t>
             </a:fld>
             <a:endParaRPr lang="en-US"/>
           </a:p>
@@ -6788,7 +6571,7 @@
           <a:p>
             <a:fld id="{5958763E-B898-436D-883D-03711491D54A}" type="datetimeFigureOut">
               <a:rPr lang="en-US" smtClean="0"/>
-              <a:t>6/24/2021</a:t>
+              <a:t>8/23/2021</a:t>
             </a:fld>
             <a:endParaRPr lang="en-US"/>
           </a:p>
@@ -7239,7 +7022,7 @@
           <a:p>
             <a:fld id="{5958763E-B898-436D-883D-03711491D54A}" type="datetimeFigureOut">
               <a:rPr lang="en-US" smtClean="0"/>
-              <a:t>6/24/2021</a:t>
+              <a:t>8/23/2021</a:t>
             </a:fld>
             <a:endParaRPr lang="en-US"/>
           </a:p>
@@ -7850,7 +7633,7 @@
           <a:p>
             <a:fld id="{5958763E-B898-436D-883D-03711491D54A}" type="datetimeFigureOut">
               <a:rPr lang="en-US" smtClean="0"/>
-              <a:t>6/24/2021</a:t>
+              <a:t>8/23/2021</a:t>
             </a:fld>
             <a:endParaRPr lang="en-US"/>
           </a:p>
@@ -8621,7 +8404,7 @@
           <a:p>
             <a:fld id="{5958763E-B898-436D-883D-03711491D54A}" type="datetimeFigureOut">
               <a:rPr lang="en-US" smtClean="0"/>
-              <a:t>6/24/2021</a:t>
+              <a:t>8/23/2021</a:t>
             </a:fld>
             <a:endParaRPr lang="en-US"/>
           </a:p>
@@ -8725,7 +8508,7 @@
           <a:p>
             <a:fld id="{5958763E-B898-436D-883D-03711491D54A}" type="datetimeFigureOut">
               <a:rPr lang="en-US" smtClean="0"/>
-              <a:t>6/24/2021</a:t>
+              <a:t>8/23/2021</a:t>
             </a:fld>
             <a:endParaRPr lang="en-US"/>
           </a:p>
@@ -9052,7 +8835,7 @@
             <a:fld id="{1C2D31DE-C454-491C-B5C3-F097855E3DF7}" type="datetime4">
               <a:rPr lang="en-US" smtClean="0"/>
               <a:pPr/>
-              <a:t>June 24, 2021</a:t>
+              <a:t>August 23, 2021</a:t>
             </a:fld>
             <a:endParaRPr lang="en-US" dirty="0"/>
           </a:p>
@@ -12204,7 +11987,7 @@
           <a:p>
             <a:fld id="{5958763E-B898-436D-883D-03711491D54A}" type="datetimeFigureOut">
               <a:rPr lang="en-US" smtClean="0"/>
-              <a:t>6/24/2021</a:t>
+              <a:t>8/23/2021</a:t>
             </a:fld>
             <a:endParaRPr lang="en-US"/>
           </a:p>
@@ -12328,7 +12111,7 @@
           <a:p>
             <a:fld id="{5958763E-B898-436D-883D-03711491D54A}" type="datetimeFigureOut">
               <a:rPr lang="en-US" smtClean="0"/>
-              <a:t>6/24/2021</a:t>
+              <a:t>8/23/2021</a:t>
             </a:fld>
             <a:endParaRPr lang="en-US"/>
           </a:p>
@@ -12452,7 +12235,7 @@
           <a:p>
             <a:fld id="{5958763E-B898-436D-883D-03711491D54A}" type="datetimeFigureOut">
               <a:rPr lang="en-US" smtClean="0"/>
-              <a:t>6/24/2021</a:t>
+              <a:t>8/23/2021</a:t>
             </a:fld>
             <a:endParaRPr lang="en-US"/>
           </a:p>
@@ -12576,7 +12359,7 @@
           <a:p>
             <a:fld id="{5958763E-B898-436D-883D-03711491D54A}" type="datetimeFigureOut">
               <a:rPr lang="en-US" smtClean="0"/>
-              <a:t>6/24/2021</a:t>
+              <a:t>8/23/2021</a:t>
             </a:fld>
             <a:endParaRPr lang="en-US"/>
           </a:p>
@@ -12700,7 +12483,7 @@
           <a:p>
             <a:fld id="{5958763E-B898-436D-883D-03711491D54A}" type="datetimeFigureOut">
               <a:rPr lang="en-US" smtClean="0"/>
-              <a:t>6/24/2021</a:t>
+              <a:t>8/23/2021</a:t>
             </a:fld>
             <a:endParaRPr lang="en-US"/>
           </a:p>
@@ -12824,7 +12607,7 @@
           <a:p>
             <a:fld id="{5958763E-B898-436D-883D-03711491D54A}" type="datetimeFigureOut">
               <a:rPr lang="en-US" smtClean="0"/>
-              <a:t>6/24/2021</a:t>
+              <a:t>8/23/2021</a:t>
             </a:fld>
             <a:endParaRPr lang="en-US"/>
           </a:p>
@@ -12948,7 +12731,7 @@
           <a:p>
             <a:fld id="{5958763E-B898-436D-883D-03711491D54A}" type="datetimeFigureOut">
               <a:rPr lang="en-US" smtClean="0"/>
-              <a:t>6/24/2021</a:t>
+              <a:t>8/23/2021</a:t>
             </a:fld>
             <a:endParaRPr lang="en-US"/>
           </a:p>
@@ -13072,7 +12855,7 @@
           <a:p>
             <a:fld id="{5958763E-B898-436D-883D-03711491D54A}" type="datetimeFigureOut">
               <a:rPr lang="en-US" smtClean="0"/>
-              <a:t>6/24/2021</a:t>
+              <a:t>8/23/2021</a:t>
             </a:fld>
             <a:endParaRPr lang="en-US"/>
           </a:p>
@@ -13205,7 +12988,7 @@
           <a:p>
             <a:fld id="{5958763E-B898-436D-883D-03711491D54A}" type="datetimeFigureOut">
               <a:rPr lang="en-US" smtClean="0"/>
-              <a:t>6/24/2021</a:t>
+              <a:t>8/23/2021</a:t>
             </a:fld>
             <a:endParaRPr lang="en-US"/>
           </a:p>
@@ -16544,7 +16327,7 @@
             <a:fld id="{1C2D31DE-C454-491C-B5C3-F097855E3DF7}" type="datetime4">
               <a:rPr lang="en-US" smtClean="0"/>
               <a:pPr/>
-              <a:t>June 24, 2021</a:t>
+              <a:t>August 23, 2021</a:t>
             </a:fld>
             <a:endParaRPr lang="en-US" dirty="0"/>
           </a:p>
@@ -28780,7 +28563,7 @@
           <a:p>
             <a:fld id="{5958763E-B898-436D-883D-03711491D54A}" type="datetimeFigureOut">
               <a:rPr lang="en-US" smtClean="0"/>
-              <a:t>6/24/2021</a:t>
+              <a:t>8/23/2021</a:t>
             </a:fld>
             <a:endParaRPr lang="en-US"/>
           </a:p>
@@ -29182,7 +28965,7 @@
           <a:p>
             <a:fld id="{5958763E-B898-436D-883D-03711491D54A}" type="datetimeFigureOut">
               <a:rPr lang="en-US" smtClean="0"/>
-              <a:t>6/24/2021</a:t>
+              <a:t>8/23/2021</a:t>
             </a:fld>
             <a:endParaRPr lang="en-US"/>
           </a:p>
@@ -29476,7 +29259,7 @@
           <a:p>
             <a:fld id="{5958763E-B898-436D-883D-03711491D54A}" type="datetimeFigureOut">
               <a:rPr lang="en-US" smtClean="0"/>
-              <a:t>6/24/2021</a:t>
+              <a:t>8/23/2021</a:t>
             </a:fld>
             <a:endParaRPr lang="en-US"/>
           </a:p>
@@ -29677,7 +29460,7 @@
           <a:p>
             <a:fld id="{5958763E-B898-436D-883D-03711491D54A}" type="datetimeFigureOut">
               <a:rPr lang="en-US" smtClean="0"/>
-              <a:t>6/24/2021</a:t>
+              <a:t>8/23/2021</a:t>
             </a:fld>
             <a:endParaRPr lang="en-US"/>
           </a:p>
@@ -29938,7 +29721,7 @@
           <a:p>
             <a:fld id="{5958763E-B898-436D-883D-03711491D54A}" type="datetimeFigureOut">
               <a:rPr lang="en-US" smtClean="0"/>
-              <a:t>6/24/2021</a:t>
+              <a:t>8/23/2021</a:t>
             </a:fld>
             <a:endParaRPr lang="en-US"/>
           </a:p>
@@ -30446,7 +30229,7 @@
           <a:p>
             <a:fld id="{5958763E-B898-436D-883D-03711491D54A}" type="datetimeFigureOut">
               <a:rPr lang="en-US" smtClean="0"/>
-              <a:t>6/24/2021</a:t>
+              <a:t>8/23/2021</a:t>
             </a:fld>
             <a:endParaRPr lang="en-US"/>
           </a:p>
@@ -30925,7 +30708,7 @@
           <a:p>
             <a:fld id="{5958763E-B898-436D-883D-03711491D54A}" type="datetimeFigureOut">
               <a:rPr lang="en-US" smtClean="0"/>
-              <a:t>6/24/2021</a:t>
+              <a:t>8/23/2021</a:t>
             </a:fld>
             <a:endParaRPr lang="en-US"/>
           </a:p>
@@ -31744,7 +31527,7 @@
           <a:p>
             <a:fld id="{5958763E-B898-436D-883D-03711491D54A}" type="datetimeFigureOut">
               <a:rPr lang="en-US" smtClean="0"/>
-              <a:t>6/24/2021</a:t>
+              <a:t>8/23/2021</a:t>
             </a:fld>
             <a:endParaRPr lang="en-US"/>
           </a:p>
@@ -31945,7 +31728,7 @@
           <a:p>
             <a:fld id="{5958763E-B898-436D-883D-03711491D54A}" type="datetimeFigureOut">
               <a:rPr lang="en-US" smtClean="0"/>
-              <a:t>6/24/2021</a:t>
+              <a:t>8/23/2021</a:t>
             </a:fld>
             <a:endParaRPr lang="en-US"/>
           </a:p>
@@ -32280,7 +32063,7 @@
           <a:p>
             <a:fld id="{5958763E-B898-436D-883D-03711491D54A}" type="datetimeFigureOut">
               <a:rPr lang="en-US" smtClean="0"/>
-              <a:t>6/24/2021</a:t>
+              <a:t>8/23/2021</a:t>
             </a:fld>
             <a:endParaRPr lang="en-US"/>
           </a:p>
@@ -32510,7 +32293,7 @@
           <a:p>
             <a:fld id="{5958763E-B898-436D-883D-03711491D54A}" type="datetimeFigureOut">
               <a:rPr lang="en-US" smtClean="0"/>
-              <a:t>6/24/2021</a:t>
+              <a:t>8/23/2021</a:t>
             </a:fld>
             <a:endParaRPr lang="en-US"/>
           </a:p>
@@ -32754,7 +32537,7 @@
           <a:p>
             <a:fld id="{5958763E-B898-436D-883D-03711491D54A}" type="datetimeFigureOut">
               <a:rPr lang="en-US" smtClean="0"/>
-              <a:t>6/24/2021</a:t>
+              <a:t>8/23/2021</a:t>
             </a:fld>
             <a:endParaRPr lang="en-US"/>
           </a:p>
@@ -36322,6 +36105,3286 @@
           <p:cNvPr id="2" name="Title 1">
             <a:extLst>
               <a:ext uri="{FF2B5EF4-FFF2-40B4-BE49-F238E27FC236}">
+                <a16:creationId xmlns:a16="http://schemas.microsoft.com/office/drawing/2014/main" id="{2DCD5728-5DCE-45D5-AC0C-0A2F46F14A73}"/>
+              </a:ext>
+            </a:extLst>
+          </p:cNvPr>
+          <p:cNvSpPr>
+            <a:spLocks noGrp="1"/>
+          </p:cNvSpPr>
+          <p:nvPr>
+            <p:ph type="title"/>
+          </p:nvPr>
+        </p:nvSpPr>
+        <p:spPr/>
+        <p:txBody>
+          <a:bodyPr/>
+          <a:lstStyle/>
+          <a:p>
+            <a:r>
+              <a:rPr lang="en-US" dirty="0"/>
+              <a:t>More HTML </a:t>
+            </a:r>
+            <a:r>
+              <a:rPr lang="en-US" dirty="0" err="1"/>
+              <a:t>ElementS</a:t>
+            </a:r>
+            <a:endParaRPr lang="en-US" dirty="0"/>
+          </a:p>
+        </p:txBody>
+      </p:sp>
+      <p:sp>
+        <p:nvSpPr>
+          <p:cNvPr id="3" name="Content Placeholder 2">
+            <a:extLst>
+              <a:ext uri="{FF2B5EF4-FFF2-40B4-BE49-F238E27FC236}">
+                <a16:creationId xmlns:a16="http://schemas.microsoft.com/office/drawing/2014/main" id="{8702A13E-67FE-4FA1-A6EA-83255D7078AE}"/>
+              </a:ext>
+            </a:extLst>
+          </p:cNvPr>
+          <p:cNvSpPr>
+            <a:spLocks noGrp="1"/>
+          </p:cNvSpPr>
+          <p:nvPr>
+            <p:ph idx="1"/>
+          </p:nvPr>
+        </p:nvSpPr>
+        <p:spPr/>
+        <p:txBody>
+          <a:bodyPr>
+            <a:normAutofit/>
+          </a:bodyPr>
+          <a:lstStyle/>
+          <a:p>
+            <a:pPr marL="57150" indent="0">
+              <a:buNone/>
+            </a:pPr>
+            <a:r>
+              <a:rPr lang="en-US" sz="6000" b="1" dirty="0">
+                <a:solidFill>
+                  <a:schemeClr val="accent1">
+                    <a:lumMod val="75000"/>
+                  </a:schemeClr>
+                </a:solidFill>
+                <a:latin typeface="Consolas" panose="020B0609020204030204" pitchFamily="49" charset="0"/>
+              </a:rPr>
+              <a:t>html</a:t>
+            </a:r>
+            <a:r>
+              <a:rPr lang="en-US" sz="6000" dirty="0"/>
+              <a:t> – </a:t>
+            </a:r>
+            <a:r>
+              <a:rPr lang="en-US" sz="5400" dirty="0"/>
+              <a:t>container for everything</a:t>
+            </a:r>
+            <a:endParaRPr lang="en-US" sz="5400" dirty="0">
+              <a:latin typeface="Consolas" panose="020B0609020204030204" pitchFamily="49" charset="0"/>
+            </a:endParaRPr>
+          </a:p>
+          <a:p>
+            <a:pPr marL="57150" indent="0">
+              <a:buNone/>
+            </a:pPr>
+            <a:r>
+              <a:rPr lang="en-US" sz="6000" b="1" dirty="0">
+                <a:solidFill>
+                  <a:schemeClr val="accent1">
+                    <a:lumMod val="75000"/>
+                  </a:schemeClr>
+                </a:solidFill>
+                <a:latin typeface="Consolas" panose="020B0609020204030204" pitchFamily="49" charset="0"/>
+              </a:rPr>
+              <a:t>body</a:t>
+            </a:r>
+            <a:r>
+              <a:rPr lang="en-US" sz="6000" dirty="0"/>
+              <a:t> – </a:t>
+            </a:r>
+            <a:r>
+              <a:rPr lang="en-US" sz="5400" dirty="0"/>
+              <a:t>container visible elements</a:t>
+            </a:r>
+            <a:endParaRPr lang="en-US" sz="5400" dirty="0">
+              <a:latin typeface="Consolas" panose="020B0609020204030204" pitchFamily="49" charset="0"/>
+            </a:endParaRPr>
+          </a:p>
+          <a:p>
+            <a:pPr marL="57150" indent="0">
+              <a:buNone/>
+            </a:pPr>
+            <a:r>
+              <a:rPr lang="en-US" sz="6000" b="1" dirty="0">
+                <a:solidFill>
+                  <a:schemeClr val="accent1">
+                    <a:lumMod val="75000"/>
+                  </a:schemeClr>
+                </a:solidFill>
+                <a:latin typeface="Consolas" panose="020B0609020204030204" pitchFamily="49" charset="0"/>
+              </a:rPr>
+              <a:t>p</a:t>
+            </a:r>
+            <a:r>
+              <a:rPr lang="en-US" sz="6000" dirty="0"/>
+              <a:t> – </a:t>
+            </a:r>
+            <a:r>
+              <a:rPr lang="en-US" sz="5200" dirty="0"/>
+              <a:t>(paragraph) </a:t>
+            </a:r>
+            <a:r>
+              <a:rPr lang="en-US" sz="5400" dirty="0"/>
+              <a:t>used for normal text</a:t>
+            </a:r>
+            <a:endParaRPr lang="en-US" sz="5400" dirty="0">
+              <a:latin typeface="Consolas" panose="020B0609020204030204" pitchFamily="49" charset="0"/>
+            </a:endParaRPr>
+          </a:p>
+          <a:p>
+            <a:pPr marL="57150" indent="0">
+              <a:buNone/>
+            </a:pPr>
+            <a:r>
+              <a:rPr lang="en-US" sz="6000" b="1" dirty="0">
+                <a:solidFill>
+                  <a:schemeClr val="accent1">
+                    <a:lumMod val="75000"/>
+                  </a:schemeClr>
+                </a:solidFill>
+                <a:latin typeface="Consolas" panose="020B0609020204030204" pitchFamily="49" charset="0"/>
+              </a:rPr>
+              <a:t>h1</a:t>
+            </a:r>
+            <a:r>
+              <a:rPr lang="en-US" sz="6000" dirty="0">
+                <a:latin typeface="Consolas" panose="020B0609020204030204" pitchFamily="49" charset="0"/>
+              </a:rPr>
+              <a:t>-</a:t>
+            </a:r>
+            <a:r>
+              <a:rPr lang="en-US" sz="6000" b="1" dirty="0">
+                <a:solidFill>
+                  <a:schemeClr val="accent1">
+                    <a:lumMod val="75000"/>
+                  </a:schemeClr>
+                </a:solidFill>
+                <a:latin typeface="Consolas" panose="020B0609020204030204" pitchFamily="49" charset="0"/>
+              </a:rPr>
+              <a:t>h6</a:t>
+            </a:r>
+            <a:r>
+              <a:rPr lang="en-US" sz="6000" dirty="0"/>
+              <a:t> – </a:t>
+            </a:r>
+            <a:r>
+              <a:rPr lang="en-US" sz="5400" dirty="0"/>
+              <a:t>headers of different size</a:t>
+            </a:r>
+            <a:endParaRPr lang="en-US" sz="5400" dirty="0">
+              <a:latin typeface="Consolas" panose="020B0609020204030204" pitchFamily="49" charset="0"/>
+            </a:endParaRPr>
+          </a:p>
+          <a:p>
+            <a:pPr marL="57150" indent="0">
+              <a:buNone/>
+            </a:pPr>
+            <a:r>
+              <a:rPr lang="en-US" sz="6000" b="1" dirty="0" err="1">
+                <a:solidFill>
+                  <a:schemeClr val="accent1">
+                    <a:lumMod val="75000"/>
+                  </a:schemeClr>
+                </a:solidFill>
+                <a:latin typeface="Consolas" panose="020B0609020204030204" pitchFamily="49" charset="0"/>
+              </a:rPr>
+              <a:t>img</a:t>
+            </a:r>
+            <a:r>
+              <a:rPr lang="en-US" sz="6000" dirty="0"/>
+              <a:t> – </a:t>
+            </a:r>
+            <a:r>
+              <a:rPr lang="en-US" sz="5400" dirty="0"/>
+              <a:t>image</a:t>
+            </a:r>
+            <a:endParaRPr lang="en-US" sz="6000" dirty="0">
+              <a:latin typeface="Consolas" panose="020B0609020204030204" pitchFamily="49" charset="0"/>
+            </a:endParaRPr>
+          </a:p>
+        </p:txBody>
+      </p:sp>
+    </p:spTree>
+    <p:extLst>
+      <p:ext uri="{BB962C8B-B14F-4D97-AF65-F5344CB8AC3E}">
+        <p14:creationId xmlns:p14="http://schemas.microsoft.com/office/powerpoint/2010/main" val="819152679"/>
+      </p:ext>
+    </p:extLst>
+  </p:cSld>
+  <p:clrMapOvr>
+    <a:masterClrMapping/>
+  </p:clrMapOvr>
+  <p:transition>
+    <p:fade/>
+  </p:transition>
+  <p:timing>
+    <p:tnLst>
+      <p:par>
+        <p:cTn id="1" dur="indefinite" restart="never" nodeType="tmRoot">
+          <p:childTnLst>
+            <p:seq concurrent="1" nextAc="seek">
+              <p:cTn id="2" dur="indefinite" nodeType="mainSeq">
+                <p:childTnLst>
+                  <p:par>
+                    <p:cTn id="3" fill="hold">
+                      <p:stCondLst>
+                        <p:cond delay="indefinite"/>
+                      </p:stCondLst>
+                      <p:childTnLst>
+                        <p:par>
+                          <p:cTn id="4" fill="hold">
+                            <p:stCondLst>
+                              <p:cond delay="0"/>
+                            </p:stCondLst>
+                            <p:childTnLst>
+                              <p:par>
+                                <p:cTn id="5" presetID="10" presetClass="entr" presetSubtype="0" fill="hold" nodeType="clickEffect">
+                                  <p:stCondLst>
+                                    <p:cond delay="0"/>
+                                  </p:stCondLst>
+                                  <p:childTnLst>
+                                    <p:set>
+                                      <p:cBhvr>
+                                        <p:cTn id="6" dur="1" fill="hold">
+                                          <p:stCondLst>
+                                            <p:cond delay="0"/>
+                                          </p:stCondLst>
+                                        </p:cTn>
+                                        <p:tgtEl>
+                                          <p:spTgt spid="3">
+                                            <p:txEl>
+                                              <p:pRg st="0" end="0"/>
+                                            </p:txEl>
+                                          </p:spTgt>
+                                        </p:tgtEl>
+                                        <p:attrNameLst>
+                                          <p:attrName>style.visibility</p:attrName>
+                                        </p:attrNameLst>
+                                      </p:cBhvr>
+                                      <p:to>
+                                        <p:strVal val="visible"/>
+                                      </p:to>
+                                    </p:set>
+                                    <p:animEffect transition="in" filter="fade">
+                                      <p:cBhvr>
+                                        <p:cTn id="7" dur="500"/>
+                                        <p:tgtEl>
+                                          <p:spTgt spid="3">
+                                            <p:txEl>
+                                              <p:pRg st="0" end="0"/>
+                                            </p:txEl>
+                                          </p:spTgt>
+                                        </p:tgtEl>
+                                      </p:cBhvr>
+                                    </p:animEffect>
+                                  </p:childTnLst>
+                                </p:cTn>
+                              </p:par>
+                            </p:childTnLst>
+                          </p:cTn>
+                        </p:par>
+                      </p:childTnLst>
+                    </p:cTn>
+                  </p:par>
+                  <p:par>
+                    <p:cTn id="8" fill="hold">
+                      <p:stCondLst>
+                        <p:cond delay="indefinite"/>
+                      </p:stCondLst>
+                      <p:childTnLst>
+                        <p:par>
+                          <p:cTn id="9" fill="hold">
+                            <p:stCondLst>
+                              <p:cond delay="0"/>
+                            </p:stCondLst>
+                            <p:childTnLst>
+                              <p:par>
+                                <p:cTn id="10" presetID="10" presetClass="entr" presetSubtype="0" fill="hold" nodeType="clickEffect">
+                                  <p:stCondLst>
+                                    <p:cond delay="0"/>
+                                  </p:stCondLst>
+                                  <p:childTnLst>
+                                    <p:set>
+                                      <p:cBhvr>
+                                        <p:cTn id="11" dur="1" fill="hold">
+                                          <p:stCondLst>
+                                            <p:cond delay="0"/>
+                                          </p:stCondLst>
+                                        </p:cTn>
+                                        <p:tgtEl>
+                                          <p:spTgt spid="3">
+                                            <p:txEl>
+                                              <p:pRg st="1" end="1"/>
+                                            </p:txEl>
+                                          </p:spTgt>
+                                        </p:tgtEl>
+                                        <p:attrNameLst>
+                                          <p:attrName>style.visibility</p:attrName>
+                                        </p:attrNameLst>
+                                      </p:cBhvr>
+                                      <p:to>
+                                        <p:strVal val="visible"/>
+                                      </p:to>
+                                    </p:set>
+                                    <p:animEffect transition="in" filter="fade">
+                                      <p:cBhvr>
+                                        <p:cTn id="12" dur="500"/>
+                                        <p:tgtEl>
+                                          <p:spTgt spid="3">
+                                            <p:txEl>
+                                              <p:pRg st="1" end="1"/>
+                                            </p:txEl>
+                                          </p:spTgt>
+                                        </p:tgtEl>
+                                      </p:cBhvr>
+                                    </p:animEffect>
+                                  </p:childTnLst>
+                                </p:cTn>
+                              </p:par>
+                            </p:childTnLst>
+                          </p:cTn>
+                        </p:par>
+                      </p:childTnLst>
+                    </p:cTn>
+                  </p:par>
+                  <p:par>
+                    <p:cTn id="13" fill="hold">
+                      <p:stCondLst>
+                        <p:cond delay="indefinite"/>
+                      </p:stCondLst>
+                      <p:childTnLst>
+                        <p:par>
+                          <p:cTn id="14" fill="hold">
+                            <p:stCondLst>
+                              <p:cond delay="0"/>
+                            </p:stCondLst>
+                            <p:childTnLst>
+                              <p:par>
+                                <p:cTn id="15" presetID="10" presetClass="entr" presetSubtype="0" fill="hold" nodeType="clickEffect">
+                                  <p:stCondLst>
+                                    <p:cond delay="0"/>
+                                  </p:stCondLst>
+                                  <p:childTnLst>
+                                    <p:set>
+                                      <p:cBhvr>
+                                        <p:cTn id="16" dur="1" fill="hold">
+                                          <p:stCondLst>
+                                            <p:cond delay="0"/>
+                                          </p:stCondLst>
+                                        </p:cTn>
+                                        <p:tgtEl>
+                                          <p:spTgt spid="3">
+                                            <p:txEl>
+                                              <p:pRg st="2" end="2"/>
+                                            </p:txEl>
+                                          </p:spTgt>
+                                        </p:tgtEl>
+                                        <p:attrNameLst>
+                                          <p:attrName>style.visibility</p:attrName>
+                                        </p:attrNameLst>
+                                      </p:cBhvr>
+                                      <p:to>
+                                        <p:strVal val="visible"/>
+                                      </p:to>
+                                    </p:set>
+                                    <p:animEffect transition="in" filter="fade">
+                                      <p:cBhvr>
+                                        <p:cTn id="17" dur="500"/>
+                                        <p:tgtEl>
+                                          <p:spTgt spid="3">
+                                            <p:txEl>
+                                              <p:pRg st="2" end="2"/>
+                                            </p:txEl>
+                                          </p:spTgt>
+                                        </p:tgtEl>
+                                      </p:cBhvr>
+                                    </p:animEffect>
+                                  </p:childTnLst>
+                                </p:cTn>
+                              </p:par>
+                            </p:childTnLst>
+                          </p:cTn>
+                        </p:par>
+                      </p:childTnLst>
+                    </p:cTn>
+                  </p:par>
+                  <p:par>
+                    <p:cTn id="18" fill="hold">
+                      <p:stCondLst>
+                        <p:cond delay="indefinite"/>
+                      </p:stCondLst>
+                      <p:childTnLst>
+                        <p:par>
+                          <p:cTn id="19" fill="hold">
+                            <p:stCondLst>
+                              <p:cond delay="0"/>
+                            </p:stCondLst>
+                            <p:childTnLst>
+                              <p:par>
+                                <p:cTn id="20" presetID="10" presetClass="entr" presetSubtype="0" fill="hold" nodeType="clickEffect">
+                                  <p:stCondLst>
+                                    <p:cond delay="0"/>
+                                  </p:stCondLst>
+                                  <p:childTnLst>
+                                    <p:set>
+                                      <p:cBhvr>
+                                        <p:cTn id="21" dur="1" fill="hold">
+                                          <p:stCondLst>
+                                            <p:cond delay="0"/>
+                                          </p:stCondLst>
+                                        </p:cTn>
+                                        <p:tgtEl>
+                                          <p:spTgt spid="3">
+                                            <p:txEl>
+                                              <p:pRg st="3" end="3"/>
+                                            </p:txEl>
+                                          </p:spTgt>
+                                        </p:tgtEl>
+                                        <p:attrNameLst>
+                                          <p:attrName>style.visibility</p:attrName>
+                                        </p:attrNameLst>
+                                      </p:cBhvr>
+                                      <p:to>
+                                        <p:strVal val="visible"/>
+                                      </p:to>
+                                    </p:set>
+                                    <p:animEffect transition="in" filter="fade">
+                                      <p:cBhvr>
+                                        <p:cTn id="22" dur="500"/>
+                                        <p:tgtEl>
+                                          <p:spTgt spid="3">
+                                            <p:txEl>
+                                              <p:pRg st="3" end="3"/>
+                                            </p:txEl>
+                                          </p:spTgt>
+                                        </p:tgtEl>
+                                      </p:cBhvr>
+                                    </p:animEffect>
+                                  </p:childTnLst>
+                                </p:cTn>
+                              </p:par>
+                            </p:childTnLst>
+                          </p:cTn>
+                        </p:par>
+                      </p:childTnLst>
+                    </p:cTn>
+                  </p:par>
+                  <p:par>
+                    <p:cTn id="23" fill="hold">
+                      <p:stCondLst>
+                        <p:cond delay="indefinite"/>
+                      </p:stCondLst>
+                      <p:childTnLst>
+                        <p:par>
+                          <p:cTn id="24" fill="hold">
+                            <p:stCondLst>
+                              <p:cond delay="0"/>
+                            </p:stCondLst>
+                            <p:childTnLst>
+                              <p:par>
+                                <p:cTn id="25" presetID="10" presetClass="entr" presetSubtype="0" fill="hold" nodeType="clickEffect">
+                                  <p:stCondLst>
+                                    <p:cond delay="0"/>
+                                  </p:stCondLst>
+                                  <p:childTnLst>
+                                    <p:set>
+                                      <p:cBhvr>
+                                        <p:cTn id="26" dur="1" fill="hold">
+                                          <p:stCondLst>
+                                            <p:cond delay="0"/>
+                                          </p:stCondLst>
+                                        </p:cTn>
+                                        <p:tgtEl>
+                                          <p:spTgt spid="3">
+                                            <p:txEl>
+                                              <p:pRg st="4" end="4"/>
+                                            </p:txEl>
+                                          </p:spTgt>
+                                        </p:tgtEl>
+                                        <p:attrNameLst>
+                                          <p:attrName>style.visibility</p:attrName>
+                                        </p:attrNameLst>
+                                      </p:cBhvr>
+                                      <p:to>
+                                        <p:strVal val="visible"/>
+                                      </p:to>
+                                    </p:set>
+                                    <p:animEffect transition="in" filter="fade">
+                                      <p:cBhvr>
+                                        <p:cTn id="27" dur="500"/>
+                                        <p:tgtEl>
+                                          <p:spTgt spid="3">
+                                            <p:txEl>
+                                              <p:pRg st="4" end="4"/>
+                                            </p:txEl>
+                                          </p:spTgt>
+                                        </p:tgtEl>
+                                      </p:cBhvr>
+                                    </p:animEffect>
+                                  </p:childTnLst>
+                                </p:cTn>
+                              </p:par>
+                            </p:childTnLst>
+                          </p:cTn>
+                        </p:par>
+                      </p:childTnLst>
+                    </p:cTn>
+                  </p:par>
+                </p:childTnLst>
+              </p:cTn>
+              <p:prevCondLst>
+                <p:cond evt="onPrev" delay="0">
+                  <p:tgtEl>
+                    <p:sldTgt/>
+                  </p:tgtEl>
+                </p:cond>
+              </p:prevCondLst>
+              <p:nextCondLst>
+                <p:cond evt="onNext" delay="0">
+                  <p:tgtEl>
+                    <p:sldTgt/>
+                  </p:tgtEl>
+                </p:cond>
+              </p:nextCondLst>
+            </p:seq>
+          </p:childTnLst>
+        </p:cTn>
+      </p:par>
+    </p:tnLst>
+  </p:timing>
+</p:sld>
+</file>
+
+<file path=ppt/slides/slide11.xml><?xml version="1.0" encoding="utf-8"?>
+<p:sld xmlns:a="http://schemas.openxmlformats.org/drawingml/2006/main" xmlns:r="http://schemas.openxmlformats.org/officeDocument/2006/relationships" xmlns:p="http://schemas.openxmlformats.org/presentationml/2006/main">
+  <p:cSld>
+    <p:bg>
+      <p:bgPr>
+        <a:solidFill>
+          <a:schemeClr val="tx1">
+            <a:lumMod val="50000"/>
+          </a:schemeClr>
+        </a:solidFill>
+        <a:effectLst/>
+      </p:bgPr>
+    </p:bg>
+    <p:spTree>
+      <p:nvGrpSpPr>
+        <p:cNvPr id="1" name=""/>
+        <p:cNvGrpSpPr/>
+        <p:nvPr/>
+      </p:nvGrpSpPr>
+      <p:grpSpPr>
+        <a:xfrm>
+          <a:off x="0" y="0"/>
+          <a:ext cx="0" cy="0"/>
+          <a:chOff x="0" y="0"/>
+          <a:chExt cx="0" cy="0"/>
+        </a:xfrm>
+      </p:grpSpPr>
+      <p:sp>
+        <p:nvSpPr>
+          <p:cNvPr id="2" name="Title 1"/>
+          <p:cNvSpPr>
+            <a:spLocks noGrp="1"/>
+          </p:cNvSpPr>
+          <p:nvPr>
+            <p:ph type="title"/>
+          </p:nvPr>
+        </p:nvSpPr>
+        <p:spPr/>
+        <p:txBody>
+          <a:bodyPr/>
+          <a:lstStyle/>
+          <a:p>
+            <a:r>
+              <a:rPr lang="en-US" dirty="0"/>
+              <a:t>A Full Example</a:t>
+            </a:r>
+          </a:p>
+        </p:txBody>
+      </p:sp>
+      <p:sp>
+        <p:nvSpPr>
+          <p:cNvPr id="6" name="Content Placeholder 5">
+            <a:extLst>
+              <a:ext uri="{FF2B5EF4-FFF2-40B4-BE49-F238E27FC236}">
+                <a16:creationId xmlns:a16="http://schemas.microsoft.com/office/drawing/2014/main" id="{064A53E3-6D9C-44DE-BCDE-2CE3EE95B8BD}"/>
+              </a:ext>
+            </a:extLst>
+          </p:cNvPr>
+          <p:cNvSpPr>
+            <a:spLocks noGrp="1"/>
+          </p:cNvSpPr>
+          <p:nvPr>
+            <p:ph idx="1"/>
+          </p:nvPr>
+        </p:nvSpPr>
+        <p:spPr/>
+        <p:txBody>
+          <a:bodyPr>
+            <a:normAutofit/>
+          </a:bodyPr>
+          <a:lstStyle/>
+          <a:p>
+            <a:pPr marL="57150" indent="0">
+              <a:buNone/>
+            </a:pPr>
+            <a:r>
+              <a:rPr lang="en-US" sz="11500" dirty="0">
+                <a:hlinkClick r:id="rId2"/>
+              </a:rPr>
+              <a:t>https://replit.com/@HylandOutreach/HtmlExample</a:t>
+            </a:r>
+            <a:endParaRPr lang="en-US" sz="3600" dirty="0"/>
+          </a:p>
+        </p:txBody>
+      </p:sp>
+    </p:spTree>
+    <p:extLst>
+      <p:ext uri="{BB962C8B-B14F-4D97-AF65-F5344CB8AC3E}">
+        <p14:creationId xmlns:p14="http://schemas.microsoft.com/office/powerpoint/2010/main" val="678630062"/>
+      </p:ext>
+    </p:extLst>
+  </p:cSld>
+  <p:clrMapOvr>
+    <a:masterClrMapping/>
+  </p:clrMapOvr>
+  <p:transition>
+    <p:fade/>
+  </p:transition>
+</p:sld>
+</file>
+
+<file path=ppt/slides/slide12.xml><?xml version="1.0" encoding="utf-8"?>
+<p:sld xmlns:a="http://schemas.openxmlformats.org/drawingml/2006/main" xmlns:r="http://schemas.openxmlformats.org/officeDocument/2006/relationships" xmlns:p="http://schemas.openxmlformats.org/presentationml/2006/main">
+  <p:cSld>
+    <p:spTree>
+      <p:nvGrpSpPr>
+        <p:cNvPr id="1" name=""/>
+        <p:cNvGrpSpPr/>
+        <p:nvPr/>
+      </p:nvGrpSpPr>
+      <p:grpSpPr>
+        <a:xfrm>
+          <a:off x="0" y="0"/>
+          <a:ext cx="0" cy="0"/>
+          <a:chOff x="0" y="0"/>
+          <a:chExt cx="0" cy="0"/>
+        </a:xfrm>
+      </p:grpSpPr>
+      <p:sp>
+        <p:nvSpPr>
+          <p:cNvPr id="2" name="Text Placeholder 1">
+            <a:extLst>
+              <a:ext uri="{FF2B5EF4-FFF2-40B4-BE49-F238E27FC236}">
+                <a16:creationId xmlns:a16="http://schemas.microsoft.com/office/drawing/2014/main" id="{27C54231-2C08-42F5-BE1C-203CB8D282B2}"/>
+              </a:ext>
+            </a:extLst>
+          </p:cNvPr>
+          <p:cNvSpPr>
+            <a:spLocks noGrp="1"/>
+          </p:cNvSpPr>
+          <p:nvPr>
+            <p:ph type="body" sz="quarter" idx="10"/>
+          </p:nvPr>
+        </p:nvSpPr>
+        <p:spPr/>
+        <p:txBody>
+          <a:bodyPr/>
+          <a:lstStyle/>
+          <a:p>
+            <a:r>
+              <a:rPr lang="en-US" dirty="0"/>
+              <a:t>Questions?</a:t>
+            </a:r>
+          </a:p>
+        </p:txBody>
+      </p:sp>
+    </p:spTree>
+    <p:extLst>
+      <p:ext uri="{BB962C8B-B14F-4D97-AF65-F5344CB8AC3E}">
+        <p14:creationId xmlns:p14="http://schemas.microsoft.com/office/powerpoint/2010/main" val="4287245496"/>
+      </p:ext>
+    </p:extLst>
+  </p:cSld>
+  <p:clrMapOvr>
+    <a:masterClrMapping/>
+  </p:clrMapOvr>
+  <p:transition>
+    <p:fade/>
+  </p:transition>
+</p:sld>
+</file>
+
+<file path=ppt/slides/slide2.xml><?xml version="1.0" encoding="utf-8"?>
+<p:sld xmlns:a="http://schemas.openxmlformats.org/drawingml/2006/main" xmlns:r="http://schemas.openxmlformats.org/officeDocument/2006/relationships" xmlns:p="http://schemas.openxmlformats.org/presentationml/2006/main">
+  <p:cSld>
+    <p:spTree>
+      <p:nvGrpSpPr>
+        <p:cNvPr id="1" name=""/>
+        <p:cNvGrpSpPr/>
+        <p:nvPr/>
+      </p:nvGrpSpPr>
+      <p:grpSpPr>
+        <a:xfrm>
+          <a:off x="0" y="0"/>
+          <a:ext cx="0" cy="0"/>
+          <a:chOff x="0" y="0"/>
+          <a:chExt cx="0" cy="0"/>
+        </a:xfrm>
+      </p:grpSpPr>
+      <p:sp>
+        <p:nvSpPr>
+          <p:cNvPr id="2" name="Title 1"/>
+          <p:cNvSpPr>
+            <a:spLocks noGrp="1"/>
+          </p:cNvSpPr>
+          <p:nvPr>
+            <p:ph type="title"/>
+          </p:nvPr>
+        </p:nvSpPr>
+        <p:spPr/>
+        <p:txBody>
+          <a:bodyPr/>
+          <a:lstStyle/>
+          <a:p>
+            <a:r>
+              <a:rPr lang="en-US" dirty="0"/>
+              <a:t>Web Overview</a:t>
+            </a:r>
+          </a:p>
+        </p:txBody>
+      </p:sp>
+      <p:pic>
+        <p:nvPicPr>
+          <p:cNvPr id="2052" name="Picture 4" descr="Image result for spider-man web"/>
+          <p:cNvPicPr>
+            <a:picLocks noChangeAspect="1" noChangeArrowheads="1"/>
+          </p:cNvPicPr>
+          <p:nvPr/>
+        </p:nvPicPr>
+        <p:blipFill rotWithShape="1">
+          <a:blip r:embed="rId2">
+            <a:extLst>
+              <a:ext uri="{28A0092B-C50C-407E-A947-70E740481C1C}">
+                <a14:useLocalDpi xmlns:a14="http://schemas.microsoft.com/office/drawing/2010/main" val="0"/>
+              </a:ext>
+            </a:extLst>
+          </a:blip>
+          <a:srcRect b="1907"/>
+          <a:stretch/>
+        </p:blipFill>
+        <p:spPr bwMode="auto">
+          <a:xfrm>
+            <a:off x="5200650" y="0"/>
+            <a:ext cx="6991350" cy="6858000"/>
+          </a:xfrm>
+          <a:prstGeom prst="rect">
+            <a:avLst/>
+          </a:prstGeom>
+          <a:noFill/>
+          <a:extLst>
+            <a:ext uri="{909E8E84-426E-40DD-AFC4-6F175D3DCCD1}">
+              <a14:hiddenFill xmlns:a14="http://schemas.microsoft.com/office/drawing/2010/main">
+                <a:solidFill>
+                  <a:srgbClr val="FFFFFF"/>
+                </a:solidFill>
+              </a14:hiddenFill>
+            </a:ext>
+          </a:extLst>
+        </p:spPr>
+      </p:pic>
+    </p:spTree>
+    <p:extLst>
+      <p:ext uri="{BB962C8B-B14F-4D97-AF65-F5344CB8AC3E}">
+        <p14:creationId xmlns:p14="http://schemas.microsoft.com/office/powerpoint/2010/main" val="3729235405"/>
+      </p:ext>
+    </p:extLst>
+  </p:cSld>
+  <p:clrMapOvr>
+    <a:masterClrMapping/>
+  </p:clrMapOvr>
+  <p:transition>
+    <p:fade/>
+  </p:transition>
+</p:sld>
+</file>
+
+<file path=ppt/slides/slide3.xml><?xml version="1.0" encoding="utf-8"?>
+<p:sld xmlns:a="http://schemas.openxmlformats.org/drawingml/2006/main" xmlns:r="http://schemas.openxmlformats.org/officeDocument/2006/relationships" xmlns:p="http://schemas.openxmlformats.org/presentationml/2006/main">
+  <p:cSld>
+    <p:spTree>
+      <p:nvGrpSpPr>
+        <p:cNvPr id="1" name=""/>
+        <p:cNvGrpSpPr/>
+        <p:nvPr/>
+      </p:nvGrpSpPr>
+      <p:grpSpPr>
+        <a:xfrm>
+          <a:off x="0" y="0"/>
+          <a:ext cx="0" cy="0"/>
+          <a:chOff x="0" y="0"/>
+          <a:chExt cx="0" cy="0"/>
+        </a:xfrm>
+      </p:grpSpPr>
+      <p:sp>
+        <p:nvSpPr>
+          <p:cNvPr id="2" name="Title 1">
+            <a:extLst>
+              <a:ext uri="{FF2B5EF4-FFF2-40B4-BE49-F238E27FC236}">
+                <a16:creationId xmlns:a16="http://schemas.microsoft.com/office/drawing/2014/main" id="{46F886F7-B6EE-4C21-843C-1528FD0248F3}"/>
+              </a:ext>
+            </a:extLst>
+          </p:cNvPr>
+          <p:cNvSpPr>
+            <a:spLocks noGrp="1"/>
+          </p:cNvSpPr>
+          <p:nvPr>
+            <p:ph type="title"/>
+          </p:nvPr>
+        </p:nvSpPr>
+        <p:spPr/>
+        <p:txBody>
+          <a:bodyPr/>
+          <a:lstStyle/>
+          <a:p>
+            <a:r>
+              <a:rPr lang="en-US" dirty="0"/>
+              <a:t>What is a web browser?</a:t>
+            </a:r>
+          </a:p>
+        </p:txBody>
+      </p:sp>
+      <p:sp>
+        <p:nvSpPr>
+          <p:cNvPr id="4" name="Content Placeholder 3">
+            <a:extLst>
+              <a:ext uri="{FF2B5EF4-FFF2-40B4-BE49-F238E27FC236}">
+                <a16:creationId xmlns:a16="http://schemas.microsoft.com/office/drawing/2014/main" id="{D82BD408-1743-4375-8AFF-C8311A74CF35}"/>
+              </a:ext>
+            </a:extLst>
+          </p:cNvPr>
+          <p:cNvSpPr>
+            <a:spLocks noGrp="1"/>
+          </p:cNvSpPr>
+          <p:nvPr>
+            <p:ph idx="1"/>
+          </p:nvPr>
+        </p:nvSpPr>
+        <p:spPr>
+          <a:xfrm>
+            <a:off x="381000" y="1143000"/>
+            <a:ext cx="11430000" cy="2743200"/>
+          </a:xfrm>
+        </p:spPr>
+        <p:txBody>
+          <a:bodyPr/>
+          <a:lstStyle/>
+          <a:p>
+            <a:pPr marL="57150" indent="0">
+              <a:buNone/>
+            </a:pPr>
+            <a:r>
+              <a:rPr lang="en-US" sz="6000" dirty="0"/>
+              <a:t>A </a:t>
+            </a:r>
+            <a:r>
+              <a:rPr lang="en-US" sz="6000" b="1" dirty="0"/>
+              <a:t>web browser</a:t>
+            </a:r>
+            <a:r>
+              <a:rPr lang="en-US" sz="6000" dirty="0"/>
+              <a:t> is an application that is used to view websites.</a:t>
+            </a:r>
+          </a:p>
+          <a:p>
+            <a:pPr marL="57150" indent="0">
+              <a:buNone/>
+            </a:pPr>
+            <a:r>
+              <a:rPr lang="en-US" sz="4000" b="1" i="1" dirty="0">
+                <a:solidFill>
+                  <a:schemeClr val="accent2"/>
+                </a:solidFill>
+              </a:rPr>
+              <a:t>What are some examples of web browsers?</a:t>
+            </a:r>
+          </a:p>
+        </p:txBody>
+      </p:sp>
+      <p:pic>
+        <p:nvPicPr>
+          <p:cNvPr id="1026" name="Picture 2" descr="Video RTC · Web Browsers support in 2020! · Blog">
+            <a:extLst>
+              <a:ext uri="{FF2B5EF4-FFF2-40B4-BE49-F238E27FC236}">
+                <a16:creationId xmlns:a16="http://schemas.microsoft.com/office/drawing/2014/main" id="{E468E81B-92B8-44D7-A262-4AAA2CEE2DC7}"/>
+              </a:ext>
+            </a:extLst>
+          </p:cNvPr>
+          <p:cNvPicPr>
+            <a:picLocks noChangeAspect="1" noChangeArrowheads="1"/>
+          </p:cNvPicPr>
+          <p:nvPr/>
+        </p:nvPicPr>
+        <p:blipFill rotWithShape="1">
+          <a:blip r:embed="rId3">
+            <a:extLst>
+              <a:ext uri="{28A0092B-C50C-407E-A947-70E740481C1C}">
+                <a14:useLocalDpi xmlns:a14="http://schemas.microsoft.com/office/drawing/2010/main" val="0"/>
+              </a:ext>
+            </a:extLst>
+          </a:blip>
+          <a:srcRect t="12333" b="51001"/>
+          <a:stretch/>
+        </p:blipFill>
+        <p:spPr bwMode="auto">
+          <a:xfrm>
+            <a:off x="0" y="3886200"/>
+            <a:ext cx="12192000" cy="2514600"/>
+          </a:xfrm>
+          <a:prstGeom prst="rect">
+            <a:avLst/>
+          </a:prstGeom>
+          <a:noFill/>
+          <a:extLst>
+            <a:ext uri="{909E8E84-426E-40DD-AFC4-6F175D3DCCD1}">
+              <a14:hiddenFill xmlns:a14="http://schemas.microsoft.com/office/drawing/2010/main">
+                <a:solidFill>
+                  <a:srgbClr val="FFFFFF"/>
+                </a:solidFill>
+              </a14:hiddenFill>
+            </a:ext>
+          </a:extLst>
+        </p:spPr>
+      </p:pic>
+    </p:spTree>
+    <p:extLst>
+      <p:ext uri="{BB962C8B-B14F-4D97-AF65-F5344CB8AC3E}">
+        <p14:creationId xmlns:p14="http://schemas.microsoft.com/office/powerpoint/2010/main" val="3503690666"/>
+      </p:ext>
+    </p:extLst>
+  </p:cSld>
+  <p:clrMapOvr>
+    <a:masterClrMapping/>
+  </p:clrMapOvr>
+  <p:transition>
+    <p:fade/>
+  </p:transition>
+  <p:timing>
+    <p:tnLst>
+      <p:par>
+        <p:cTn id="1" dur="indefinite" restart="never" nodeType="tmRoot">
+          <p:childTnLst>
+            <p:seq concurrent="1" nextAc="seek">
+              <p:cTn id="2" dur="indefinite" nodeType="mainSeq">
+                <p:childTnLst>
+                  <p:par>
+                    <p:cTn id="3" fill="hold">
+                      <p:stCondLst>
+                        <p:cond delay="indefinite"/>
+                      </p:stCondLst>
+                      <p:childTnLst>
+                        <p:par>
+                          <p:cTn id="4" fill="hold">
+                            <p:stCondLst>
+                              <p:cond delay="0"/>
+                            </p:stCondLst>
+                            <p:childTnLst>
+                              <p:par>
+                                <p:cTn id="5" presetID="10" presetClass="entr" presetSubtype="0" fill="hold" nodeType="clickEffect">
+                                  <p:stCondLst>
+                                    <p:cond delay="0"/>
+                                  </p:stCondLst>
+                                  <p:childTnLst>
+                                    <p:set>
+                                      <p:cBhvr>
+                                        <p:cTn id="6" dur="1" fill="hold">
+                                          <p:stCondLst>
+                                            <p:cond delay="0"/>
+                                          </p:stCondLst>
+                                        </p:cTn>
+                                        <p:tgtEl>
+                                          <p:spTgt spid="4">
+                                            <p:txEl>
+                                              <p:pRg st="0" end="0"/>
+                                            </p:txEl>
+                                          </p:spTgt>
+                                        </p:tgtEl>
+                                        <p:attrNameLst>
+                                          <p:attrName>style.visibility</p:attrName>
+                                        </p:attrNameLst>
+                                      </p:cBhvr>
+                                      <p:to>
+                                        <p:strVal val="visible"/>
+                                      </p:to>
+                                    </p:set>
+                                    <p:animEffect transition="in" filter="fade">
+                                      <p:cBhvr>
+                                        <p:cTn id="7" dur="500"/>
+                                        <p:tgtEl>
+                                          <p:spTgt spid="4">
+                                            <p:txEl>
+                                              <p:pRg st="0" end="0"/>
+                                            </p:txEl>
+                                          </p:spTgt>
+                                        </p:tgtEl>
+                                      </p:cBhvr>
+                                    </p:animEffect>
+                                  </p:childTnLst>
+                                </p:cTn>
+                              </p:par>
+                            </p:childTnLst>
+                          </p:cTn>
+                        </p:par>
+                      </p:childTnLst>
+                    </p:cTn>
+                  </p:par>
+                  <p:par>
+                    <p:cTn id="8" fill="hold">
+                      <p:stCondLst>
+                        <p:cond delay="indefinite"/>
+                      </p:stCondLst>
+                      <p:childTnLst>
+                        <p:par>
+                          <p:cTn id="9" fill="hold">
+                            <p:stCondLst>
+                              <p:cond delay="0"/>
+                            </p:stCondLst>
+                            <p:childTnLst>
+                              <p:par>
+                                <p:cTn id="10" presetID="10" presetClass="entr" presetSubtype="0" fill="hold" nodeType="clickEffect">
+                                  <p:stCondLst>
+                                    <p:cond delay="0"/>
+                                  </p:stCondLst>
+                                  <p:childTnLst>
+                                    <p:set>
+                                      <p:cBhvr>
+                                        <p:cTn id="11" dur="1" fill="hold">
+                                          <p:stCondLst>
+                                            <p:cond delay="0"/>
+                                          </p:stCondLst>
+                                        </p:cTn>
+                                        <p:tgtEl>
+                                          <p:spTgt spid="4">
+                                            <p:txEl>
+                                              <p:pRg st="1" end="1"/>
+                                            </p:txEl>
+                                          </p:spTgt>
+                                        </p:tgtEl>
+                                        <p:attrNameLst>
+                                          <p:attrName>style.visibility</p:attrName>
+                                        </p:attrNameLst>
+                                      </p:cBhvr>
+                                      <p:to>
+                                        <p:strVal val="visible"/>
+                                      </p:to>
+                                    </p:set>
+                                    <p:animEffect transition="in" filter="fade">
+                                      <p:cBhvr>
+                                        <p:cTn id="12" dur="500"/>
+                                        <p:tgtEl>
+                                          <p:spTgt spid="4">
+                                            <p:txEl>
+                                              <p:pRg st="1" end="1"/>
+                                            </p:txEl>
+                                          </p:spTgt>
+                                        </p:tgtEl>
+                                      </p:cBhvr>
+                                    </p:animEffect>
+                                  </p:childTnLst>
+                                </p:cTn>
+                              </p:par>
+                            </p:childTnLst>
+                          </p:cTn>
+                        </p:par>
+                      </p:childTnLst>
+                    </p:cTn>
+                  </p:par>
+                </p:childTnLst>
+              </p:cTn>
+              <p:prevCondLst>
+                <p:cond evt="onPrev" delay="0">
+                  <p:tgtEl>
+                    <p:sldTgt/>
+                  </p:tgtEl>
+                </p:cond>
+              </p:prevCondLst>
+              <p:nextCondLst>
+                <p:cond evt="onNext" delay="0">
+                  <p:tgtEl>
+                    <p:sldTgt/>
+                  </p:tgtEl>
+                </p:cond>
+              </p:nextCondLst>
+            </p:seq>
+          </p:childTnLst>
+        </p:cTn>
+      </p:par>
+    </p:tnLst>
+  </p:timing>
+</p:sld>
+</file>
+
+<file path=ppt/slides/slide4.xml><?xml version="1.0" encoding="utf-8"?>
+<p:sld xmlns:a="http://schemas.openxmlformats.org/drawingml/2006/main" xmlns:r="http://schemas.openxmlformats.org/officeDocument/2006/relationships" xmlns:p="http://schemas.openxmlformats.org/presentationml/2006/main">
+  <p:cSld>
+    <p:spTree>
+      <p:nvGrpSpPr>
+        <p:cNvPr id="1" name=""/>
+        <p:cNvGrpSpPr/>
+        <p:nvPr/>
+      </p:nvGrpSpPr>
+      <p:grpSpPr>
+        <a:xfrm>
+          <a:off x="0" y="0"/>
+          <a:ext cx="0" cy="0"/>
+          <a:chOff x="0" y="0"/>
+          <a:chExt cx="0" cy="0"/>
+        </a:xfrm>
+      </p:grpSpPr>
+      <p:sp>
+        <p:nvSpPr>
+          <p:cNvPr id="2" name="Title 1"/>
+          <p:cNvSpPr>
+            <a:spLocks noGrp="1"/>
+          </p:cNvSpPr>
+          <p:nvPr>
+            <p:ph type="title"/>
+          </p:nvPr>
+        </p:nvSpPr>
+        <p:spPr/>
+        <p:txBody>
+          <a:bodyPr/>
+          <a:lstStyle/>
+          <a:p>
+            <a:r>
+              <a:rPr lang="en-US" dirty="0"/>
+              <a:t>How does a browser use HTML?</a:t>
+            </a:r>
+          </a:p>
+        </p:txBody>
+      </p:sp>
+      <p:sp>
+        <p:nvSpPr>
+          <p:cNvPr id="3" name="Content Placeholder 2"/>
+          <p:cNvSpPr>
+            <a:spLocks noGrp="1"/>
+          </p:cNvSpPr>
+          <p:nvPr>
+            <p:ph idx="1"/>
+          </p:nvPr>
+        </p:nvSpPr>
+        <p:spPr>
+          <a:xfrm>
+            <a:off x="381000" y="1143000"/>
+            <a:ext cx="11430000" cy="571500"/>
+          </a:xfrm>
+        </p:spPr>
+        <p:txBody>
+          <a:bodyPr/>
+          <a:lstStyle/>
+          <a:p>
+            <a:r>
+              <a:rPr lang="en-US" dirty="0"/>
+              <a:t>The browser takes HTML and turns it into a webpage</a:t>
+            </a:r>
+          </a:p>
+        </p:txBody>
+      </p:sp>
+      <p:sp>
+        <p:nvSpPr>
+          <p:cNvPr id="7" name="Rectangle 6"/>
+          <p:cNvSpPr/>
+          <p:nvPr/>
+        </p:nvSpPr>
+        <p:spPr bwMode="auto">
+          <a:xfrm>
+            <a:off x="723900" y="1828800"/>
+            <a:ext cx="6629400" cy="4343400"/>
+          </a:xfrm>
+          <a:prstGeom prst="rect">
+            <a:avLst/>
+          </a:prstGeom>
+          <a:solidFill>
+            <a:schemeClr val="tx1">
+              <a:lumMod val="50000"/>
+            </a:schemeClr>
+          </a:solidFill>
+          <a:ln w="12700">
+            <a:solidFill>
+              <a:schemeClr val="tx2"/>
+            </a:solidFill>
+            <a:miter lim="800000"/>
+            <a:headEnd type="none" w="med" len="med"/>
+            <a:tailEnd type="none" w="med" len="med"/>
+          </a:ln>
+          <a:effectLst/>
+        </p:spPr>
+        <p:style>
+          <a:lnRef idx="1">
+            <a:schemeClr val="accent2"/>
+          </a:lnRef>
+          <a:fillRef idx="3">
+            <a:schemeClr val="accent2"/>
+          </a:fillRef>
+          <a:effectRef idx="2">
+            <a:schemeClr val="accent2"/>
+          </a:effectRef>
+          <a:fontRef idx="minor">
+            <a:schemeClr val="lt1"/>
+          </a:fontRef>
+        </p:style>
+        <p:txBody>
+          <a:bodyPr rot="0" spcFirstLastPara="0" vertOverflow="overflow" horzOverflow="overflow" vert="horz" wrap="square" lIns="182880" tIns="146304" rIns="182880" bIns="146304" numCol="1" spcCol="0" rtlCol="0" fromWordArt="0" anchor="t" anchorCtr="0" forceAA="0" compatLnSpc="1">
+            <a:prstTxWarp prst="textNoShape">
+              <a:avLst/>
+            </a:prstTxWarp>
+            <a:noAutofit/>
+          </a:bodyPr>
+          <a:lstStyle/>
+          <a:p>
+            <a:r>
+              <a:rPr lang="en-US" sz="2400" dirty="0">
+                <a:solidFill>
+                  <a:srgbClr val="808080"/>
+                </a:solidFill>
+                <a:latin typeface="Consolas" panose="020B0609020204030204" pitchFamily="49" charset="0"/>
+              </a:rPr>
+              <a:t>&lt;</a:t>
+            </a:r>
+            <a:r>
+              <a:rPr lang="en-US" sz="2400" dirty="0">
+                <a:solidFill>
+                  <a:srgbClr val="569CD6"/>
+                </a:solidFill>
+                <a:latin typeface="Consolas" panose="020B0609020204030204" pitchFamily="49" charset="0"/>
+              </a:rPr>
+              <a:t>html</a:t>
+            </a:r>
+            <a:r>
+              <a:rPr lang="en-US" sz="2400" dirty="0">
+                <a:solidFill>
+                  <a:srgbClr val="808080"/>
+                </a:solidFill>
+                <a:latin typeface="Consolas" panose="020B0609020204030204" pitchFamily="49" charset="0"/>
+              </a:rPr>
+              <a:t>&gt;</a:t>
+            </a:r>
+            <a:endParaRPr lang="en-US" sz="2400" dirty="0">
+              <a:solidFill>
+                <a:srgbClr val="D4D4D4"/>
+              </a:solidFill>
+              <a:latin typeface="Consolas" panose="020B0609020204030204" pitchFamily="49" charset="0"/>
+            </a:endParaRPr>
+          </a:p>
+          <a:p>
+            <a:r>
+              <a:rPr lang="en-US" sz="2400" dirty="0">
+                <a:solidFill>
+                  <a:srgbClr val="D4D4D4"/>
+                </a:solidFill>
+                <a:latin typeface="Consolas" panose="020B0609020204030204" pitchFamily="49" charset="0"/>
+              </a:rPr>
+              <a:t>    </a:t>
+            </a:r>
+            <a:r>
+              <a:rPr lang="en-US" sz="2400" dirty="0">
+                <a:solidFill>
+                  <a:srgbClr val="808080"/>
+                </a:solidFill>
+                <a:latin typeface="Consolas" panose="020B0609020204030204" pitchFamily="49" charset="0"/>
+              </a:rPr>
+              <a:t>&lt;</a:t>
+            </a:r>
+            <a:r>
+              <a:rPr lang="en-US" sz="2400" dirty="0">
+                <a:solidFill>
+                  <a:srgbClr val="569CD6"/>
+                </a:solidFill>
+                <a:latin typeface="Consolas" panose="020B0609020204030204" pitchFamily="49" charset="0"/>
+              </a:rPr>
+              <a:t>body</a:t>
+            </a:r>
+            <a:r>
+              <a:rPr lang="en-US" sz="2400" dirty="0">
+                <a:solidFill>
+                  <a:srgbClr val="808080"/>
+                </a:solidFill>
+                <a:latin typeface="Consolas" panose="020B0609020204030204" pitchFamily="49" charset="0"/>
+              </a:rPr>
+              <a:t>&gt;</a:t>
+            </a:r>
+            <a:endParaRPr lang="en-US" sz="2400" dirty="0">
+              <a:solidFill>
+                <a:srgbClr val="D4D4D4"/>
+              </a:solidFill>
+              <a:latin typeface="Consolas" panose="020B0609020204030204" pitchFamily="49" charset="0"/>
+            </a:endParaRPr>
+          </a:p>
+          <a:p>
+            <a:r>
+              <a:rPr lang="en-US" sz="2400" dirty="0">
+                <a:solidFill>
+                  <a:srgbClr val="D4D4D4"/>
+                </a:solidFill>
+                <a:latin typeface="Consolas" panose="020B0609020204030204" pitchFamily="49" charset="0"/>
+              </a:rPr>
+              <a:t>        </a:t>
+            </a:r>
+            <a:r>
+              <a:rPr lang="en-US" sz="2400" dirty="0">
+                <a:solidFill>
+                  <a:srgbClr val="808080"/>
+                </a:solidFill>
+                <a:latin typeface="Consolas" panose="020B0609020204030204" pitchFamily="49" charset="0"/>
+              </a:rPr>
+              <a:t>&lt;</a:t>
+            </a:r>
+            <a:r>
+              <a:rPr lang="en-US" sz="2400" dirty="0">
+                <a:solidFill>
+                  <a:srgbClr val="569CD6"/>
+                </a:solidFill>
+                <a:latin typeface="Consolas" panose="020B0609020204030204" pitchFamily="49" charset="0"/>
+              </a:rPr>
+              <a:t>h1</a:t>
+            </a:r>
+            <a:r>
+              <a:rPr lang="en-US" sz="2400" dirty="0">
+                <a:solidFill>
+                  <a:srgbClr val="808080"/>
+                </a:solidFill>
+                <a:latin typeface="Consolas" panose="020B0609020204030204" pitchFamily="49" charset="0"/>
+              </a:rPr>
+              <a:t>&gt;</a:t>
+            </a:r>
+            <a:r>
+              <a:rPr lang="en-US" sz="2400" dirty="0">
+                <a:solidFill>
+                  <a:srgbClr val="D4D4D4"/>
+                </a:solidFill>
+                <a:latin typeface="Consolas" panose="020B0609020204030204" pitchFamily="49" charset="0"/>
+              </a:rPr>
+              <a:t>About Me</a:t>
+            </a:r>
+            <a:r>
+              <a:rPr lang="en-US" sz="2400" dirty="0">
+                <a:solidFill>
+                  <a:srgbClr val="808080"/>
+                </a:solidFill>
+                <a:latin typeface="Consolas" panose="020B0609020204030204" pitchFamily="49" charset="0"/>
+              </a:rPr>
+              <a:t>&lt;/</a:t>
+            </a:r>
+            <a:r>
+              <a:rPr lang="en-US" sz="2400" dirty="0">
+                <a:solidFill>
+                  <a:srgbClr val="569CD6"/>
+                </a:solidFill>
+                <a:latin typeface="Consolas" panose="020B0609020204030204" pitchFamily="49" charset="0"/>
+              </a:rPr>
+              <a:t>h1</a:t>
+            </a:r>
+            <a:r>
+              <a:rPr lang="en-US" sz="2400" dirty="0">
+                <a:solidFill>
+                  <a:srgbClr val="808080"/>
+                </a:solidFill>
+                <a:latin typeface="Consolas" panose="020B0609020204030204" pitchFamily="49" charset="0"/>
+              </a:rPr>
+              <a:t>&gt;</a:t>
+            </a:r>
+            <a:endParaRPr lang="en-US" sz="2400" dirty="0">
+              <a:solidFill>
+                <a:srgbClr val="D4D4D4"/>
+              </a:solidFill>
+              <a:latin typeface="Consolas" panose="020B0609020204030204" pitchFamily="49" charset="0"/>
+            </a:endParaRPr>
+          </a:p>
+          <a:p>
+            <a:br>
+              <a:rPr lang="en-US" sz="2400" dirty="0">
+                <a:solidFill>
+                  <a:srgbClr val="D4D4D4"/>
+                </a:solidFill>
+                <a:latin typeface="Consolas" panose="020B0609020204030204" pitchFamily="49" charset="0"/>
+              </a:rPr>
+            </a:br>
+            <a:r>
+              <a:rPr lang="en-US" sz="2400" dirty="0">
+                <a:solidFill>
+                  <a:srgbClr val="D4D4D4"/>
+                </a:solidFill>
+                <a:latin typeface="Consolas" panose="020B0609020204030204" pitchFamily="49" charset="0"/>
+              </a:rPr>
+              <a:t>        </a:t>
+            </a:r>
+            <a:r>
+              <a:rPr lang="en-US" sz="2400" dirty="0">
+                <a:solidFill>
+                  <a:srgbClr val="808080"/>
+                </a:solidFill>
+                <a:latin typeface="Consolas" panose="020B0609020204030204" pitchFamily="49" charset="0"/>
+              </a:rPr>
+              <a:t>&lt;</a:t>
+            </a:r>
+            <a:r>
+              <a:rPr lang="en-US" sz="2400" dirty="0">
+                <a:solidFill>
+                  <a:srgbClr val="569CD6"/>
+                </a:solidFill>
+                <a:latin typeface="Consolas" panose="020B0609020204030204" pitchFamily="49" charset="0"/>
+              </a:rPr>
+              <a:t>p</a:t>
+            </a:r>
+            <a:r>
+              <a:rPr lang="en-US" sz="2400" dirty="0">
+                <a:solidFill>
+                  <a:srgbClr val="808080"/>
+                </a:solidFill>
+                <a:latin typeface="Consolas" panose="020B0609020204030204" pitchFamily="49" charset="0"/>
+              </a:rPr>
+              <a:t>&gt;</a:t>
+            </a:r>
+            <a:r>
+              <a:rPr lang="en-US" sz="2400" dirty="0">
+                <a:solidFill>
+                  <a:srgbClr val="D4D4D4"/>
+                </a:solidFill>
+                <a:latin typeface="Consolas" panose="020B0609020204030204" pitchFamily="49" charset="0"/>
+              </a:rPr>
+              <a:t>Welcome to my page!</a:t>
+            </a:r>
+            <a:r>
+              <a:rPr lang="en-US" sz="2400" dirty="0">
+                <a:solidFill>
+                  <a:srgbClr val="808080"/>
+                </a:solidFill>
+                <a:latin typeface="Consolas" panose="020B0609020204030204" pitchFamily="49" charset="0"/>
+              </a:rPr>
+              <a:t>&lt;/</a:t>
+            </a:r>
+            <a:r>
+              <a:rPr lang="en-US" sz="2400" dirty="0">
+                <a:solidFill>
+                  <a:srgbClr val="569CD6"/>
+                </a:solidFill>
+                <a:latin typeface="Consolas" panose="020B0609020204030204" pitchFamily="49" charset="0"/>
+              </a:rPr>
+              <a:t>p</a:t>
+            </a:r>
+            <a:r>
+              <a:rPr lang="en-US" sz="2400" dirty="0">
+                <a:solidFill>
+                  <a:srgbClr val="808080"/>
+                </a:solidFill>
+                <a:latin typeface="Consolas" panose="020B0609020204030204" pitchFamily="49" charset="0"/>
+              </a:rPr>
+              <a:t>&gt;</a:t>
+            </a:r>
+            <a:endParaRPr lang="en-US" sz="2400" dirty="0">
+              <a:solidFill>
+                <a:srgbClr val="D4D4D4"/>
+              </a:solidFill>
+              <a:latin typeface="Consolas" panose="020B0609020204030204" pitchFamily="49" charset="0"/>
+            </a:endParaRPr>
+          </a:p>
+          <a:p>
+            <a:r>
+              <a:rPr lang="en-US" sz="2400" dirty="0">
+                <a:solidFill>
+                  <a:srgbClr val="D4D4D4"/>
+                </a:solidFill>
+                <a:latin typeface="Consolas" panose="020B0609020204030204" pitchFamily="49" charset="0"/>
+              </a:rPr>
+              <a:t>        </a:t>
+            </a:r>
+            <a:r>
+              <a:rPr lang="en-US" sz="2400" dirty="0">
+                <a:solidFill>
+                  <a:srgbClr val="808080"/>
+                </a:solidFill>
+                <a:latin typeface="Consolas" panose="020B0609020204030204" pitchFamily="49" charset="0"/>
+              </a:rPr>
+              <a:t>&lt;</a:t>
+            </a:r>
+            <a:r>
+              <a:rPr lang="en-US" sz="2400" dirty="0">
+                <a:solidFill>
+                  <a:srgbClr val="569CD6"/>
+                </a:solidFill>
+                <a:latin typeface="Consolas" panose="020B0609020204030204" pitchFamily="49" charset="0"/>
+              </a:rPr>
+              <a:t>p</a:t>
+            </a:r>
+            <a:r>
+              <a:rPr lang="en-US" sz="2400" dirty="0">
+                <a:solidFill>
+                  <a:srgbClr val="808080"/>
+                </a:solidFill>
+                <a:latin typeface="Consolas" panose="020B0609020204030204" pitchFamily="49" charset="0"/>
+              </a:rPr>
+              <a:t>&gt;</a:t>
+            </a:r>
+            <a:r>
+              <a:rPr lang="en-US" sz="2400" dirty="0">
+                <a:solidFill>
+                  <a:srgbClr val="D4D4D4"/>
+                </a:solidFill>
+                <a:latin typeface="Consolas" panose="020B0609020204030204" pitchFamily="49" charset="0"/>
+              </a:rPr>
+              <a:t>My name is Arthur Read</a:t>
+            </a:r>
+            <a:r>
+              <a:rPr lang="en-US" sz="2400" dirty="0">
+                <a:solidFill>
+                  <a:srgbClr val="808080"/>
+                </a:solidFill>
+                <a:latin typeface="Consolas" panose="020B0609020204030204" pitchFamily="49" charset="0"/>
+              </a:rPr>
+              <a:t>&lt;/</a:t>
+            </a:r>
+            <a:r>
+              <a:rPr lang="en-US" sz="2400" dirty="0">
+                <a:solidFill>
+                  <a:srgbClr val="569CD6"/>
+                </a:solidFill>
+                <a:latin typeface="Consolas" panose="020B0609020204030204" pitchFamily="49" charset="0"/>
+              </a:rPr>
+              <a:t>p</a:t>
+            </a:r>
+            <a:r>
+              <a:rPr lang="en-US" sz="2400" dirty="0">
+                <a:solidFill>
+                  <a:srgbClr val="808080"/>
+                </a:solidFill>
+                <a:latin typeface="Consolas" panose="020B0609020204030204" pitchFamily="49" charset="0"/>
+              </a:rPr>
+              <a:t>&gt;</a:t>
+            </a:r>
+            <a:br>
+              <a:rPr lang="en-US" sz="2400" dirty="0">
+                <a:solidFill>
+                  <a:srgbClr val="D4D4D4"/>
+                </a:solidFill>
+                <a:latin typeface="Consolas" panose="020B0609020204030204" pitchFamily="49" charset="0"/>
+              </a:rPr>
+            </a:br>
+            <a:r>
+              <a:rPr lang="en-US" sz="2400" dirty="0">
+                <a:solidFill>
+                  <a:srgbClr val="D4D4D4"/>
+                </a:solidFill>
+                <a:latin typeface="Consolas" panose="020B0609020204030204" pitchFamily="49" charset="0"/>
+              </a:rPr>
+              <a:t>        </a:t>
+            </a:r>
+            <a:r>
+              <a:rPr lang="en-US" sz="2400" dirty="0">
+                <a:solidFill>
+                  <a:srgbClr val="808080"/>
+                </a:solidFill>
+                <a:latin typeface="Consolas" panose="020B0609020204030204" pitchFamily="49" charset="0"/>
+              </a:rPr>
+              <a:t>&lt;</a:t>
+            </a:r>
+            <a:r>
+              <a:rPr lang="en-US" sz="2400" dirty="0">
+                <a:solidFill>
+                  <a:srgbClr val="569CD6"/>
+                </a:solidFill>
+                <a:latin typeface="Consolas" panose="020B0609020204030204" pitchFamily="49" charset="0"/>
+              </a:rPr>
+              <a:t>h3</a:t>
+            </a:r>
+            <a:r>
+              <a:rPr lang="en-US" sz="2400" dirty="0">
+                <a:solidFill>
+                  <a:srgbClr val="808080"/>
+                </a:solidFill>
+                <a:latin typeface="Consolas" panose="020B0609020204030204" pitchFamily="49" charset="0"/>
+              </a:rPr>
+              <a:t>&gt;</a:t>
+            </a:r>
+            <a:r>
+              <a:rPr lang="en-US" sz="2400" dirty="0">
+                <a:solidFill>
+                  <a:srgbClr val="D4D4D4"/>
+                </a:solidFill>
+                <a:latin typeface="Consolas" panose="020B0609020204030204" pitchFamily="49" charset="0"/>
+              </a:rPr>
+              <a:t>Favorite Animal</a:t>
+            </a:r>
+            <a:r>
+              <a:rPr lang="en-US" sz="2400" dirty="0">
+                <a:solidFill>
+                  <a:srgbClr val="808080"/>
+                </a:solidFill>
+                <a:latin typeface="Consolas" panose="020B0609020204030204" pitchFamily="49" charset="0"/>
+              </a:rPr>
+              <a:t>&lt;/</a:t>
+            </a:r>
+            <a:r>
+              <a:rPr lang="en-US" sz="2400" dirty="0">
+                <a:solidFill>
+                  <a:srgbClr val="569CD6"/>
+                </a:solidFill>
+                <a:latin typeface="Consolas" panose="020B0609020204030204" pitchFamily="49" charset="0"/>
+              </a:rPr>
+              <a:t>h3</a:t>
+            </a:r>
+            <a:r>
+              <a:rPr lang="en-US" sz="2400" dirty="0">
+                <a:solidFill>
+                  <a:srgbClr val="808080"/>
+                </a:solidFill>
+                <a:latin typeface="Consolas" panose="020B0609020204030204" pitchFamily="49" charset="0"/>
+              </a:rPr>
+              <a:t>&gt;</a:t>
+            </a:r>
+            <a:endParaRPr lang="en-US" sz="2400" dirty="0">
+              <a:solidFill>
+                <a:srgbClr val="D4D4D4"/>
+              </a:solidFill>
+              <a:latin typeface="Consolas" panose="020B0609020204030204" pitchFamily="49" charset="0"/>
+            </a:endParaRPr>
+          </a:p>
+          <a:p>
+            <a:r>
+              <a:rPr lang="en-US" sz="2400" dirty="0">
+                <a:solidFill>
+                  <a:srgbClr val="D4D4D4"/>
+                </a:solidFill>
+                <a:latin typeface="Consolas" panose="020B0609020204030204" pitchFamily="49" charset="0"/>
+              </a:rPr>
+              <a:t>        </a:t>
+            </a:r>
+            <a:r>
+              <a:rPr lang="en-US" sz="2400" dirty="0">
+                <a:solidFill>
+                  <a:srgbClr val="808080"/>
+                </a:solidFill>
+                <a:latin typeface="Consolas" panose="020B0609020204030204" pitchFamily="49" charset="0"/>
+              </a:rPr>
+              <a:t>&lt;</a:t>
+            </a:r>
+            <a:r>
+              <a:rPr lang="en-US" sz="2400" dirty="0" err="1">
+                <a:solidFill>
+                  <a:srgbClr val="569CD6"/>
+                </a:solidFill>
+                <a:latin typeface="Consolas" panose="020B0609020204030204" pitchFamily="49" charset="0"/>
+              </a:rPr>
+              <a:t>img</a:t>
+            </a:r>
+            <a:r>
+              <a:rPr lang="en-US" sz="2400" dirty="0">
+                <a:solidFill>
+                  <a:srgbClr val="D4D4D4"/>
+                </a:solidFill>
+                <a:latin typeface="Consolas" panose="020B0609020204030204" pitchFamily="49" charset="0"/>
+              </a:rPr>
+              <a:t> </a:t>
+            </a:r>
+            <a:r>
+              <a:rPr lang="en-US" sz="2400" dirty="0" err="1">
+                <a:solidFill>
+                  <a:srgbClr val="9CDCFE"/>
+                </a:solidFill>
+                <a:latin typeface="Consolas" panose="020B0609020204030204" pitchFamily="49" charset="0"/>
+              </a:rPr>
+              <a:t>src</a:t>
+            </a:r>
+            <a:r>
+              <a:rPr lang="en-US" sz="2400" dirty="0">
+                <a:solidFill>
+                  <a:srgbClr val="D4D4D4"/>
+                </a:solidFill>
+                <a:latin typeface="Consolas" panose="020B0609020204030204" pitchFamily="49" charset="0"/>
+              </a:rPr>
+              <a:t>=</a:t>
+            </a:r>
+            <a:r>
+              <a:rPr lang="en-US" sz="2400" dirty="0">
+                <a:solidFill>
+                  <a:srgbClr val="CE9178"/>
+                </a:solidFill>
+                <a:latin typeface="Consolas" panose="020B0609020204030204" pitchFamily="49" charset="0"/>
+              </a:rPr>
+              <a:t>"pal.png"</a:t>
+            </a:r>
+            <a:r>
+              <a:rPr lang="en-US" sz="2400" dirty="0">
+                <a:solidFill>
+                  <a:srgbClr val="808080"/>
+                </a:solidFill>
+                <a:latin typeface="Consolas" panose="020B0609020204030204" pitchFamily="49" charset="0"/>
+              </a:rPr>
+              <a:t>&gt;</a:t>
+            </a:r>
+            <a:endParaRPr lang="en-US" sz="2400" dirty="0">
+              <a:solidFill>
+                <a:srgbClr val="D4D4D4"/>
+              </a:solidFill>
+              <a:latin typeface="Consolas" panose="020B0609020204030204" pitchFamily="49" charset="0"/>
+            </a:endParaRPr>
+          </a:p>
+          <a:p>
+            <a:r>
+              <a:rPr lang="en-US" sz="2400" dirty="0">
+                <a:solidFill>
+                  <a:srgbClr val="D4D4D4"/>
+                </a:solidFill>
+                <a:latin typeface="Consolas" panose="020B0609020204030204" pitchFamily="49" charset="0"/>
+              </a:rPr>
+              <a:t>        </a:t>
+            </a:r>
+            <a:r>
+              <a:rPr lang="en-US" sz="2400" dirty="0">
+                <a:solidFill>
+                  <a:srgbClr val="808080"/>
+                </a:solidFill>
+                <a:latin typeface="Consolas" panose="020B0609020204030204" pitchFamily="49" charset="0"/>
+              </a:rPr>
+              <a:t>&lt;</a:t>
+            </a:r>
+            <a:r>
+              <a:rPr lang="en-US" sz="2400" dirty="0">
+                <a:solidFill>
+                  <a:srgbClr val="569CD6"/>
+                </a:solidFill>
+                <a:latin typeface="Consolas" panose="020B0609020204030204" pitchFamily="49" charset="0"/>
+              </a:rPr>
+              <a:t>p</a:t>
+            </a:r>
+            <a:r>
+              <a:rPr lang="en-US" sz="2400" dirty="0">
+                <a:solidFill>
+                  <a:srgbClr val="808080"/>
+                </a:solidFill>
+                <a:latin typeface="Consolas" panose="020B0609020204030204" pitchFamily="49" charset="0"/>
+              </a:rPr>
+              <a:t>&gt;</a:t>
+            </a:r>
+            <a:r>
+              <a:rPr lang="en-US" sz="2400" dirty="0">
+                <a:solidFill>
+                  <a:srgbClr val="D4D4D4"/>
+                </a:solidFill>
+                <a:latin typeface="Consolas" panose="020B0609020204030204" pitchFamily="49" charset="0"/>
+              </a:rPr>
+              <a:t>Dogs are the best!</a:t>
+            </a:r>
+            <a:r>
+              <a:rPr lang="en-US" sz="2400" dirty="0">
+                <a:solidFill>
+                  <a:srgbClr val="808080"/>
+                </a:solidFill>
+                <a:latin typeface="Consolas" panose="020B0609020204030204" pitchFamily="49" charset="0"/>
+              </a:rPr>
+              <a:t>&lt;/</a:t>
+            </a:r>
+            <a:r>
+              <a:rPr lang="en-US" sz="2400" dirty="0">
+                <a:solidFill>
+                  <a:srgbClr val="569CD6"/>
+                </a:solidFill>
+                <a:latin typeface="Consolas" panose="020B0609020204030204" pitchFamily="49" charset="0"/>
+              </a:rPr>
+              <a:t>p</a:t>
+            </a:r>
+            <a:r>
+              <a:rPr lang="en-US" sz="2400" dirty="0">
+                <a:solidFill>
+                  <a:srgbClr val="808080"/>
+                </a:solidFill>
+                <a:latin typeface="Consolas" panose="020B0609020204030204" pitchFamily="49" charset="0"/>
+              </a:rPr>
+              <a:t>&gt;</a:t>
+            </a:r>
+          </a:p>
+          <a:p>
+            <a:r>
+              <a:rPr lang="en-US" sz="2400" dirty="0">
+                <a:solidFill>
+                  <a:srgbClr val="D4D4D4"/>
+                </a:solidFill>
+                <a:latin typeface="Consolas" panose="020B0609020204030204" pitchFamily="49" charset="0"/>
+              </a:rPr>
+              <a:t>    </a:t>
+            </a:r>
+            <a:r>
+              <a:rPr lang="en-US" sz="2400" dirty="0">
+                <a:solidFill>
+                  <a:srgbClr val="808080"/>
+                </a:solidFill>
+                <a:latin typeface="Consolas" panose="020B0609020204030204" pitchFamily="49" charset="0"/>
+              </a:rPr>
+              <a:t>&lt;/</a:t>
+            </a:r>
+            <a:r>
+              <a:rPr lang="en-US" sz="2400" dirty="0">
+                <a:solidFill>
+                  <a:srgbClr val="569CD6"/>
+                </a:solidFill>
+                <a:latin typeface="Consolas" panose="020B0609020204030204" pitchFamily="49" charset="0"/>
+              </a:rPr>
+              <a:t>body</a:t>
+            </a:r>
+            <a:r>
+              <a:rPr lang="en-US" sz="2400" dirty="0">
+                <a:solidFill>
+                  <a:srgbClr val="808080"/>
+                </a:solidFill>
+                <a:latin typeface="Consolas" panose="020B0609020204030204" pitchFamily="49" charset="0"/>
+              </a:rPr>
+              <a:t>&gt;</a:t>
+            </a:r>
+            <a:endParaRPr lang="en-US" sz="2400" dirty="0">
+              <a:solidFill>
+                <a:srgbClr val="D4D4D4"/>
+              </a:solidFill>
+              <a:latin typeface="Consolas" panose="020B0609020204030204" pitchFamily="49" charset="0"/>
+            </a:endParaRPr>
+          </a:p>
+          <a:p>
+            <a:r>
+              <a:rPr lang="en-US" sz="2400" dirty="0">
+                <a:solidFill>
+                  <a:srgbClr val="808080"/>
+                </a:solidFill>
+                <a:latin typeface="Consolas" panose="020B0609020204030204" pitchFamily="49" charset="0"/>
+              </a:rPr>
+              <a:t>&lt;/</a:t>
+            </a:r>
+            <a:r>
+              <a:rPr lang="en-US" sz="2400" dirty="0">
+                <a:solidFill>
+                  <a:srgbClr val="569CD6"/>
+                </a:solidFill>
+                <a:latin typeface="Consolas" panose="020B0609020204030204" pitchFamily="49" charset="0"/>
+              </a:rPr>
+              <a:t>html</a:t>
+            </a:r>
+            <a:r>
+              <a:rPr lang="en-US" sz="2400" dirty="0">
+                <a:solidFill>
+                  <a:srgbClr val="808080"/>
+                </a:solidFill>
+                <a:latin typeface="Consolas" panose="020B0609020204030204" pitchFamily="49" charset="0"/>
+              </a:rPr>
+              <a:t>&gt;</a:t>
+            </a:r>
+            <a:endParaRPr lang="en-US" sz="2400" b="0" dirty="0">
+              <a:solidFill>
+                <a:srgbClr val="D4D4D4"/>
+              </a:solidFill>
+              <a:effectLst/>
+              <a:latin typeface="Consolas" panose="020B0609020204030204" pitchFamily="49" charset="0"/>
+            </a:endParaRPr>
+          </a:p>
+        </p:txBody>
+      </p:sp>
+      <p:sp>
+        <p:nvSpPr>
+          <p:cNvPr id="13" name="Right Arrow 12"/>
+          <p:cNvSpPr/>
+          <p:nvPr/>
+        </p:nvSpPr>
+        <p:spPr bwMode="auto">
+          <a:xfrm>
+            <a:off x="7810500" y="3657600"/>
+            <a:ext cx="800100" cy="685800"/>
+          </a:xfrm>
+          <a:prstGeom prst="rightArrow">
+            <a:avLst/>
+          </a:prstGeom>
+          <a:solidFill>
+            <a:schemeClr val="accent5"/>
+          </a:solidFill>
+          <a:ln w="12700">
+            <a:solidFill>
+              <a:schemeClr val="tx2"/>
+            </a:solidFill>
+            <a:miter lim="800000"/>
+            <a:headEnd type="none" w="med" len="med"/>
+            <a:tailEnd type="none" w="med" len="med"/>
+          </a:ln>
+          <a:effectLst/>
+        </p:spPr>
+        <p:style>
+          <a:lnRef idx="1">
+            <a:schemeClr val="accent2"/>
+          </a:lnRef>
+          <a:fillRef idx="3">
+            <a:schemeClr val="accent2"/>
+          </a:fillRef>
+          <a:effectRef idx="2">
+            <a:schemeClr val="accent2"/>
+          </a:effectRef>
+          <a:fontRef idx="minor">
+            <a:schemeClr val="lt1"/>
+          </a:fontRef>
+        </p:style>
+        <p:txBody>
+          <a:bodyPr rot="0" spcFirstLastPara="0" vertOverflow="overflow" horzOverflow="overflow" vert="horz" wrap="square" lIns="182880" tIns="146304" rIns="182880" bIns="146304" numCol="1" spcCol="0" rtlCol="0" fromWordArt="0" anchor="t" anchorCtr="0" forceAA="0" compatLnSpc="1">
+            <a:prstTxWarp prst="textNoShape">
+              <a:avLst/>
+            </a:prstTxWarp>
+            <a:noAutofit/>
+          </a:bodyPr>
+          <a:lstStyle/>
+          <a:p>
+            <a:pPr algn="ctr" defTabSz="932472" fontAlgn="base">
+              <a:lnSpc>
+                <a:spcPct val="90000"/>
+              </a:lnSpc>
+              <a:spcBef>
+                <a:spcPct val="0"/>
+              </a:spcBef>
+              <a:spcAft>
+                <a:spcPct val="0"/>
+              </a:spcAft>
+            </a:pPr>
+            <a:endParaRPr lang="en-US" sz="2400" dirty="0" err="1">
+              <a:gradFill>
+                <a:gsLst>
+                  <a:gs pos="0">
+                    <a:srgbClr val="FFFFFF"/>
+                  </a:gs>
+                  <a:gs pos="100000">
+                    <a:srgbClr val="FFFFFF"/>
+                  </a:gs>
+                </a:gsLst>
+                <a:lin ang="5400000" scaled="0"/>
+              </a:gradFill>
+              <a:ea typeface="Segoe UI" pitchFamily="34" charset="0"/>
+              <a:cs typeface="Segoe UI" pitchFamily="34" charset="0"/>
+            </a:endParaRPr>
+          </a:p>
+        </p:txBody>
+      </p:sp>
+      <p:pic>
+        <p:nvPicPr>
+          <p:cNvPr id="15" name="Picture 14"/>
+          <p:cNvPicPr>
+            <a:picLocks noChangeAspect="1"/>
+          </p:cNvPicPr>
+          <p:nvPr/>
+        </p:nvPicPr>
+        <p:blipFill rotWithShape="1">
+          <a:blip r:embed="rId3"/>
+          <a:srcRect b="7705"/>
+          <a:stretch/>
+        </p:blipFill>
+        <p:spPr>
+          <a:xfrm>
+            <a:off x="9067800" y="1883465"/>
+            <a:ext cx="2238687" cy="4343400"/>
+          </a:xfrm>
+          <a:prstGeom prst="rect">
+            <a:avLst/>
+          </a:prstGeom>
+        </p:spPr>
+      </p:pic>
+    </p:spTree>
+    <p:extLst>
+      <p:ext uri="{BB962C8B-B14F-4D97-AF65-F5344CB8AC3E}">
+        <p14:creationId xmlns:p14="http://schemas.microsoft.com/office/powerpoint/2010/main" val="1466082927"/>
+      </p:ext>
+    </p:extLst>
+  </p:cSld>
+  <p:clrMapOvr>
+    <a:masterClrMapping/>
+  </p:clrMapOvr>
+  <p:transition>
+    <p:fade/>
+  </p:transition>
+  <p:timing>
+    <p:tnLst>
+      <p:par>
+        <p:cTn id="1" dur="indefinite" restart="never" nodeType="tmRoot">
+          <p:childTnLst>
+            <p:seq concurrent="1" nextAc="seek">
+              <p:cTn id="2" dur="indefinite" nodeType="mainSeq">
+                <p:childTnLst>
+                  <p:par>
+                    <p:cTn id="3" fill="hold">
+                      <p:stCondLst>
+                        <p:cond delay="indefinite"/>
+                        <p:cond evt="onBegin" delay="0">
+                          <p:tn val="2"/>
+                        </p:cond>
+                      </p:stCondLst>
+                      <p:childTnLst>
+                        <p:par>
+                          <p:cTn id="4" fill="hold">
+                            <p:stCondLst>
+                              <p:cond delay="0"/>
+                            </p:stCondLst>
+                            <p:childTnLst>
+                              <p:par>
+                                <p:cTn id="5" presetID="10" presetClass="entr" presetSubtype="0" fill="hold" grpId="0" nodeType="withEffect">
+                                  <p:stCondLst>
+                                    <p:cond delay="0"/>
+                                  </p:stCondLst>
+                                  <p:childTnLst>
+                                    <p:set>
+                                      <p:cBhvr>
+                                        <p:cTn id="6" dur="1" fill="hold">
+                                          <p:stCondLst>
+                                            <p:cond delay="0"/>
+                                          </p:stCondLst>
+                                        </p:cTn>
+                                        <p:tgtEl>
+                                          <p:spTgt spid="7"/>
+                                        </p:tgtEl>
+                                        <p:attrNameLst>
+                                          <p:attrName>style.visibility</p:attrName>
+                                        </p:attrNameLst>
+                                      </p:cBhvr>
+                                      <p:to>
+                                        <p:strVal val="visible"/>
+                                      </p:to>
+                                    </p:set>
+                                    <p:animEffect transition="in" filter="fade">
+                                      <p:cBhvr>
+                                        <p:cTn id="7" dur="500"/>
+                                        <p:tgtEl>
+                                          <p:spTgt spid="7"/>
+                                        </p:tgtEl>
+                                      </p:cBhvr>
+                                    </p:animEffect>
+                                  </p:childTnLst>
+                                </p:cTn>
+                              </p:par>
+                            </p:childTnLst>
+                          </p:cTn>
+                        </p:par>
+                      </p:childTnLst>
+                    </p:cTn>
+                  </p:par>
+                  <p:par>
+                    <p:cTn id="8" fill="hold">
+                      <p:stCondLst>
+                        <p:cond delay="indefinite"/>
+                      </p:stCondLst>
+                      <p:childTnLst>
+                        <p:par>
+                          <p:cTn id="9" fill="hold">
+                            <p:stCondLst>
+                              <p:cond delay="0"/>
+                            </p:stCondLst>
+                            <p:childTnLst>
+                              <p:par>
+                                <p:cTn id="10" presetID="10" presetClass="entr" presetSubtype="0" fill="hold" grpId="0" nodeType="clickEffect">
+                                  <p:stCondLst>
+                                    <p:cond delay="0"/>
+                                  </p:stCondLst>
+                                  <p:childTnLst>
+                                    <p:set>
+                                      <p:cBhvr>
+                                        <p:cTn id="11" dur="1" fill="hold">
+                                          <p:stCondLst>
+                                            <p:cond delay="0"/>
+                                          </p:stCondLst>
+                                        </p:cTn>
+                                        <p:tgtEl>
+                                          <p:spTgt spid="13"/>
+                                        </p:tgtEl>
+                                        <p:attrNameLst>
+                                          <p:attrName>style.visibility</p:attrName>
+                                        </p:attrNameLst>
+                                      </p:cBhvr>
+                                      <p:to>
+                                        <p:strVal val="visible"/>
+                                      </p:to>
+                                    </p:set>
+                                    <p:animEffect transition="in" filter="fade">
+                                      <p:cBhvr>
+                                        <p:cTn id="12" dur="500"/>
+                                        <p:tgtEl>
+                                          <p:spTgt spid="13"/>
+                                        </p:tgtEl>
+                                      </p:cBhvr>
+                                    </p:animEffect>
+                                  </p:childTnLst>
+                                </p:cTn>
+                              </p:par>
+                              <p:par>
+                                <p:cTn id="13" presetID="10" presetClass="entr" presetSubtype="0" fill="hold" nodeType="withEffect">
+                                  <p:stCondLst>
+                                    <p:cond delay="0"/>
+                                  </p:stCondLst>
+                                  <p:childTnLst>
+                                    <p:set>
+                                      <p:cBhvr>
+                                        <p:cTn id="14" dur="1" fill="hold">
+                                          <p:stCondLst>
+                                            <p:cond delay="0"/>
+                                          </p:stCondLst>
+                                        </p:cTn>
+                                        <p:tgtEl>
+                                          <p:spTgt spid="15"/>
+                                        </p:tgtEl>
+                                        <p:attrNameLst>
+                                          <p:attrName>style.visibility</p:attrName>
+                                        </p:attrNameLst>
+                                      </p:cBhvr>
+                                      <p:to>
+                                        <p:strVal val="visible"/>
+                                      </p:to>
+                                    </p:set>
+                                    <p:animEffect transition="in" filter="fade">
+                                      <p:cBhvr>
+                                        <p:cTn id="15" dur="500"/>
+                                        <p:tgtEl>
+                                          <p:spTgt spid="15"/>
+                                        </p:tgtEl>
+                                      </p:cBhvr>
+                                    </p:animEffect>
+                                  </p:childTnLst>
+                                </p:cTn>
+                              </p:par>
+                            </p:childTnLst>
+                          </p:cTn>
+                        </p:par>
+                      </p:childTnLst>
+                    </p:cTn>
+                  </p:par>
+                </p:childTnLst>
+              </p:cTn>
+              <p:prevCondLst>
+                <p:cond evt="onPrev" delay="0">
+                  <p:tgtEl>
+                    <p:sldTgt/>
+                  </p:tgtEl>
+                </p:cond>
+              </p:prevCondLst>
+              <p:nextCondLst>
+                <p:cond evt="onNext" delay="0">
+                  <p:tgtEl>
+                    <p:sldTgt/>
+                  </p:tgtEl>
+                </p:cond>
+              </p:nextCondLst>
+            </p:seq>
+          </p:childTnLst>
+        </p:cTn>
+      </p:par>
+    </p:tnLst>
+    <p:bldLst>
+      <p:bldP spid="7" grpId="0" animBg="1"/>
+      <p:bldP spid="13" grpId="0" animBg="1"/>
+    </p:bldLst>
+  </p:timing>
+</p:sld>
+</file>
+
+<file path=ppt/slides/slide5.xml><?xml version="1.0" encoding="utf-8"?>
+<p:sld xmlns:a="http://schemas.openxmlformats.org/drawingml/2006/main" xmlns:r="http://schemas.openxmlformats.org/officeDocument/2006/relationships" xmlns:p="http://schemas.openxmlformats.org/presentationml/2006/main">
+  <p:cSld>
+    <p:spTree>
+      <p:nvGrpSpPr>
+        <p:cNvPr id="1" name=""/>
+        <p:cNvGrpSpPr/>
+        <p:nvPr/>
+      </p:nvGrpSpPr>
+      <p:grpSpPr>
+        <a:xfrm>
+          <a:off x="0" y="0"/>
+          <a:ext cx="0" cy="0"/>
+          <a:chOff x="0" y="0"/>
+          <a:chExt cx="0" cy="0"/>
+        </a:xfrm>
+      </p:grpSpPr>
+      <p:sp>
+        <p:nvSpPr>
+          <p:cNvPr id="2" name="Title 1"/>
+          <p:cNvSpPr>
+            <a:spLocks noGrp="1"/>
+          </p:cNvSpPr>
+          <p:nvPr>
+            <p:ph type="title"/>
+          </p:nvPr>
+        </p:nvSpPr>
+        <p:spPr>
+          <a:xfrm>
+            <a:off x="381000" y="2062162"/>
+            <a:ext cx="4572000" cy="2738438"/>
+          </a:xfrm>
+        </p:spPr>
+        <p:txBody>
+          <a:bodyPr/>
+          <a:lstStyle/>
+          <a:p>
+            <a:r>
+              <a:rPr lang="en-US" dirty="0"/>
+              <a:t>HTML Introduction</a:t>
+            </a:r>
+          </a:p>
+        </p:txBody>
+      </p:sp>
+      <p:pic>
+        <p:nvPicPr>
+          <p:cNvPr id="3074" name="Picture 2" descr="Image result for html"/>
+          <p:cNvPicPr>
+            <a:picLocks noChangeAspect="1" noChangeArrowheads="1"/>
+          </p:cNvPicPr>
+          <p:nvPr/>
+        </p:nvPicPr>
+        <p:blipFill>
+          <a:blip r:embed="rId2">
+            <a:extLst>
+              <a:ext uri="{28A0092B-C50C-407E-A947-70E740481C1C}">
+                <a14:useLocalDpi xmlns:a14="http://schemas.microsoft.com/office/drawing/2010/main" val="0"/>
+              </a:ext>
+            </a:extLst>
+          </a:blip>
+          <a:srcRect/>
+          <a:stretch>
+            <a:fillRect/>
+          </a:stretch>
+        </p:blipFill>
+        <p:spPr bwMode="auto">
+          <a:xfrm>
+            <a:off x="5181599" y="0"/>
+            <a:ext cx="10289571" cy="6858000"/>
+          </a:xfrm>
+          <a:prstGeom prst="rect">
+            <a:avLst/>
+          </a:prstGeom>
+          <a:noFill/>
+          <a:extLst>
+            <a:ext uri="{909E8E84-426E-40DD-AFC4-6F175D3DCCD1}">
+              <a14:hiddenFill xmlns:a14="http://schemas.microsoft.com/office/drawing/2010/main">
+                <a:solidFill>
+                  <a:srgbClr val="FFFFFF"/>
+                </a:solidFill>
+              </a14:hiddenFill>
+            </a:ext>
+          </a:extLst>
+        </p:spPr>
+      </p:pic>
+    </p:spTree>
+    <p:extLst>
+      <p:ext uri="{BB962C8B-B14F-4D97-AF65-F5344CB8AC3E}">
+        <p14:creationId xmlns:p14="http://schemas.microsoft.com/office/powerpoint/2010/main" val="1114395347"/>
+      </p:ext>
+    </p:extLst>
+  </p:cSld>
+  <p:clrMapOvr>
+    <a:masterClrMapping/>
+  </p:clrMapOvr>
+  <p:transition>
+    <p:fade/>
+  </p:transition>
+</p:sld>
+</file>
+
+<file path=ppt/slides/slide6.xml><?xml version="1.0" encoding="utf-8"?>
+<p:sld xmlns:a="http://schemas.openxmlformats.org/drawingml/2006/main" xmlns:r="http://schemas.openxmlformats.org/officeDocument/2006/relationships" xmlns:p="http://schemas.openxmlformats.org/presentationml/2006/main">
+  <p:cSld>
+    <p:spTree>
+      <p:nvGrpSpPr>
+        <p:cNvPr id="1" name=""/>
+        <p:cNvGrpSpPr/>
+        <p:nvPr/>
+      </p:nvGrpSpPr>
+      <p:grpSpPr>
+        <a:xfrm>
+          <a:off x="0" y="0"/>
+          <a:ext cx="0" cy="0"/>
+          <a:chOff x="0" y="0"/>
+          <a:chExt cx="0" cy="0"/>
+        </a:xfrm>
+      </p:grpSpPr>
+      <p:sp>
+        <p:nvSpPr>
+          <p:cNvPr id="2" name="Title 1"/>
+          <p:cNvSpPr>
+            <a:spLocks noGrp="1"/>
+          </p:cNvSpPr>
+          <p:nvPr>
+            <p:ph type="title"/>
+          </p:nvPr>
+        </p:nvSpPr>
+        <p:spPr/>
+        <p:txBody>
+          <a:bodyPr/>
+          <a:lstStyle/>
+          <a:p>
+            <a:r>
+              <a:rPr lang="en-US" dirty="0"/>
+              <a:t>HTML Introduction</a:t>
+            </a:r>
+          </a:p>
+        </p:txBody>
+      </p:sp>
+      <p:sp>
+        <p:nvSpPr>
+          <p:cNvPr id="3" name="Content Placeholder 2"/>
+          <p:cNvSpPr>
+            <a:spLocks noGrp="1"/>
+          </p:cNvSpPr>
+          <p:nvPr>
+            <p:ph idx="1"/>
+          </p:nvPr>
+        </p:nvSpPr>
+        <p:spPr>
+          <a:xfrm>
+            <a:off x="381000" y="1143000"/>
+            <a:ext cx="11430000" cy="3314700"/>
+          </a:xfrm>
+        </p:spPr>
+        <p:txBody>
+          <a:bodyPr>
+            <a:normAutofit/>
+          </a:bodyPr>
+          <a:lstStyle/>
+          <a:p>
+            <a:r>
+              <a:rPr lang="en-US" sz="3500" dirty="0"/>
+              <a:t>An </a:t>
+            </a:r>
+            <a:r>
+              <a:rPr lang="en-US" sz="3500" b="1" dirty="0"/>
+              <a:t>HTML Document </a:t>
+            </a:r>
+            <a:r>
+              <a:rPr lang="en-US" sz="3500" dirty="0"/>
+              <a:t>is a text file with a specific format</a:t>
+            </a:r>
+          </a:p>
+          <a:p>
+            <a:pPr lvl="1"/>
+            <a:r>
+              <a:rPr lang="en-US" sz="3000" dirty="0"/>
+              <a:t>The file extension should be </a:t>
+            </a:r>
+            <a:r>
+              <a:rPr lang="en-US" sz="3000" b="1" dirty="0">
+                <a:solidFill>
+                  <a:schemeClr val="accent2"/>
+                </a:solidFill>
+              </a:rPr>
+              <a:t>.html</a:t>
+            </a:r>
+            <a:r>
+              <a:rPr lang="en-US" sz="3000" dirty="0"/>
+              <a:t> (e.g., </a:t>
+            </a:r>
+            <a:r>
+              <a:rPr lang="en-US" sz="3000" b="1" dirty="0">
+                <a:solidFill>
+                  <a:schemeClr val="accent2"/>
+                </a:solidFill>
+              </a:rPr>
+              <a:t>index.html</a:t>
+            </a:r>
+            <a:r>
+              <a:rPr lang="en-US" sz="3000" dirty="0"/>
+              <a:t>)</a:t>
+            </a:r>
+          </a:p>
+          <a:p>
+            <a:pPr marL="457200" lvl="1" indent="0">
+              <a:buNone/>
+            </a:pPr>
+            <a:endParaRPr lang="en-US" sz="3000" dirty="0"/>
+          </a:p>
+          <a:p>
+            <a:r>
+              <a:rPr lang="en-US" sz="3500" dirty="0"/>
+              <a:t>HTML has </a:t>
+            </a:r>
+            <a:r>
+              <a:rPr lang="en-US" sz="3500" b="1" dirty="0"/>
+              <a:t>elements</a:t>
+            </a:r>
+            <a:r>
+              <a:rPr lang="en-US" sz="3500" dirty="0"/>
+              <a:t>, each with a different purpose</a:t>
+            </a:r>
+          </a:p>
+          <a:p>
+            <a:pPr lvl="1"/>
+            <a:r>
+              <a:rPr lang="en-US" sz="3000" dirty="0"/>
+              <a:t>E.g., images, text, tables, links, and so on!</a:t>
+            </a:r>
+          </a:p>
+        </p:txBody>
+      </p:sp>
+      <p:pic>
+        <p:nvPicPr>
+          <p:cNvPr id="2052" name="Picture 4" descr="Periodic table - Wikipedia">
+            <a:extLst>
+              <a:ext uri="{FF2B5EF4-FFF2-40B4-BE49-F238E27FC236}">
+                <a16:creationId xmlns:a16="http://schemas.microsoft.com/office/drawing/2014/main" id="{2DF01B77-D78A-424B-835B-BD855F79CF11}"/>
+              </a:ext>
+            </a:extLst>
+          </p:cNvPr>
+          <p:cNvPicPr>
+            <a:picLocks noChangeAspect="1" noChangeArrowheads="1"/>
+          </p:cNvPicPr>
+          <p:nvPr/>
+        </p:nvPicPr>
+        <p:blipFill>
+          <a:blip r:embed="rId3">
+            <a:clrChange>
+              <a:clrFrom>
+                <a:srgbClr val="FFFFFF"/>
+              </a:clrFrom>
+              <a:clrTo>
+                <a:srgbClr val="FFFFFF">
+                  <a:alpha val="0"/>
+                </a:srgbClr>
+              </a:clrTo>
+            </a:clrChange>
+            <a:extLst>
+              <a:ext uri="{28A0092B-C50C-407E-A947-70E740481C1C}">
+                <a14:useLocalDpi xmlns:a14="http://schemas.microsoft.com/office/drawing/2010/main" val="0"/>
+              </a:ext>
+            </a:extLst>
+          </a:blip>
+          <a:srcRect/>
+          <a:stretch>
+            <a:fillRect/>
+          </a:stretch>
+        </p:blipFill>
+        <p:spPr bwMode="auto">
+          <a:xfrm>
+            <a:off x="1784851" y="4178455"/>
+            <a:ext cx="8622297" cy="2679545"/>
+          </a:xfrm>
+          <a:prstGeom prst="rect">
+            <a:avLst/>
+          </a:prstGeom>
+          <a:noFill/>
+          <a:extLst>
+            <a:ext uri="{909E8E84-426E-40DD-AFC4-6F175D3DCCD1}">
+              <a14:hiddenFill xmlns:a14="http://schemas.microsoft.com/office/drawing/2010/main">
+                <a:solidFill>
+                  <a:srgbClr val="FFFFFF"/>
+                </a:solidFill>
+              </a14:hiddenFill>
+            </a:ext>
+          </a:extLst>
+        </p:spPr>
+      </p:pic>
+    </p:spTree>
+    <p:extLst>
+      <p:ext uri="{BB962C8B-B14F-4D97-AF65-F5344CB8AC3E}">
+        <p14:creationId xmlns:p14="http://schemas.microsoft.com/office/powerpoint/2010/main" val="2488801181"/>
+      </p:ext>
+    </p:extLst>
+  </p:cSld>
+  <p:clrMapOvr>
+    <a:masterClrMapping/>
+  </p:clrMapOvr>
+  <p:transition>
+    <p:fade/>
+  </p:transition>
+  <p:timing>
+    <p:tnLst>
+      <p:par>
+        <p:cTn id="1" dur="indefinite" restart="never" nodeType="tmRoot">
+          <p:childTnLst>
+            <p:seq concurrent="1" nextAc="seek">
+              <p:cTn id="2" dur="indefinite" nodeType="mainSeq">
+                <p:childTnLst>
+                  <p:par>
+                    <p:cTn id="3" fill="hold">
+                      <p:stCondLst>
+                        <p:cond delay="indefinite"/>
+                      </p:stCondLst>
+                      <p:childTnLst>
+                        <p:par>
+                          <p:cTn id="4" fill="hold">
+                            <p:stCondLst>
+                              <p:cond delay="0"/>
+                            </p:stCondLst>
+                            <p:childTnLst>
+                              <p:par>
+                                <p:cTn id="5" presetID="10" presetClass="entr" presetSubtype="0" fill="hold" grpId="0" nodeType="clickEffect">
+                                  <p:stCondLst>
+                                    <p:cond delay="0"/>
+                                  </p:stCondLst>
+                                  <p:childTnLst>
+                                    <p:set>
+                                      <p:cBhvr>
+                                        <p:cTn id="6" dur="1" fill="hold">
+                                          <p:stCondLst>
+                                            <p:cond delay="0"/>
+                                          </p:stCondLst>
+                                        </p:cTn>
+                                        <p:tgtEl>
+                                          <p:spTgt spid="3">
+                                            <p:txEl>
+                                              <p:pRg st="0" end="0"/>
+                                            </p:txEl>
+                                          </p:spTgt>
+                                        </p:tgtEl>
+                                        <p:attrNameLst>
+                                          <p:attrName>style.visibility</p:attrName>
+                                        </p:attrNameLst>
+                                      </p:cBhvr>
+                                      <p:to>
+                                        <p:strVal val="visible"/>
+                                      </p:to>
+                                    </p:set>
+                                    <p:animEffect transition="in" filter="fade">
+                                      <p:cBhvr>
+                                        <p:cTn id="7" dur="500"/>
+                                        <p:tgtEl>
+                                          <p:spTgt spid="3">
+                                            <p:txEl>
+                                              <p:pRg st="0" end="0"/>
+                                            </p:txEl>
+                                          </p:spTgt>
+                                        </p:tgtEl>
+                                      </p:cBhvr>
+                                    </p:animEffect>
+                                  </p:childTnLst>
+                                </p:cTn>
+                              </p:par>
+                              <p:par>
+                                <p:cTn id="8" presetID="10" presetClass="entr" presetSubtype="0" fill="hold" grpId="0" nodeType="withEffect">
+                                  <p:stCondLst>
+                                    <p:cond delay="0"/>
+                                  </p:stCondLst>
+                                  <p:childTnLst>
+                                    <p:set>
+                                      <p:cBhvr>
+                                        <p:cTn id="9" dur="1" fill="hold">
+                                          <p:stCondLst>
+                                            <p:cond delay="0"/>
+                                          </p:stCondLst>
+                                        </p:cTn>
+                                        <p:tgtEl>
+                                          <p:spTgt spid="3">
+                                            <p:txEl>
+                                              <p:pRg st="1" end="1"/>
+                                            </p:txEl>
+                                          </p:spTgt>
+                                        </p:tgtEl>
+                                        <p:attrNameLst>
+                                          <p:attrName>style.visibility</p:attrName>
+                                        </p:attrNameLst>
+                                      </p:cBhvr>
+                                      <p:to>
+                                        <p:strVal val="visible"/>
+                                      </p:to>
+                                    </p:set>
+                                    <p:animEffect transition="in" filter="fade">
+                                      <p:cBhvr>
+                                        <p:cTn id="10" dur="500"/>
+                                        <p:tgtEl>
+                                          <p:spTgt spid="3">
+                                            <p:txEl>
+                                              <p:pRg st="1" end="1"/>
+                                            </p:txEl>
+                                          </p:spTgt>
+                                        </p:tgtEl>
+                                      </p:cBhvr>
+                                    </p:animEffect>
+                                  </p:childTnLst>
+                                </p:cTn>
+                              </p:par>
+                            </p:childTnLst>
+                          </p:cTn>
+                        </p:par>
+                      </p:childTnLst>
+                    </p:cTn>
+                  </p:par>
+                  <p:par>
+                    <p:cTn id="11" fill="hold">
+                      <p:stCondLst>
+                        <p:cond delay="indefinite"/>
+                      </p:stCondLst>
+                      <p:childTnLst>
+                        <p:par>
+                          <p:cTn id="12" fill="hold">
+                            <p:stCondLst>
+                              <p:cond delay="0"/>
+                            </p:stCondLst>
+                            <p:childTnLst>
+                              <p:par>
+                                <p:cTn id="13" presetID="10" presetClass="entr" presetSubtype="0" fill="hold" grpId="0" nodeType="clickEffect">
+                                  <p:stCondLst>
+                                    <p:cond delay="0"/>
+                                  </p:stCondLst>
+                                  <p:childTnLst>
+                                    <p:set>
+                                      <p:cBhvr>
+                                        <p:cTn id="14" dur="1" fill="hold">
+                                          <p:stCondLst>
+                                            <p:cond delay="0"/>
+                                          </p:stCondLst>
+                                        </p:cTn>
+                                        <p:tgtEl>
+                                          <p:spTgt spid="3">
+                                            <p:txEl>
+                                              <p:pRg st="3" end="3"/>
+                                            </p:txEl>
+                                          </p:spTgt>
+                                        </p:tgtEl>
+                                        <p:attrNameLst>
+                                          <p:attrName>style.visibility</p:attrName>
+                                        </p:attrNameLst>
+                                      </p:cBhvr>
+                                      <p:to>
+                                        <p:strVal val="visible"/>
+                                      </p:to>
+                                    </p:set>
+                                    <p:animEffect transition="in" filter="fade">
+                                      <p:cBhvr>
+                                        <p:cTn id="15" dur="500"/>
+                                        <p:tgtEl>
+                                          <p:spTgt spid="3">
+                                            <p:txEl>
+                                              <p:pRg st="3" end="3"/>
+                                            </p:txEl>
+                                          </p:spTgt>
+                                        </p:tgtEl>
+                                      </p:cBhvr>
+                                    </p:animEffect>
+                                  </p:childTnLst>
+                                </p:cTn>
+                              </p:par>
+                              <p:par>
+                                <p:cTn id="16" presetID="10" presetClass="entr" presetSubtype="0" fill="hold" grpId="0" nodeType="withEffect">
+                                  <p:stCondLst>
+                                    <p:cond delay="0"/>
+                                  </p:stCondLst>
+                                  <p:childTnLst>
+                                    <p:set>
+                                      <p:cBhvr>
+                                        <p:cTn id="17" dur="1" fill="hold">
+                                          <p:stCondLst>
+                                            <p:cond delay="0"/>
+                                          </p:stCondLst>
+                                        </p:cTn>
+                                        <p:tgtEl>
+                                          <p:spTgt spid="3">
+                                            <p:txEl>
+                                              <p:pRg st="4" end="4"/>
+                                            </p:txEl>
+                                          </p:spTgt>
+                                        </p:tgtEl>
+                                        <p:attrNameLst>
+                                          <p:attrName>style.visibility</p:attrName>
+                                        </p:attrNameLst>
+                                      </p:cBhvr>
+                                      <p:to>
+                                        <p:strVal val="visible"/>
+                                      </p:to>
+                                    </p:set>
+                                    <p:animEffect transition="in" filter="fade">
+                                      <p:cBhvr>
+                                        <p:cTn id="18" dur="500"/>
+                                        <p:tgtEl>
+                                          <p:spTgt spid="3">
+                                            <p:txEl>
+                                              <p:pRg st="4" end="4"/>
+                                            </p:txEl>
+                                          </p:spTgt>
+                                        </p:tgtEl>
+                                      </p:cBhvr>
+                                    </p:animEffect>
+                                  </p:childTnLst>
+                                </p:cTn>
+                              </p:par>
+                              <p:par>
+                                <p:cTn id="19" presetID="10" presetClass="entr" presetSubtype="0" fill="hold" nodeType="withEffect">
+                                  <p:stCondLst>
+                                    <p:cond delay="0"/>
+                                  </p:stCondLst>
+                                  <p:childTnLst>
+                                    <p:set>
+                                      <p:cBhvr>
+                                        <p:cTn id="20" dur="1" fill="hold">
+                                          <p:stCondLst>
+                                            <p:cond delay="0"/>
+                                          </p:stCondLst>
+                                        </p:cTn>
+                                        <p:tgtEl>
+                                          <p:spTgt spid="2052"/>
+                                        </p:tgtEl>
+                                        <p:attrNameLst>
+                                          <p:attrName>style.visibility</p:attrName>
+                                        </p:attrNameLst>
+                                      </p:cBhvr>
+                                      <p:to>
+                                        <p:strVal val="visible"/>
+                                      </p:to>
+                                    </p:set>
+                                    <p:animEffect transition="in" filter="fade">
+                                      <p:cBhvr>
+                                        <p:cTn id="21" dur="500"/>
+                                        <p:tgtEl>
+                                          <p:spTgt spid="2052"/>
+                                        </p:tgtEl>
+                                      </p:cBhvr>
+                                    </p:animEffect>
+                                  </p:childTnLst>
+                                </p:cTn>
+                              </p:par>
+                            </p:childTnLst>
+                          </p:cTn>
+                        </p:par>
+                      </p:childTnLst>
+                    </p:cTn>
+                  </p:par>
+                </p:childTnLst>
+              </p:cTn>
+              <p:prevCondLst>
+                <p:cond evt="onPrev" delay="0">
+                  <p:tgtEl>
+                    <p:sldTgt/>
+                  </p:tgtEl>
+                </p:cond>
+              </p:prevCondLst>
+              <p:nextCondLst>
+                <p:cond evt="onNext" delay="0">
+                  <p:tgtEl>
+                    <p:sldTgt/>
+                  </p:tgtEl>
+                </p:cond>
+              </p:nextCondLst>
+            </p:seq>
+          </p:childTnLst>
+        </p:cTn>
+      </p:par>
+    </p:tnLst>
+    <p:bldLst>
+      <p:bldP spid="3" grpId="0" uiExpand="1" build="p"/>
+    </p:bldLst>
+  </p:timing>
+</p:sld>
+</file>
+
+<file path=ppt/slides/slide7.xml><?xml version="1.0" encoding="utf-8"?>
+<p:sld xmlns:a="http://schemas.openxmlformats.org/drawingml/2006/main" xmlns:r="http://schemas.openxmlformats.org/officeDocument/2006/relationships" xmlns:p="http://schemas.openxmlformats.org/presentationml/2006/main">
+  <p:cSld>
+    <p:spTree>
+      <p:nvGrpSpPr>
+        <p:cNvPr id="1" name=""/>
+        <p:cNvGrpSpPr/>
+        <p:nvPr/>
+      </p:nvGrpSpPr>
+      <p:grpSpPr>
+        <a:xfrm>
+          <a:off x="0" y="0"/>
+          <a:ext cx="0" cy="0"/>
+          <a:chOff x="0" y="0"/>
+          <a:chExt cx="0" cy="0"/>
+        </a:xfrm>
+      </p:grpSpPr>
+      <p:sp>
+        <p:nvSpPr>
+          <p:cNvPr id="2" name="Title 1">
+            <a:extLst>
+              <a:ext uri="{FF2B5EF4-FFF2-40B4-BE49-F238E27FC236}">
+                <a16:creationId xmlns:a16="http://schemas.microsoft.com/office/drawing/2014/main" id="{724B590B-F8A9-473F-98F4-147150BD78DE}"/>
+              </a:ext>
+            </a:extLst>
+          </p:cNvPr>
+          <p:cNvSpPr>
+            <a:spLocks noGrp="1"/>
+          </p:cNvSpPr>
+          <p:nvPr>
+            <p:ph type="title"/>
+          </p:nvPr>
+        </p:nvSpPr>
+        <p:spPr/>
+        <p:txBody>
+          <a:bodyPr/>
+          <a:lstStyle/>
+          <a:p>
+            <a:r>
+              <a:rPr lang="en-US" dirty="0"/>
+              <a:t>What are these?</a:t>
+            </a:r>
+          </a:p>
+        </p:txBody>
+      </p:sp>
+      <p:sp>
+        <p:nvSpPr>
+          <p:cNvPr id="3" name="Content Placeholder 2">
+            <a:extLst>
+              <a:ext uri="{FF2B5EF4-FFF2-40B4-BE49-F238E27FC236}">
+                <a16:creationId xmlns:a16="http://schemas.microsoft.com/office/drawing/2014/main" id="{6AE26C5C-FC3A-412F-AEFE-1420E2335709}"/>
+              </a:ext>
+            </a:extLst>
+          </p:cNvPr>
+          <p:cNvSpPr>
+            <a:spLocks noGrp="1"/>
+          </p:cNvSpPr>
+          <p:nvPr>
+            <p:ph idx="1"/>
+          </p:nvPr>
+        </p:nvSpPr>
+        <p:spPr/>
+        <p:txBody>
+          <a:bodyPr anchor="ctr">
+            <a:normAutofit/>
+          </a:bodyPr>
+          <a:lstStyle/>
+          <a:p>
+            <a:pPr marL="57150" indent="0" algn="ctr">
+              <a:buNone/>
+            </a:pPr>
+            <a:r>
+              <a:rPr lang="en-US" sz="19900" b="1" dirty="0">
+                <a:latin typeface="Consolas" panose="020B0609020204030204" pitchFamily="49" charset="0"/>
+              </a:rPr>
+              <a:t>&lt; &gt;</a:t>
+            </a:r>
+            <a:endParaRPr lang="en-US" sz="1800" b="1" dirty="0">
+              <a:latin typeface="Consolas" panose="020B0609020204030204" pitchFamily="49" charset="0"/>
+            </a:endParaRPr>
+          </a:p>
+        </p:txBody>
+      </p:sp>
+      <p:sp>
+        <p:nvSpPr>
+          <p:cNvPr id="4" name="TextBox 3">
+            <a:extLst>
+              <a:ext uri="{FF2B5EF4-FFF2-40B4-BE49-F238E27FC236}">
+                <a16:creationId xmlns:a16="http://schemas.microsoft.com/office/drawing/2014/main" id="{70D52820-953E-4EFE-9DF1-16F73A58CCA2}"/>
+              </a:ext>
+            </a:extLst>
+          </p:cNvPr>
+          <p:cNvSpPr txBox="1"/>
+          <p:nvPr/>
+        </p:nvSpPr>
+        <p:spPr>
+          <a:xfrm>
+            <a:off x="1892407" y="5143498"/>
+            <a:ext cx="3791744" cy="849463"/>
+          </a:xfrm>
+          <a:prstGeom prst="rect">
+            <a:avLst/>
+          </a:prstGeom>
+          <a:solidFill>
+            <a:schemeClr val="accent2">
+              <a:lumMod val="20000"/>
+              <a:lumOff val="80000"/>
+            </a:schemeClr>
+          </a:solidFill>
+          <a:ln w="19050">
+            <a:solidFill>
+              <a:schemeClr val="accent2"/>
+            </a:solidFill>
+          </a:ln>
+        </p:spPr>
+        <p:txBody>
+          <a:bodyPr wrap="none" lIns="182880" tIns="146304" rIns="182880" bIns="146304" rtlCol="0">
+            <a:spAutoFit/>
+          </a:bodyPr>
+          <a:lstStyle/>
+          <a:p>
+            <a:pPr>
+              <a:lnSpc>
+                <a:spcPct val="90000"/>
+              </a:lnSpc>
+              <a:spcAft>
+                <a:spcPts val="600"/>
+              </a:spcAft>
+            </a:pPr>
+            <a:r>
+              <a:rPr lang="en-US" sz="4000" dirty="0">
+                <a:gradFill>
+                  <a:gsLst>
+                    <a:gs pos="2917">
+                      <a:schemeClr val="tx1"/>
+                    </a:gs>
+                    <a:gs pos="30000">
+                      <a:schemeClr val="tx1"/>
+                    </a:gs>
+                  </a:gsLst>
+                  <a:lin ang="5400000" scaled="0"/>
+                </a:gradFill>
+              </a:rPr>
+              <a:t>Less-than Sign</a:t>
+            </a:r>
+          </a:p>
+        </p:txBody>
+      </p:sp>
+      <p:sp>
+        <p:nvSpPr>
+          <p:cNvPr id="5" name="TextBox 4">
+            <a:extLst>
+              <a:ext uri="{FF2B5EF4-FFF2-40B4-BE49-F238E27FC236}">
+                <a16:creationId xmlns:a16="http://schemas.microsoft.com/office/drawing/2014/main" id="{2264245D-99AD-4C0B-969F-5B05D68B7C91}"/>
+              </a:ext>
+            </a:extLst>
+          </p:cNvPr>
+          <p:cNvSpPr txBox="1"/>
+          <p:nvPr/>
+        </p:nvSpPr>
+        <p:spPr>
+          <a:xfrm>
+            <a:off x="6506193" y="5143499"/>
+            <a:ext cx="4448975" cy="849463"/>
+          </a:xfrm>
+          <a:prstGeom prst="rect">
+            <a:avLst/>
+          </a:prstGeom>
+          <a:solidFill>
+            <a:schemeClr val="accent2">
+              <a:lumMod val="20000"/>
+              <a:lumOff val="80000"/>
+            </a:schemeClr>
+          </a:solidFill>
+          <a:ln w="19050">
+            <a:solidFill>
+              <a:schemeClr val="accent2"/>
+            </a:solidFill>
+          </a:ln>
+        </p:spPr>
+        <p:txBody>
+          <a:bodyPr wrap="none" lIns="182880" tIns="146304" rIns="182880" bIns="146304" rtlCol="0">
+            <a:spAutoFit/>
+          </a:bodyPr>
+          <a:lstStyle/>
+          <a:p>
+            <a:pPr>
+              <a:lnSpc>
+                <a:spcPct val="90000"/>
+              </a:lnSpc>
+              <a:spcAft>
+                <a:spcPts val="600"/>
+              </a:spcAft>
+            </a:pPr>
+            <a:r>
+              <a:rPr lang="en-US" sz="4000" dirty="0">
+                <a:gradFill>
+                  <a:gsLst>
+                    <a:gs pos="2917">
+                      <a:schemeClr val="tx1"/>
+                    </a:gs>
+                    <a:gs pos="30000">
+                      <a:schemeClr val="tx1"/>
+                    </a:gs>
+                  </a:gsLst>
+                  <a:lin ang="5400000" scaled="0"/>
+                </a:gradFill>
+              </a:rPr>
+              <a:t>Greater-than Sign</a:t>
+            </a:r>
+          </a:p>
+        </p:txBody>
+      </p:sp>
+      <p:sp>
+        <p:nvSpPr>
+          <p:cNvPr id="6" name="TextBox 5">
+            <a:extLst>
+              <a:ext uri="{FF2B5EF4-FFF2-40B4-BE49-F238E27FC236}">
+                <a16:creationId xmlns:a16="http://schemas.microsoft.com/office/drawing/2014/main" id="{25F7A2A0-F390-4DCB-B8BA-FC4D94269D34}"/>
+              </a:ext>
+            </a:extLst>
+          </p:cNvPr>
+          <p:cNvSpPr txBox="1"/>
+          <p:nvPr/>
+        </p:nvSpPr>
+        <p:spPr>
+          <a:xfrm>
+            <a:off x="3352800" y="1473434"/>
+            <a:ext cx="5543825" cy="1126462"/>
+          </a:xfrm>
+          <a:prstGeom prst="rect">
+            <a:avLst/>
+          </a:prstGeom>
+          <a:solidFill>
+            <a:schemeClr val="accent1">
+              <a:lumMod val="20000"/>
+              <a:lumOff val="80000"/>
+            </a:schemeClr>
+          </a:solidFill>
+          <a:ln w="19050">
+            <a:solidFill>
+              <a:schemeClr val="accent1"/>
+            </a:solidFill>
+          </a:ln>
+        </p:spPr>
+        <p:txBody>
+          <a:bodyPr wrap="none" lIns="182880" tIns="146304" rIns="182880" bIns="146304" rtlCol="0">
+            <a:spAutoFit/>
+          </a:bodyPr>
+          <a:lstStyle/>
+          <a:p>
+            <a:pPr>
+              <a:lnSpc>
+                <a:spcPct val="90000"/>
+              </a:lnSpc>
+              <a:spcAft>
+                <a:spcPts val="600"/>
+              </a:spcAft>
+            </a:pPr>
+            <a:r>
+              <a:rPr lang="en-US" sz="6000" dirty="0">
+                <a:gradFill>
+                  <a:gsLst>
+                    <a:gs pos="2917">
+                      <a:schemeClr val="tx1"/>
+                    </a:gs>
+                    <a:gs pos="30000">
+                      <a:schemeClr val="tx1"/>
+                    </a:gs>
+                  </a:gsLst>
+                  <a:lin ang="5400000" scaled="0"/>
+                </a:gradFill>
+              </a:rPr>
+              <a:t>Angle Brackets</a:t>
+            </a:r>
+          </a:p>
+        </p:txBody>
+      </p:sp>
+    </p:spTree>
+    <p:extLst>
+      <p:ext uri="{BB962C8B-B14F-4D97-AF65-F5344CB8AC3E}">
+        <p14:creationId xmlns:p14="http://schemas.microsoft.com/office/powerpoint/2010/main" val="1236349874"/>
+      </p:ext>
+    </p:extLst>
+  </p:cSld>
+  <p:clrMapOvr>
+    <a:masterClrMapping/>
+  </p:clrMapOvr>
+  <p:transition>
+    <p:fade/>
+  </p:transition>
+  <p:timing>
+    <p:tnLst>
+      <p:par>
+        <p:cTn id="1" dur="indefinite" restart="never" nodeType="tmRoot">
+          <p:childTnLst>
+            <p:seq concurrent="1" nextAc="seek">
+              <p:cTn id="2" dur="indefinite" nodeType="mainSeq">
+                <p:childTnLst>
+                  <p:par>
+                    <p:cTn id="3" fill="hold">
+                      <p:stCondLst>
+                        <p:cond delay="indefinite"/>
+                      </p:stCondLst>
+                      <p:childTnLst>
+                        <p:par>
+                          <p:cTn id="4" fill="hold">
+                            <p:stCondLst>
+                              <p:cond delay="0"/>
+                            </p:stCondLst>
+                            <p:childTnLst>
+                              <p:par>
+                                <p:cTn id="5" presetID="10" presetClass="entr" presetSubtype="0" fill="hold" grpId="0" nodeType="clickEffect">
+                                  <p:stCondLst>
+                                    <p:cond delay="0"/>
+                                  </p:stCondLst>
+                                  <p:childTnLst>
+                                    <p:set>
+                                      <p:cBhvr>
+                                        <p:cTn id="6" dur="1" fill="hold">
+                                          <p:stCondLst>
+                                            <p:cond delay="0"/>
+                                          </p:stCondLst>
+                                        </p:cTn>
+                                        <p:tgtEl>
+                                          <p:spTgt spid="4"/>
+                                        </p:tgtEl>
+                                        <p:attrNameLst>
+                                          <p:attrName>style.visibility</p:attrName>
+                                        </p:attrNameLst>
+                                      </p:cBhvr>
+                                      <p:to>
+                                        <p:strVal val="visible"/>
+                                      </p:to>
+                                    </p:set>
+                                    <p:animEffect transition="in" filter="fade">
+                                      <p:cBhvr>
+                                        <p:cTn id="7" dur="500"/>
+                                        <p:tgtEl>
+                                          <p:spTgt spid="4"/>
+                                        </p:tgtEl>
+                                      </p:cBhvr>
+                                    </p:animEffect>
+                                  </p:childTnLst>
+                                </p:cTn>
+                              </p:par>
+                            </p:childTnLst>
+                          </p:cTn>
+                        </p:par>
+                      </p:childTnLst>
+                    </p:cTn>
+                  </p:par>
+                  <p:par>
+                    <p:cTn id="8" fill="hold">
+                      <p:stCondLst>
+                        <p:cond delay="indefinite"/>
+                      </p:stCondLst>
+                      <p:childTnLst>
+                        <p:par>
+                          <p:cTn id="9" fill="hold">
+                            <p:stCondLst>
+                              <p:cond delay="0"/>
+                            </p:stCondLst>
+                            <p:childTnLst>
+                              <p:par>
+                                <p:cTn id="10" presetID="10" presetClass="entr" presetSubtype="0" fill="hold" grpId="0" nodeType="clickEffect">
+                                  <p:stCondLst>
+                                    <p:cond delay="0"/>
+                                  </p:stCondLst>
+                                  <p:childTnLst>
+                                    <p:set>
+                                      <p:cBhvr>
+                                        <p:cTn id="11" dur="1" fill="hold">
+                                          <p:stCondLst>
+                                            <p:cond delay="0"/>
+                                          </p:stCondLst>
+                                        </p:cTn>
+                                        <p:tgtEl>
+                                          <p:spTgt spid="5"/>
+                                        </p:tgtEl>
+                                        <p:attrNameLst>
+                                          <p:attrName>style.visibility</p:attrName>
+                                        </p:attrNameLst>
+                                      </p:cBhvr>
+                                      <p:to>
+                                        <p:strVal val="visible"/>
+                                      </p:to>
+                                    </p:set>
+                                    <p:animEffect transition="in" filter="fade">
+                                      <p:cBhvr>
+                                        <p:cTn id="12" dur="500"/>
+                                        <p:tgtEl>
+                                          <p:spTgt spid="5"/>
+                                        </p:tgtEl>
+                                      </p:cBhvr>
+                                    </p:animEffect>
+                                  </p:childTnLst>
+                                </p:cTn>
+                              </p:par>
+                            </p:childTnLst>
+                          </p:cTn>
+                        </p:par>
+                      </p:childTnLst>
+                    </p:cTn>
+                  </p:par>
+                  <p:par>
+                    <p:cTn id="13" fill="hold">
+                      <p:stCondLst>
+                        <p:cond delay="indefinite"/>
+                      </p:stCondLst>
+                      <p:childTnLst>
+                        <p:par>
+                          <p:cTn id="14" fill="hold">
+                            <p:stCondLst>
+                              <p:cond delay="0"/>
+                            </p:stCondLst>
+                            <p:childTnLst>
+                              <p:par>
+                                <p:cTn id="15" presetID="10" presetClass="entr" presetSubtype="0" fill="hold" grpId="0" nodeType="clickEffect">
+                                  <p:stCondLst>
+                                    <p:cond delay="0"/>
+                                  </p:stCondLst>
+                                  <p:childTnLst>
+                                    <p:set>
+                                      <p:cBhvr>
+                                        <p:cTn id="16" dur="1" fill="hold">
+                                          <p:stCondLst>
+                                            <p:cond delay="0"/>
+                                          </p:stCondLst>
+                                        </p:cTn>
+                                        <p:tgtEl>
+                                          <p:spTgt spid="6"/>
+                                        </p:tgtEl>
+                                        <p:attrNameLst>
+                                          <p:attrName>style.visibility</p:attrName>
+                                        </p:attrNameLst>
+                                      </p:cBhvr>
+                                      <p:to>
+                                        <p:strVal val="visible"/>
+                                      </p:to>
+                                    </p:set>
+                                    <p:animEffect transition="in" filter="fade">
+                                      <p:cBhvr>
+                                        <p:cTn id="17" dur="500"/>
+                                        <p:tgtEl>
+                                          <p:spTgt spid="6"/>
+                                        </p:tgtEl>
+                                      </p:cBhvr>
+                                    </p:animEffect>
+                                  </p:childTnLst>
+                                </p:cTn>
+                              </p:par>
+                            </p:childTnLst>
+                          </p:cTn>
+                        </p:par>
+                      </p:childTnLst>
+                    </p:cTn>
+                  </p:par>
+                </p:childTnLst>
+              </p:cTn>
+              <p:prevCondLst>
+                <p:cond evt="onPrev" delay="0">
+                  <p:tgtEl>
+                    <p:sldTgt/>
+                  </p:tgtEl>
+                </p:cond>
+              </p:prevCondLst>
+              <p:nextCondLst>
+                <p:cond evt="onNext" delay="0">
+                  <p:tgtEl>
+                    <p:sldTgt/>
+                  </p:tgtEl>
+                </p:cond>
+              </p:nextCondLst>
+            </p:seq>
+          </p:childTnLst>
+        </p:cTn>
+      </p:par>
+    </p:tnLst>
+    <p:bldLst>
+      <p:bldP spid="4" grpId="0" animBg="1"/>
+      <p:bldP spid="5" grpId="0" animBg="1"/>
+      <p:bldP spid="6" grpId="0" animBg="1"/>
+    </p:bldLst>
+  </p:timing>
+</p:sld>
+</file>
+
+<file path=ppt/slides/slide8.xml><?xml version="1.0" encoding="utf-8"?>
+<p:sld xmlns:a="http://schemas.openxmlformats.org/drawingml/2006/main" xmlns:r="http://schemas.openxmlformats.org/officeDocument/2006/relationships" xmlns:p="http://schemas.openxmlformats.org/presentationml/2006/main">
+  <p:cSld>
+    <p:spTree>
+      <p:nvGrpSpPr>
+        <p:cNvPr id="1" name=""/>
+        <p:cNvGrpSpPr/>
+        <p:nvPr/>
+      </p:nvGrpSpPr>
+      <p:grpSpPr>
+        <a:xfrm>
+          <a:off x="0" y="0"/>
+          <a:ext cx="0" cy="0"/>
+          <a:chOff x="0" y="0"/>
+          <a:chExt cx="0" cy="0"/>
+        </a:xfrm>
+      </p:grpSpPr>
+      <p:sp>
+        <p:nvSpPr>
+          <p:cNvPr id="2" name="Title 1">
+            <a:extLst>
+              <a:ext uri="{FF2B5EF4-FFF2-40B4-BE49-F238E27FC236}">
                 <a16:creationId xmlns:a16="http://schemas.microsoft.com/office/drawing/2014/main" id="{68DF5E7C-FB43-4A3B-9336-718C89B46CB2}"/>
               </a:ext>
             </a:extLst>
@@ -36751,7 +39814,7 @@
 </p:sld>
 </file>
 
-<file path=ppt/slides/slide11.xml><?xml version="1.0" encoding="utf-8"?>
+<file path=ppt/slides/slide9.xml><?xml version="1.0" encoding="utf-8"?>
 <p:sld xmlns:a="http://schemas.openxmlformats.org/drawingml/2006/main" xmlns:r="http://schemas.openxmlformats.org/officeDocument/2006/relationships" xmlns:p="http://schemas.openxmlformats.org/presentationml/2006/main">
   <p:cSld>
     <p:spTree>
@@ -37817,5617 +40880,6 @@
 </p:sld>
 </file>
 
-<file path=ppt/slides/slide12.xml><?xml version="1.0" encoding="utf-8"?>
-<p:sld xmlns:a="http://schemas.openxmlformats.org/drawingml/2006/main" xmlns:r="http://schemas.openxmlformats.org/officeDocument/2006/relationships" xmlns:p="http://schemas.openxmlformats.org/presentationml/2006/main">
-  <p:cSld>
-    <p:spTree>
-      <p:nvGrpSpPr>
-        <p:cNvPr id="1" name=""/>
-        <p:cNvGrpSpPr/>
-        <p:nvPr/>
-      </p:nvGrpSpPr>
-      <p:grpSpPr>
-        <a:xfrm>
-          <a:off x="0" y="0"/>
-          <a:ext cx="0" cy="0"/>
-          <a:chOff x="0" y="0"/>
-          <a:chExt cx="0" cy="0"/>
-        </a:xfrm>
-      </p:grpSpPr>
-      <p:sp>
-        <p:nvSpPr>
-          <p:cNvPr id="2" name="Title 1">
-            <a:extLst>
-              <a:ext uri="{FF2B5EF4-FFF2-40B4-BE49-F238E27FC236}">
-                <a16:creationId xmlns:a16="http://schemas.microsoft.com/office/drawing/2014/main" id="{C3201FD9-2621-4228-97D9-F629DF082152}"/>
-              </a:ext>
-            </a:extLst>
-          </p:cNvPr>
-          <p:cNvSpPr>
-            <a:spLocks noGrp="1"/>
-          </p:cNvSpPr>
-          <p:nvPr>
-            <p:ph type="title"/>
-          </p:nvPr>
-        </p:nvSpPr>
-        <p:spPr/>
-        <p:txBody>
-          <a:bodyPr/>
-          <a:lstStyle/>
-          <a:p>
-            <a:r>
-              <a:rPr lang="en-US" dirty="0"/>
-              <a:t>Basic HTML Document Example</a:t>
-            </a:r>
-          </a:p>
-        </p:txBody>
-      </p:sp>
-      <p:sp>
-        <p:nvSpPr>
-          <p:cNvPr id="3" name="Content Placeholder 2">
-            <a:extLst>
-              <a:ext uri="{FF2B5EF4-FFF2-40B4-BE49-F238E27FC236}">
-                <a16:creationId xmlns:a16="http://schemas.microsoft.com/office/drawing/2014/main" id="{282B4D6B-7229-40D1-B7C0-3979E563D0A2}"/>
-              </a:ext>
-            </a:extLst>
-          </p:cNvPr>
-          <p:cNvSpPr>
-            <a:spLocks noGrp="1"/>
-          </p:cNvSpPr>
-          <p:nvPr>
-            <p:ph idx="1"/>
-          </p:nvPr>
-        </p:nvSpPr>
-        <p:spPr/>
-        <p:txBody>
-          <a:bodyPr>
-            <a:normAutofit/>
-          </a:bodyPr>
-          <a:lstStyle/>
-          <a:p>
-            <a:pPr marL="57150" marR="0" lvl="0" indent="0" algn="l" defTabSz="914400" rtl="0" eaLnBrk="1" fontAlgn="auto" latinLnBrk="0" hangingPunct="1">
-              <a:lnSpc>
-                <a:spcPct val="100000"/>
-              </a:lnSpc>
-              <a:spcBef>
-                <a:spcPts val="0"/>
-              </a:spcBef>
-              <a:spcAft>
-                <a:spcPts val="1200"/>
-              </a:spcAft>
-              <a:buClr>
-                <a:srgbClr val="98989A"/>
-              </a:buClr>
-              <a:buSzTx/>
-              <a:buFont typeface="Wingdings" panose="05000000000000000000" pitchFamily="2" charset="2"/>
-              <a:buNone/>
-              <a:tabLst/>
-              <a:defRPr/>
-            </a:pPr>
-            <a:r>
-              <a:rPr kumimoji="0" lang="en-US" sz="6000" b="0" i="0" u="none" strike="noStrike" kern="1200" cap="none" spc="0" normalizeH="0" baseline="0" noProof="0" dirty="0">
-                <a:ln>
-                  <a:noFill/>
-                </a:ln>
-                <a:solidFill>
-                  <a:srgbClr val="800000"/>
-                </a:solidFill>
-                <a:effectLst/>
-                <a:uLnTx/>
-                <a:uFillTx/>
-                <a:latin typeface="Consolas" panose="020B0609020204030204" pitchFamily="49" charset="0"/>
-                <a:ea typeface="+mn-ea"/>
-                <a:cs typeface="+mn-cs"/>
-              </a:rPr>
-              <a:t>&lt;html&gt;</a:t>
-            </a:r>
-            <a:endParaRPr kumimoji="0" lang="en-US" sz="6000" b="0" i="0" u="none" strike="noStrike" kern="1200" cap="none" spc="0" normalizeH="0" baseline="0" noProof="0" dirty="0">
-              <a:ln>
-                <a:noFill/>
-              </a:ln>
-              <a:solidFill>
-                <a:srgbClr val="000000"/>
-              </a:solidFill>
-              <a:effectLst/>
-              <a:uLnTx/>
-              <a:uFillTx/>
-              <a:latin typeface="Consolas" panose="020B0609020204030204" pitchFamily="49" charset="0"/>
-              <a:ea typeface="+mn-ea"/>
-              <a:cs typeface="+mn-cs"/>
-            </a:endParaRPr>
-          </a:p>
-          <a:p>
-            <a:pPr marL="57150" marR="0" lvl="0" indent="0" algn="l" defTabSz="914400" rtl="0" eaLnBrk="1" fontAlgn="auto" latinLnBrk="0" hangingPunct="1">
-              <a:lnSpc>
-                <a:spcPct val="100000"/>
-              </a:lnSpc>
-              <a:spcBef>
-                <a:spcPts val="0"/>
-              </a:spcBef>
-              <a:spcAft>
-                <a:spcPts val="1200"/>
-              </a:spcAft>
-              <a:buClr>
-                <a:srgbClr val="98989A"/>
-              </a:buClr>
-              <a:buSzTx/>
-              <a:buFont typeface="Wingdings" panose="05000000000000000000" pitchFamily="2" charset="2"/>
-              <a:buNone/>
-              <a:tabLst/>
-              <a:defRPr/>
-            </a:pPr>
-            <a:r>
-              <a:rPr kumimoji="0" lang="en-US" sz="6000" b="0" i="0" u="none" strike="noStrike" kern="1200" cap="none" spc="0" normalizeH="0" baseline="0" noProof="0" dirty="0">
-                <a:ln>
-                  <a:noFill/>
-                </a:ln>
-                <a:solidFill>
-                  <a:srgbClr val="000000"/>
-                </a:solidFill>
-                <a:effectLst/>
-                <a:uLnTx/>
-                <a:uFillTx/>
-                <a:latin typeface="Consolas" panose="020B0609020204030204" pitchFamily="49" charset="0"/>
-                <a:ea typeface="+mn-ea"/>
-                <a:cs typeface="+mn-cs"/>
-              </a:rPr>
-              <a:t>    </a:t>
-            </a:r>
-            <a:r>
-              <a:rPr kumimoji="0" lang="en-US" sz="6000" b="0" i="0" u="none" strike="noStrike" kern="1200" cap="none" spc="0" normalizeH="0" baseline="0" noProof="0" dirty="0">
-                <a:ln>
-                  <a:noFill/>
-                </a:ln>
-                <a:solidFill>
-                  <a:srgbClr val="800000"/>
-                </a:solidFill>
-                <a:effectLst/>
-                <a:uLnTx/>
-                <a:uFillTx/>
-                <a:latin typeface="Consolas" panose="020B0609020204030204" pitchFamily="49" charset="0"/>
-                <a:ea typeface="+mn-ea"/>
-                <a:cs typeface="+mn-cs"/>
-              </a:rPr>
-              <a:t>&lt;body&gt;</a:t>
-            </a:r>
-            <a:endParaRPr kumimoji="0" lang="en-US" sz="6000" b="0" i="0" u="none" strike="noStrike" kern="1200" cap="none" spc="0" normalizeH="0" baseline="0" noProof="0" dirty="0">
-              <a:ln>
-                <a:noFill/>
-              </a:ln>
-              <a:solidFill>
-                <a:srgbClr val="000000"/>
-              </a:solidFill>
-              <a:effectLst/>
-              <a:uLnTx/>
-              <a:uFillTx/>
-              <a:latin typeface="Consolas" panose="020B0609020204030204" pitchFamily="49" charset="0"/>
-              <a:ea typeface="+mn-ea"/>
-              <a:cs typeface="+mn-cs"/>
-            </a:endParaRPr>
-          </a:p>
-          <a:p>
-            <a:pPr marL="57150" marR="0" lvl="0" indent="0" algn="l" defTabSz="914400" rtl="0" eaLnBrk="1" fontAlgn="auto" latinLnBrk="0" hangingPunct="1">
-              <a:lnSpc>
-                <a:spcPct val="100000"/>
-              </a:lnSpc>
-              <a:spcBef>
-                <a:spcPts val="0"/>
-              </a:spcBef>
-              <a:spcAft>
-                <a:spcPts val="1200"/>
-              </a:spcAft>
-              <a:buClr>
-                <a:srgbClr val="98989A"/>
-              </a:buClr>
-              <a:buSzTx/>
-              <a:buFont typeface="Wingdings" panose="05000000000000000000" pitchFamily="2" charset="2"/>
-              <a:buNone/>
-              <a:tabLst/>
-              <a:defRPr/>
-            </a:pPr>
-            <a:r>
-              <a:rPr kumimoji="0" lang="en-US" sz="6000" b="0" i="0" u="none" strike="noStrike" kern="1200" cap="none" spc="0" normalizeH="0" baseline="0" noProof="0" dirty="0">
-                <a:ln>
-                  <a:noFill/>
-                </a:ln>
-                <a:solidFill>
-                  <a:srgbClr val="000000"/>
-                </a:solidFill>
-                <a:effectLst/>
-                <a:uLnTx/>
-                <a:uFillTx/>
-                <a:latin typeface="Consolas" panose="020B0609020204030204" pitchFamily="49" charset="0"/>
-                <a:ea typeface="+mn-ea"/>
-                <a:cs typeface="+mn-cs"/>
-              </a:rPr>
-              <a:t>        </a:t>
-            </a:r>
-            <a:r>
-              <a:rPr kumimoji="0" lang="en-US" sz="6000" b="0" i="0" u="none" strike="noStrike" kern="1200" cap="none" spc="0" normalizeH="0" baseline="0" noProof="0" dirty="0">
-                <a:ln>
-                  <a:noFill/>
-                </a:ln>
-                <a:solidFill>
-                  <a:srgbClr val="800000"/>
-                </a:solidFill>
-                <a:effectLst/>
-                <a:uLnTx/>
-                <a:uFillTx/>
-                <a:latin typeface="Consolas" panose="020B0609020204030204" pitchFamily="49" charset="0"/>
-                <a:ea typeface="+mn-ea"/>
-                <a:cs typeface="+mn-cs"/>
-              </a:rPr>
-              <a:t>&lt;p&gt;</a:t>
-            </a:r>
-            <a:r>
-              <a:rPr kumimoji="0" lang="en-US" sz="6000" b="0" i="0" u="none" strike="noStrike" kern="1200" cap="none" spc="0" normalizeH="0" baseline="0" noProof="0" dirty="0">
-                <a:ln>
-                  <a:noFill/>
-                </a:ln>
-                <a:solidFill>
-                  <a:srgbClr val="000000"/>
-                </a:solidFill>
-                <a:effectLst/>
-                <a:uLnTx/>
-                <a:uFillTx/>
-                <a:latin typeface="Consolas" panose="020B0609020204030204" pitchFamily="49" charset="0"/>
-                <a:ea typeface="+mn-ea"/>
-                <a:cs typeface="+mn-cs"/>
-              </a:rPr>
-              <a:t>Hello World</a:t>
-            </a:r>
-            <a:r>
-              <a:rPr kumimoji="0" lang="en-US" sz="6000" b="0" i="0" u="none" strike="noStrike" kern="1200" cap="none" spc="0" normalizeH="0" baseline="0" noProof="0" dirty="0">
-                <a:ln>
-                  <a:noFill/>
-                </a:ln>
-                <a:solidFill>
-                  <a:srgbClr val="800000"/>
-                </a:solidFill>
-                <a:effectLst/>
-                <a:uLnTx/>
-                <a:uFillTx/>
-                <a:latin typeface="Consolas" panose="020B0609020204030204" pitchFamily="49" charset="0"/>
-                <a:ea typeface="+mn-ea"/>
-                <a:cs typeface="+mn-cs"/>
-              </a:rPr>
-              <a:t>&lt;/p&gt;</a:t>
-            </a:r>
-            <a:endParaRPr kumimoji="0" lang="en-US" sz="6000" b="0" i="0" u="none" strike="noStrike" kern="1200" cap="none" spc="0" normalizeH="0" baseline="0" noProof="0" dirty="0">
-              <a:ln>
-                <a:noFill/>
-              </a:ln>
-              <a:solidFill>
-                <a:srgbClr val="000000"/>
-              </a:solidFill>
-              <a:effectLst/>
-              <a:uLnTx/>
-              <a:uFillTx/>
-              <a:latin typeface="Consolas" panose="020B0609020204030204" pitchFamily="49" charset="0"/>
-              <a:ea typeface="+mn-ea"/>
-              <a:cs typeface="+mn-cs"/>
-            </a:endParaRPr>
-          </a:p>
-          <a:p>
-            <a:pPr marL="57150" marR="0" lvl="0" indent="0" algn="l" defTabSz="914400" rtl="0" eaLnBrk="1" fontAlgn="auto" latinLnBrk="0" hangingPunct="1">
-              <a:lnSpc>
-                <a:spcPct val="100000"/>
-              </a:lnSpc>
-              <a:spcBef>
-                <a:spcPts val="0"/>
-              </a:spcBef>
-              <a:spcAft>
-                <a:spcPts val="1200"/>
-              </a:spcAft>
-              <a:buClr>
-                <a:srgbClr val="98989A"/>
-              </a:buClr>
-              <a:buSzTx/>
-              <a:buFont typeface="Wingdings" panose="05000000000000000000" pitchFamily="2" charset="2"/>
-              <a:buNone/>
-              <a:tabLst/>
-              <a:defRPr/>
-            </a:pPr>
-            <a:r>
-              <a:rPr kumimoji="0" lang="en-US" sz="6000" b="0" i="0" u="none" strike="noStrike" kern="1200" cap="none" spc="0" normalizeH="0" baseline="0" noProof="0" dirty="0">
-                <a:ln>
-                  <a:noFill/>
-                </a:ln>
-                <a:solidFill>
-                  <a:srgbClr val="000000"/>
-                </a:solidFill>
-                <a:effectLst/>
-                <a:uLnTx/>
-                <a:uFillTx/>
-                <a:latin typeface="Consolas" panose="020B0609020204030204" pitchFamily="49" charset="0"/>
-                <a:ea typeface="+mn-ea"/>
-                <a:cs typeface="+mn-cs"/>
-              </a:rPr>
-              <a:t>    </a:t>
-            </a:r>
-            <a:r>
-              <a:rPr kumimoji="0" lang="en-US" sz="6000" b="0" i="0" u="none" strike="noStrike" kern="1200" cap="none" spc="0" normalizeH="0" baseline="0" noProof="0" dirty="0">
-                <a:ln>
-                  <a:noFill/>
-                </a:ln>
-                <a:solidFill>
-                  <a:srgbClr val="800000"/>
-                </a:solidFill>
-                <a:effectLst/>
-                <a:uLnTx/>
-                <a:uFillTx/>
-                <a:latin typeface="Consolas" panose="020B0609020204030204" pitchFamily="49" charset="0"/>
-                <a:ea typeface="+mn-ea"/>
-                <a:cs typeface="+mn-cs"/>
-              </a:rPr>
-              <a:t>&lt;/body&gt;</a:t>
-            </a:r>
-            <a:endParaRPr kumimoji="0" lang="en-US" sz="6000" b="0" i="0" u="none" strike="noStrike" kern="1200" cap="none" spc="0" normalizeH="0" baseline="0" noProof="0" dirty="0">
-              <a:ln>
-                <a:noFill/>
-              </a:ln>
-              <a:solidFill>
-                <a:srgbClr val="000000"/>
-              </a:solidFill>
-              <a:effectLst/>
-              <a:uLnTx/>
-              <a:uFillTx/>
-              <a:latin typeface="Consolas" panose="020B0609020204030204" pitchFamily="49" charset="0"/>
-              <a:ea typeface="+mn-ea"/>
-              <a:cs typeface="+mn-cs"/>
-            </a:endParaRPr>
-          </a:p>
-          <a:p>
-            <a:pPr marL="57150" marR="0" lvl="0" indent="0" algn="l" defTabSz="914400" rtl="0" eaLnBrk="1" fontAlgn="auto" latinLnBrk="0" hangingPunct="1">
-              <a:lnSpc>
-                <a:spcPct val="100000"/>
-              </a:lnSpc>
-              <a:spcBef>
-                <a:spcPts val="0"/>
-              </a:spcBef>
-              <a:spcAft>
-                <a:spcPts val="1200"/>
-              </a:spcAft>
-              <a:buClr>
-                <a:srgbClr val="98989A"/>
-              </a:buClr>
-              <a:buSzTx/>
-              <a:buFont typeface="Wingdings" panose="05000000000000000000" pitchFamily="2" charset="2"/>
-              <a:buNone/>
-              <a:tabLst/>
-              <a:defRPr/>
-            </a:pPr>
-            <a:r>
-              <a:rPr kumimoji="0" lang="en-US" sz="6000" b="0" i="0" u="none" strike="noStrike" kern="1200" cap="none" spc="0" normalizeH="0" baseline="0" noProof="0" dirty="0">
-                <a:ln>
-                  <a:noFill/>
-                </a:ln>
-                <a:solidFill>
-                  <a:srgbClr val="800000"/>
-                </a:solidFill>
-                <a:effectLst/>
-                <a:uLnTx/>
-                <a:uFillTx/>
-                <a:latin typeface="Consolas" panose="020B0609020204030204" pitchFamily="49" charset="0"/>
-                <a:ea typeface="+mn-ea"/>
-                <a:cs typeface="+mn-cs"/>
-              </a:rPr>
-              <a:t>&lt;/html&gt;</a:t>
-            </a:r>
-            <a:endParaRPr kumimoji="0" lang="en-US" sz="6000" b="0" i="0" u="none" strike="noStrike" kern="1200" cap="none" spc="0" normalizeH="0" baseline="0" noProof="0" dirty="0">
-              <a:ln>
-                <a:noFill/>
-              </a:ln>
-              <a:solidFill>
-                <a:srgbClr val="000000"/>
-              </a:solidFill>
-              <a:effectLst/>
-              <a:uLnTx/>
-              <a:uFillTx/>
-              <a:latin typeface="Consolas" panose="020B0609020204030204" pitchFamily="49" charset="0"/>
-              <a:ea typeface="+mn-ea"/>
-              <a:cs typeface="+mn-cs"/>
-            </a:endParaRPr>
-          </a:p>
-        </p:txBody>
-      </p:sp>
-    </p:spTree>
-    <p:extLst>
-      <p:ext uri="{BB962C8B-B14F-4D97-AF65-F5344CB8AC3E}">
-        <p14:creationId xmlns:p14="http://schemas.microsoft.com/office/powerpoint/2010/main" val="1690693164"/>
-      </p:ext>
-    </p:extLst>
-  </p:cSld>
-  <p:clrMapOvr>
-    <a:masterClrMapping/>
-  </p:clrMapOvr>
-  <p:transition>
-    <p:fade/>
-  </p:transition>
-</p:sld>
-</file>
-
-<file path=ppt/slides/slide13.xml><?xml version="1.0" encoding="utf-8"?>
-<p:sld xmlns:a="http://schemas.openxmlformats.org/drawingml/2006/main" xmlns:r="http://schemas.openxmlformats.org/officeDocument/2006/relationships" xmlns:p="http://schemas.openxmlformats.org/presentationml/2006/main">
-  <p:cSld>
-    <p:spTree>
-      <p:nvGrpSpPr>
-        <p:cNvPr id="1" name=""/>
-        <p:cNvGrpSpPr/>
-        <p:nvPr/>
-      </p:nvGrpSpPr>
-      <p:grpSpPr>
-        <a:xfrm>
-          <a:off x="0" y="0"/>
-          <a:ext cx="0" cy="0"/>
-          <a:chOff x="0" y="0"/>
-          <a:chExt cx="0" cy="0"/>
-        </a:xfrm>
-      </p:grpSpPr>
-      <p:sp>
-        <p:nvSpPr>
-          <p:cNvPr id="2" name="Title 1"/>
-          <p:cNvSpPr>
-            <a:spLocks noGrp="1"/>
-          </p:cNvSpPr>
-          <p:nvPr>
-            <p:ph type="title"/>
-          </p:nvPr>
-        </p:nvSpPr>
-        <p:spPr>
-          <a:xfrm>
-            <a:off x="381000" y="2062162"/>
-            <a:ext cx="4572000" cy="2738438"/>
-          </a:xfrm>
-        </p:spPr>
-        <p:txBody>
-          <a:bodyPr/>
-          <a:lstStyle/>
-          <a:p>
-            <a:r>
-              <a:rPr lang="en-US" dirty="0"/>
-              <a:t>More HTML Elements</a:t>
-            </a:r>
-          </a:p>
-        </p:txBody>
-      </p:sp>
-      <p:pic>
-        <p:nvPicPr>
-          <p:cNvPr id="3" name="Picture 2"/>
-          <p:cNvPicPr>
-            <a:picLocks noChangeAspect="1"/>
-          </p:cNvPicPr>
-          <p:nvPr/>
-        </p:nvPicPr>
-        <p:blipFill>
-          <a:blip r:embed="rId2">
-            <a:extLst>
-              <a:ext uri="{28A0092B-C50C-407E-A947-70E740481C1C}">
-                <a14:useLocalDpi xmlns:a14="http://schemas.microsoft.com/office/drawing/2010/main" val="0"/>
-              </a:ext>
-            </a:extLst>
-          </a:blip>
-          <a:stretch>
-            <a:fillRect/>
-          </a:stretch>
-        </p:blipFill>
-        <p:spPr>
-          <a:xfrm>
-            <a:off x="6553200" y="1121246"/>
-            <a:ext cx="4372585" cy="4620270"/>
-          </a:xfrm>
-          <a:prstGeom prst="rect">
-            <a:avLst/>
-          </a:prstGeom>
-        </p:spPr>
-      </p:pic>
-    </p:spTree>
-    <p:extLst>
-      <p:ext uri="{BB962C8B-B14F-4D97-AF65-F5344CB8AC3E}">
-        <p14:creationId xmlns:p14="http://schemas.microsoft.com/office/powerpoint/2010/main" val="1365620667"/>
-      </p:ext>
-    </p:extLst>
-  </p:cSld>
-  <p:clrMapOvr>
-    <a:masterClrMapping/>
-  </p:clrMapOvr>
-  <p:transition>
-    <p:fade/>
-  </p:transition>
-</p:sld>
-</file>
-
-<file path=ppt/slides/slide14.xml><?xml version="1.0" encoding="utf-8"?>
-<p:sld xmlns:a="http://schemas.openxmlformats.org/drawingml/2006/main" xmlns:r="http://schemas.openxmlformats.org/officeDocument/2006/relationships" xmlns:p="http://schemas.openxmlformats.org/presentationml/2006/main">
-  <p:cSld>
-    <p:bg>
-      <p:bgPr>
-        <a:solidFill>
-          <a:schemeClr val="tx1">
-            <a:lumMod val="50000"/>
-          </a:schemeClr>
-        </a:solidFill>
-        <a:effectLst/>
-      </p:bgPr>
-    </p:bg>
-    <p:spTree>
-      <p:nvGrpSpPr>
-        <p:cNvPr id="1" name=""/>
-        <p:cNvGrpSpPr/>
-        <p:nvPr/>
-      </p:nvGrpSpPr>
-      <p:grpSpPr>
-        <a:xfrm>
-          <a:off x="0" y="0"/>
-          <a:ext cx="0" cy="0"/>
-          <a:chOff x="0" y="0"/>
-          <a:chExt cx="0" cy="0"/>
-        </a:xfrm>
-      </p:grpSpPr>
-      <p:sp>
-        <p:nvSpPr>
-          <p:cNvPr id="2" name="Title 1"/>
-          <p:cNvSpPr>
-            <a:spLocks noGrp="1"/>
-          </p:cNvSpPr>
-          <p:nvPr>
-            <p:ph type="title"/>
-          </p:nvPr>
-        </p:nvSpPr>
-        <p:spPr/>
-        <p:txBody>
-          <a:bodyPr/>
-          <a:lstStyle/>
-          <a:p>
-            <a:r>
-              <a:rPr lang="en-US" dirty="0"/>
-              <a:t>Header Elements</a:t>
-            </a:r>
-          </a:p>
-        </p:txBody>
-      </p:sp>
-      <p:sp>
-        <p:nvSpPr>
-          <p:cNvPr id="3" name="Content Placeholder 2"/>
-          <p:cNvSpPr>
-            <a:spLocks noGrp="1"/>
-          </p:cNvSpPr>
-          <p:nvPr>
-            <p:ph idx="1"/>
-          </p:nvPr>
-        </p:nvSpPr>
-        <p:spPr>
-          <a:xfrm>
-            <a:off x="381000" y="1143000"/>
-            <a:ext cx="11430000" cy="2171700"/>
-          </a:xfrm>
-        </p:spPr>
-        <p:txBody>
-          <a:bodyPr>
-            <a:normAutofit/>
-          </a:bodyPr>
-          <a:lstStyle/>
-          <a:p>
-            <a:endParaRPr lang="en-US" dirty="0">
-              <a:solidFill>
-                <a:schemeClr val="bg1"/>
-              </a:solidFill>
-            </a:endParaRPr>
-          </a:p>
-          <a:p>
-            <a:r>
-              <a:rPr lang="en-US" sz="4000" dirty="0">
-                <a:solidFill>
-                  <a:schemeClr val="bg1"/>
-                </a:solidFill>
-              </a:rPr>
-              <a:t>Used for page headings or titles</a:t>
-            </a:r>
-          </a:p>
-          <a:p>
-            <a:r>
-              <a:rPr lang="en-US" sz="4000" dirty="0">
-                <a:solidFill>
-                  <a:schemeClr val="bg1"/>
-                </a:solidFill>
-              </a:rPr>
-              <a:t>There are six header elements – </a:t>
-            </a:r>
-            <a:r>
-              <a:rPr lang="en-US" sz="4000" b="1" dirty="0">
-                <a:solidFill>
-                  <a:schemeClr val="accent1">
-                    <a:lumMod val="60000"/>
-                    <a:lumOff val="40000"/>
-                  </a:schemeClr>
-                </a:solidFill>
-                <a:latin typeface="Consolas" panose="020B0609020204030204" pitchFamily="49" charset="0"/>
-              </a:rPr>
-              <a:t>h1</a:t>
-            </a:r>
-            <a:r>
-              <a:rPr lang="en-US" sz="4000" dirty="0">
-                <a:solidFill>
-                  <a:schemeClr val="bg1"/>
-                </a:solidFill>
-              </a:rPr>
-              <a:t> through </a:t>
-            </a:r>
-            <a:r>
-              <a:rPr lang="en-US" sz="4000" b="1" dirty="0">
-                <a:solidFill>
-                  <a:schemeClr val="accent1">
-                    <a:lumMod val="60000"/>
-                    <a:lumOff val="40000"/>
-                  </a:schemeClr>
-                </a:solidFill>
-                <a:latin typeface="Consolas" panose="020B0609020204030204" pitchFamily="49" charset="0"/>
-              </a:rPr>
-              <a:t>h6</a:t>
-            </a:r>
-          </a:p>
-        </p:txBody>
-      </p:sp>
-      <p:sp>
-        <p:nvSpPr>
-          <p:cNvPr id="4" name="TextBox 3"/>
-          <p:cNvSpPr txBox="1"/>
-          <p:nvPr/>
-        </p:nvSpPr>
-        <p:spPr>
-          <a:xfrm>
-            <a:off x="381000" y="3771900"/>
-            <a:ext cx="11433258" cy="2289858"/>
-          </a:xfrm>
-          <a:prstGeom prst="rect">
-            <a:avLst/>
-          </a:prstGeom>
-          <a:noFill/>
-        </p:spPr>
-        <p:txBody>
-          <a:bodyPr wrap="none" lIns="182880" tIns="146304" rIns="182880" bIns="146304" rtlCol="0">
-            <a:spAutoFit/>
-          </a:bodyPr>
-          <a:lstStyle/>
-          <a:p>
-            <a:pPr marL="0" marR="0" lvl="0" indent="0" algn="l" defTabSz="914400" rtl="0" eaLnBrk="1" fontAlgn="auto" latinLnBrk="0" hangingPunct="1">
-              <a:lnSpc>
-                <a:spcPct val="100000"/>
-              </a:lnSpc>
-              <a:spcBef>
-                <a:spcPts val="0"/>
-              </a:spcBef>
-              <a:spcAft>
-                <a:spcPts val="0"/>
-              </a:spcAft>
-              <a:buClrTx/>
-              <a:buSzTx/>
-              <a:buFontTx/>
-              <a:buNone/>
-              <a:tabLst/>
-              <a:defRPr/>
-            </a:pPr>
-            <a:r>
-              <a:rPr kumimoji="0" lang="en-US" sz="5400" b="0" i="0" u="none" strike="noStrike" kern="1200" cap="none" spc="0" normalizeH="0" baseline="0" noProof="0" dirty="0">
-                <a:ln>
-                  <a:noFill/>
-                </a:ln>
-                <a:solidFill>
-                  <a:srgbClr val="808080"/>
-                </a:solidFill>
-                <a:effectLst/>
-                <a:uLnTx/>
-                <a:uFillTx/>
-                <a:latin typeface="Consolas" panose="020B0609020204030204" pitchFamily="49" charset="0"/>
-                <a:ea typeface="+mn-ea"/>
-                <a:cs typeface="+mn-cs"/>
-              </a:rPr>
-              <a:t>&lt;</a:t>
-            </a:r>
-            <a:r>
-              <a:rPr kumimoji="0" lang="en-US" sz="5400" b="0" i="0" u="none" strike="noStrike" kern="1200" cap="none" spc="0" normalizeH="0" baseline="0" noProof="0" dirty="0">
-                <a:ln>
-                  <a:noFill/>
-                </a:ln>
-                <a:solidFill>
-                  <a:srgbClr val="569CD6"/>
-                </a:solidFill>
-                <a:effectLst/>
-                <a:uLnTx/>
-                <a:uFillTx/>
-                <a:latin typeface="Consolas" panose="020B0609020204030204" pitchFamily="49" charset="0"/>
-                <a:ea typeface="+mn-ea"/>
-                <a:cs typeface="+mn-cs"/>
-              </a:rPr>
-              <a:t>h1</a:t>
-            </a:r>
-            <a:r>
-              <a:rPr kumimoji="0" lang="en-US" sz="5400" b="0" i="0" u="none" strike="noStrike" kern="1200" cap="none" spc="0" normalizeH="0" baseline="0" noProof="0" dirty="0">
-                <a:ln>
-                  <a:noFill/>
-                </a:ln>
-                <a:solidFill>
-                  <a:srgbClr val="808080"/>
-                </a:solidFill>
-                <a:effectLst/>
-                <a:uLnTx/>
-                <a:uFillTx/>
-                <a:latin typeface="Consolas" panose="020B0609020204030204" pitchFamily="49" charset="0"/>
-                <a:ea typeface="+mn-ea"/>
-                <a:cs typeface="+mn-cs"/>
-              </a:rPr>
-              <a:t>&gt;</a:t>
-            </a:r>
-            <a:r>
-              <a:rPr kumimoji="0" lang="en-US" sz="5400" b="0" i="0" u="none" strike="noStrike" kern="1200" cap="none" spc="0" normalizeH="0" baseline="0" noProof="0" dirty="0">
-                <a:ln>
-                  <a:noFill/>
-                </a:ln>
-                <a:solidFill>
-                  <a:srgbClr val="FFFFFF"/>
-                </a:solidFill>
-                <a:effectLst/>
-                <a:uLnTx/>
-                <a:uFillTx/>
-                <a:latin typeface="Consolas" panose="020B0609020204030204" pitchFamily="49" charset="0"/>
-                <a:ea typeface="+mn-ea"/>
-                <a:cs typeface="+mn-cs"/>
-              </a:rPr>
-              <a:t>This is the biggest</a:t>
-            </a:r>
-            <a:r>
-              <a:rPr kumimoji="0" lang="en-US" sz="5400" b="0" i="0" u="none" strike="noStrike" kern="1200" cap="none" spc="0" normalizeH="0" baseline="0" noProof="0" dirty="0">
-                <a:ln>
-                  <a:noFill/>
-                </a:ln>
-                <a:solidFill>
-                  <a:srgbClr val="808080"/>
-                </a:solidFill>
-                <a:effectLst/>
-                <a:uLnTx/>
-                <a:uFillTx/>
-                <a:latin typeface="Consolas" panose="020B0609020204030204" pitchFamily="49" charset="0"/>
-                <a:ea typeface="+mn-ea"/>
-                <a:cs typeface="+mn-cs"/>
-              </a:rPr>
-              <a:t>&lt;/</a:t>
-            </a:r>
-            <a:r>
-              <a:rPr kumimoji="0" lang="en-US" sz="5400" b="0" i="0" u="none" strike="noStrike" kern="1200" cap="none" spc="0" normalizeH="0" baseline="0" noProof="0" dirty="0">
-                <a:ln>
-                  <a:noFill/>
-                </a:ln>
-                <a:solidFill>
-                  <a:srgbClr val="569CD6"/>
-                </a:solidFill>
-                <a:effectLst/>
-                <a:uLnTx/>
-                <a:uFillTx/>
-                <a:latin typeface="Consolas" panose="020B0609020204030204" pitchFamily="49" charset="0"/>
-                <a:ea typeface="+mn-ea"/>
-                <a:cs typeface="+mn-cs"/>
-              </a:rPr>
-              <a:t>h1</a:t>
-            </a:r>
-            <a:r>
-              <a:rPr kumimoji="0" lang="en-US" sz="5400" b="0" i="0" u="none" strike="noStrike" kern="1200" cap="none" spc="0" normalizeH="0" baseline="0" noProof="0" dirty="0">
-                <a:ln>
-                  <a:noFill/>
-                </a:ln>
-                <a:solidFill>
-                  <a:srgbClr val="808080"/>
-                </a:solidFill>
-                <a:effectLst/>
-                <a:uLnTx/>
-                <a:uFillTx/>
-                <a:latin typeface="Consolas" panose="020B0609020204030204" pitchFamily="49" charset="0"/>
-                <a:ea typeface="+mn-ea"/>
-                <a:cs typeface="+mn-cs"/>
-              </a:rPr>
-              <a:t>&gt;</a:t>
-            </a:r>
-          </a:p>
-          <a:p>
-            <a:pPr marL="0" marR="0" lvl="0" indent="0" algn="l" defTabSz="914400" rtl="0" eaLnBrk="1" fontAlgn="auto" latinLnBrk="0" hangingPunct="1">
-              <a:lnSpc>
-                <a:spcPct val="100000"/>
-              </a:lnSpc>
-              <a:spcBef>
-                <a:spcPts val="0"/>
-              </a:spcBef>
-              <a:spcAft>
-                <a:spcPts val="0"/>
-              </a:spcAft>
-              <a:buClrTx/>
-              <a:buSzTx/>
-              <a:buFontTx/>
-              <a:buNone/>
-              <a:tabLst/>
-              <a:defRPr/>
-            </a:pPr>
-            <a:r>
-              <a:rPr kumimoji="0" lang="en-US" sz="5400" b="0" i="0" u="none" strike="noStrike" kern="1200" cap="none" spc="0" normalizeH="0" baseline="0" noProof="0" dirty="0">
-                <a:ln>
-                  <a:noFill/>
-                </a:ln>
-                <a:solidFill>
-                  <a:srgbClr val="808080"/>
-                </a:solidFill>
-                <a:effectLst/>
-                <a:uLnTx/>
-                <a:uFillTx/>
-                <a:latin typeface="Consolas" panose="020B0609020204030204" pitchFamily="49" charset="0"/>
-                <a:ea typeface="+mn-ea"/>
-                <a:cs typeface="+mn-cs"/>
-              </a:rPr>
-              <a:t>&lt;</a:t>
-            </a:r>
-            <a:r>
-              <a:rPr kumimoji="0" lang="en-US" sz="5400" b="0" i="0" u="none" strike="noStrike" kern="1200" cap="none" spc="0" normalizeH="0" baseline="0" noProof="0" dirty="0">
-                <a:ln>
-                  <a:noFill/>
-                </a:ln>
-                <a:solidFill>
-                  <a:srgbClr val="569CD6"/>
-                </a:solidFill>
-                <a:effectLst/>
-                <a:uLnTx/>
-                <a:uFillTx/>
-                <a:latin typeface="Consolas" panose="020B0609020204030204" pitchFamily="49" charset="0"/>
-                <a:ea typeface="+mn-ea"/>
-                <a:cs typeface="+mn-cs"/>
-              </a:rPr>
-              <a:t>h6</a:t>
-            </a:r>
-            <a:r>
-              <a:rPr kumimoji="0" lang="en-US" sz="5400" b="0" i="0" u="none" strike="noStrike" kern="1200" cap="none" spc="0" normalizeH="0" baseline="0" noProof="0" dirty="0">
-                <a:ln>
-                  <a:noFill/>
-                </a:ln>
-                <a:solidFill>
-                  <a:srgbClr val="808080"/>
-                </a:solidFill>
-                <a:effectLst/>
-                <a:uLnTx/>
-                <a:uFillTx/>
-                <a:latin typeface="Consolas" panose="020B0609020204030204" pitchFamily="49" charset="0"/>
-                <a:ea typeface="+mn-ea"/>
-                <a:cs typeface="+mn-cs"/>
-              </a:rPr>
-              <a:t>&gt;</a:t>
-            </a:r>
-            <a:r>
-              <a:rPr kumimoji="0" lang="en-US" sz="5400" b="0" i="0" u="none" strike="noStrike" kern="1200" cap="none" spc="0" normalizeH="0" baseline="0" noProof="0" dirty="0">
-                <a:ln>
-                  <a:noFill/>
-                </a:ln>
-                <a:solidFill>
-                  <a:srgbClr val="FFFFFF"/>
-                </a:solidFill>
-                <a:effectLst/>
-                <a:uLnTx/>
-                <a:uFillTx/>
-                <a:latin typeface="Consolas" panose="020B0609020204030204" pitchFamily="49" charset="0"/>
-                <a:ea typeface="+mn-ea"/>
-                <a:cs typeface="+mn-cs"/>
-              </a:rPr>
-              <a:t>This is the smallest</a:t>
-            </a:r>
-            <a:r>
-              <a:rPr kumimoji="0" lang="en-US" sz="5400" b="0" i="0" u="none" strike="noStrike" kern="1200" cap="none" spc="0" normalizeH="0" baseline="0" noProof="0" dirty="0">
-                <a:ln>
-                  <a:noFill/>
-                </a:ln>
-                <a:solidFill>
-                  <a:srgbClr val="808080"/>
-                </a:solidFill>
-                <a:effectLst/>
-                <a:uLnTx/>
-                <a:uFillTx/>
-                <a:latin typeface="Consolas" panose="020B0609020204030204" pitchFamily="49" charset="0"/>
-                <a:ea typeface="+mn-ea"/>
-                <a:cs typeface="+mn-cs"/>
-              </a:rPr>
-              <a:t>&lt;/</a:t>
-            </a:r>
-            <a:r>
-              <a:rPr kumimoji="0" lang="en-US" sz="5400" b="0" i="0" u="none" strike="noStrike" kern="1200" cap="none" spc="0" normalizeH="0" baseline="0" noProof="0" dirty="0">
-                <a:ln>
-                  <a:noFill/>
-                </a:ln>
-                <a:solidFill>
-                  <a:srgbClr val="569CD6"/>
-                </a:solidFill>
-                <a:effectLst/>
-                <a:uLnTx/>
-                <a:uFillTx/>
-                <a:latin typeface="Consolas" panose="020B0609020204030204" pitchFamily="49" charset="0"/>
-                <a:ea typeface="+mn-ea"/>
-                <a:cs typeface="+mn-cs"/>
-              </a:rPr>
-              <a:t>h6</a:t>
-            </a:r>
-            <a:r>
-              <a:rPr kumimoji="0" lang="en-US" sz="5400" b="0" i="0" u="none" strike="noStrike" kern="1200" cap="none" spc="0" normalizeH="0" baseline="0" noProof="0" dirty="0">
-                <a:ln>
-                  <a:noFill/>
-                </a:ln>
-                <a:solidFill>
-                  <a:srgbClr val="808080"/>
-                </a:solidFill>
-                <a:effectLst/>
-                <a:uLnTx/>
-                <a:uFillTx/>
-                <a:latin typeface="Consolas" panose="020B0609020204030204" pitchFamily="49" charset="0"/>
-                <a:ea typeface="+mn-ea"/>
-                <a:cs typeface="+mn-cs"/>
-              </a:rPr>
-              <a:t>&gt;</a:t>
-            </a:r>
-            <a:endParaRPr kumimoji="0" lang="en-US" sz="5400" b="0" i="0" u="none" strike="noStrike" kern="1200" cap="none" spc="0" normalizeH="0" baseline="0" noProof="0" dirty="0">
-              <a:ln>
-                <a:noFill/>
-              </a:ln>
-              <a:solidFill>
-                <a:srgbClr val="D4D4D4"/>
-              </a:solidFill>
-              <a:effectLst/>
-              <a:uLnTx/>
-              <a:uFillTx/>
-              <a:latin typeface="Consolas" panose="020B0609020204030204" pitchFamily="49" charset="0"/>
-              <a:ea typeface="+mn-ea"/>
-              <a:cs typeface="+mn-cs"/>
-            </a:endParaRPr>
-          </a:p>
-          <a:p>
-            <a:pPr marL="0" marR="0" lvl="0" indent="0" algn="l" defTabSz="914400" rtl="0" eaLnBrk="1" fontAlgn="auto" latinLnBrk="0" hangingPunct="1">
-              <a:lnSpc>
-                <a:spcPct val="90000"/>
-              </a:lnSpc>
-              <a:spcBef>
-                <a:spcPts val="0"/>
-              </a:spcBef>
-              <a:spcAft>
-                <a:spcPts val="600"/>
-              </a:spcAft>
-              <a:buClrTx/>
-              <a:buSzTx/>
-              <a:buFontTx/>
-              <a:buNone/>
-              <a:tabLst/>
-              <a:defRPr/>
-            </a:pPr>
-            <a:endParaRPr kumimoji="0" lang="en-US" sz="2400" b="0" i="0" u="none" strike="noStrike" kern="1200" cap="none" spc="0" normalizeH="0" baseline="0" noProof="0" dirty="0" err="1">
-              <a:ln>
-                <a:noFill/>
-              </a:ln>
-              <a:gradFill>
-                <a:gsLst>
-                  <a:gs pos="2917">
-                    <a:srgbClr val="56565A"/>
-                  </a:gs>
-                  <a:gs pos="30000">
-                    <a:srgbClr val="56565A"/>
-                  </a:gs>
-                </a:gsLst>
-                <a:lin ang="5400000" scaled="0"/>
-              </a:gradFill>
-              <a:effectLst/>
-              <a:uLnTx/>
-              <a:uFillTx/>
-              <a:latin typeface="Arial" panose="020B0604020202020204"/>
-              <a:ea typeface="+mn-ea"/>
-              <a:cs typeface="+mn-cs"/>
-            </a:endParaRPr>
-          </a:p>
-        </p:txBody>
-      </p:sp>
-    </p:spTree>
-    <p:extLst>
-      <p:ext uri="{BB962C8B-B14F-4D97-AF65-F5344CB8AC3E}">
-        <p14:creationId xmlns:p14="http://schemas.microsoft.com/office/powerpoint/2010/main" val="1792730226"/>
-      </p:ext>
-    </p:extLst>
-  </p:cSld>
-  <p:clrMapOvr>
-    <a:masterClrMapping/>
-  </p:clrMapOvr>
-  <p:transition>
-    <p:fade/>
-  </p:transition>
-  <p:timing>
-    <p:tnLst>
-      <p:par>
-        <p:cTn id="1" dur="indefinite" restart="never" nodeType="tmRoot">
-          <p:childTnLst>
-            <p:seq concurrent="1" nextAc="seek">
-              <p:cTn id="2" dur="indefinite" nodeType="mainSeq">
-                <p:childTnLst>
-                  <p:par>
-                    <p:cTn id="3" fill="hold">
-                      <p:stCondLst>
-                        <p:cond delay="indefinite"/>
-                      </p:stCondLst>
-                      <p:childTnLst>
-                        <p:par>
-                          <p:cTn id="4" fill="hold">
-                            <p:stCondLst>
-                              <p:cond delay="0"/>
-                            </p:stCondLst>
-                            <p:childTnLst>
-                              <p:par>
-                                <p:cTn id="5" presetID="10" presetClass="entr" presetSubtype="0" fill="hold" grpId="0" nodeType="clickEffect">
-                                  <p:stCondLst>
-                                    <p:cond delay="0"/>
-                                  </p:stCondLst>
-                                  <p:childTnLst>
-                                    <p:set>
-                                      <p:cBhvr>
-                                        <p:cTn id="6" dur="1" fill="hold">
-                                          <p:stCondLst>
-                                            <p:cond delay="0"/>
-                                          </p:stCondLst>
-                                        </p:cTn>
-                                        <p:tgtEl>
-                                          <p:spTgt spid="4"/>
-                                        </p:tgtEl>
-                                        <p:attrNameLst>
-                                          <p:attrName>style.visibility</p:attrName>
-                                        </p:attrNameLst>
-                                      </p:cBhvr>
-                                      <p:to>
-                                        <p:strVal val="visible"/>
-                                      </p:to>
-                                    </p:set>
-                                    <p:animEffect transition="in" filter="fade">
-                                      <p:cBhvr>
-                                        <p:cTn id="7" dur="500"/>
-                                        <p:tgtEl>
-                                          <p:spTgt spid="4"/>
-                                        </p:tgtEl>
-                                      </p:cBhvr>
-                                    </p:animEffect>
-                                  </p:childTnLst>
-                                </p:cTn>
-                              </p:par>
-                            </p:childTnLst>
-                          </p:cTn>
-                        </p:par>
-                      </p:childTnLst>
-                    </p:cTn>
-                  </p:par>
-                </p:childTnLst>
-              </p:cTn>
-              <p:prevCondLst>
-                <p:cond evt="onPrev" delay="0">
-                  <p:tgtEl>
-                    <p:sldTgt/>
-                  </p:tgtEl>
-                </p:cond>
-              </p:prevCondLst>
-              <p:nextCondLst>
-                <p:cond evt="onNext" delay="0">
-                  <p:tgtEl>
-                    <p:sldTgt/>
-                  </p:tgtEl>
-                </p:cond>
-              </p:nextCondLst>
-            </p:seq>
-          </p:childTnLst>
-        </p:cTn>
-      </p:par>
-    </p:tnLst>
-    <p:bldLst>
-      <p:bldP spid="4" grpId="0"/>
-    </p:bldLst>
-  </p:timing>
-</p:sld>
-</file>
-
-<file path=ppt/slides/slide15.xml><?xml version="1.0" encoding="utf-8"?>
-<p:sld xmlns:a="http://schemas.openxmlformats.org/drawingml/2006/main" xmlns:r="http://schemas.openxmlformats.org/officeDocument/2006/relationships" xmlns:p="http://schemas.openxmlformats.org/presentationml/2006/main">
-  <p:cSld>
-    <p:bg>
-      <p:bgPr>
-        <a:solidFill>
-          <a:schemeClr val="tx1">
-            <a:lumMod val="50000"/>
-          </a:schemeClr>
-        </a:solidFill>
-        <a:effectLst/>
-      </p:bgPr>
-    </p:bg>
-    <p:spTree>
-      <p:nvGrpSpPr>
-        <p:cNvPr id="1" name=""/>
-        <p:cNvGrpSpPr/>
-        <p:nvPr/>
-      </p:nvGrpSpPr>
-      <p:grpSpPr>
-        <a:xfrm>
-          <a:off x="0" y="0"/>
-          <a:ext cx="0" cy="0"/>
-          <a:chOff x="0" y="0"/>
-          <a:chExt cx="0" cy="0"/>
-        </a:xfrm>
-      </p:grpSpPr>
-      <p:sp>
-        <p:nvSpPr>
-          <p:cNvPr id="2" name="Title 1"/>
-          <p:cNvSpPr>
-            <a:spLocks noGrp="1"/>
-          </p:cNvSpPr>
-          <p:nvPr>
-            <p:ph type="title"/>
-          </p:nvPr>
-        </p:nvSpPr>
-        <p:spPr/>
-        <p:txBody>
-          <a:bodyPr/>
-          <a:lstStyle/>
-          <a:p>
-            <a:r>
-              <a:rPr lang="en-US" dirty="0"/>
-              <a:t>The </a:t>
-            </a:r>
-            <a:r>
-              <a:rPr lang="en-US" sz="4000" cap="none" dirty="0" err="1">
-                <a:solidFill>
-                  <a:schemeClr val="accent1">
-                    <a:lumMod val="20000"/>
-                    <a:lumOff val="80000"/>
-                  </a:schemeClr>
-                </a:solidFill>
-                <a:latin typeface="Consolas" panose="020B0609020204030204" pitchFamily="49" charset="0"/>
-              </a:rPr>
-              <a:t>img</a:t>
-            </a:r>
-            <a:r>
-              <a:rPr lang="en-US" dirty="0"/>
-              <a:t> Element</a:t>
-            </a:r>
-          </a:p>
-        </p:txBody>
-      </p:sp>
-      <p:sp>
-        <p:nvSpPr>
-          <p:cNvPr id="3" name="Content Placeholder 2"/>
-          <p:cNvSpPr>
-            <a:spLocks noGrp="1"/>
-          </p:cNvSpPr>
-          <p:nvPr>
-            <p:ph idx="1"/>
-          </p:nvPr>
-        </p:nvSpPr>
-        <p:spPr>
-          <a:xfrm>
-            <a:off x="381000" y="1600200"/>
-            <a:ext cx="11430000" cy="2286000"/>
-          </a:xfrm>
-        </p:spPr>
-        <p:txBody>
-          <a:bodyPr>
-            <a:normAutofit/>
-          </a:bodyPr>
-          <a:lstStyle/>
-          <a:p>
-            <a:r>
-              <a:rPr lang="en-US" sz="3600" dirty="0">
-                <a:solidFill>
-                  <a:schemeClr val="bg1"/>
-                </a:solidFill>
-              </a:rPr>
-              <a:t>Used to display an image</a:t>
-            </a:r>
-          </a:p>
-          <a:p>
-            <a:r>
-              <a:rPr lang="en-US" sz="3600" dirty="0">
-                <a:solidFill>
-                  <a:schemeClr val="bg1"/>
-                </a:solidFill>
-              </a:rPr>
-              <a:t>Set the </a:t>
-            </a:r>
-            <a:r>
-              <a:rPr lang="en-US" sz="3600" b="1" dirty="0" err="1">
-                <a:solidFill>
-                  <a:schemeClr val="accent1">
-                    <a:lumMod val="60000"/>
-                    <a:lumOff val="40000"/>
-                  </a:schemeClr>
-                </a:solidFill>
-                <a:latin typeface="Consolas" panose="020B0609020204030204" pitchFamily="49" charset="0"/>
-              </a:rPr>
-              <a:t>src</a:t>
-            </a:r>
-            <a:r>
-              <a:rPr lang="en-US" sz="3600" dirty="0">
-                <a:solidFill>
-                  <a:schemeClr val="bg1"/>
-                </a:solidFill>
-              </a:rPr>
-              <a:t> to a URL</a:t>
-            </a:r>
-          </a:p>
-          <a:p>
-            <a:r>
-              <a:rPr lang="en-US" sz="3600" dirty="0">
-                <a:solidFill>
-                  <a:schemeClr val="bg1"/>
-                </a:solidFill>
-              </a:rPr>
-              <a:t>This element has no closing tag – it is </a:t>
-            </a:r>
-            <a:r>
-              <a:rPr lang="en-US" sz="3600" b="1" i="1" dirty="0">
-                <a:solidFill>
-                  <a:schemeClr val="bg1"/>
-                </a:solidFill>
-              </a:rPr>
-              <a:t>self-closing</a:t>
-            </a:r>
-          </a:p>
-        </p:txBody>
-      </p:sp>
-      <p:sp>
-        <p:nvSpPr>
-          <p:cNvPr id="4" name="TextBox 3"/>
-          <p:cNvSpPr txBox="1"/>
-          <p:nvPr/>
-        </p:nvSpPr>
-        <p:spPr>
-          <a:xfrm>
-            <a:off x="212658" y="4343400"/>
-            <a:ext cx="11260134" cy="849463"/>
-          </a:xfrm>
-          <a:prstGeom prst="rect">
-            <a:avLst/>
-          </a:prstGeom>
-          <a:noFill/>
-        </p:spPr>
-        <p:txBody>
-          <a:bodyPr wrap="none" lIns="182880" tIns="146304" rIns="182880" bIns="146304" rtlCol="0">
-            <a:spAutoFit/>
-          </a:bodyPr>
-          <a:lstStyle/>
-          <a:p>
-            <a:pPr marL="0" marR="0" lvl="0" indent="0" algn="l" defTabSz="914400" rtl="0" eaLnBrk="1" fontAlgn="auto" latinLnBrk="0" hangingPunct="1">
-              <a:lnSpc>
-                <a:spcPct val="100000"/>
-              </a:lnSpc>
-              <a:spcBef>
-                <a:spcPts val="0"/>
-              </a:spcBef>
-              <a:spcAft>
-                <a:spcPts val="0"/>
-              </a:spcAft>
-              <a:buClrTx/>
-              <a:buSzTx/>
-              <a:buFontTx/>
-              <a:buNone/>
-              <a:tabLst/>
-              <a:defRPr/>
-            </a:pPr>
-            <a:r>
-              <a:rPr kumimoji="0" lang="en-US" sz="3600" b="0" i="0" u="none" strike="noStrike" kern="1200" cap="none" spc="0" normalizeH="0" baseline="0" noProof="0" dirty="0">
-                <a:ln>
-                  <a:noFill/>
-                </a:ln>
-                <a:solidFill>
-                  <a:srgbClr val="808080"/>
-                </a:solidFill>
-                <a:effectLst/>
-                <a:uLnTx/>
-                <a:uFillTx/>
-                <a:latin typeface="Consolas" panose="020B0609020204030204" pitchFamily="49" charset="0"/>
-                <a:ea typeface="+mn-ea"/>
-                <a:cs typeface="+mn-cs"/>
-              </a:rPr>
-              <a:t>&lt;</a:t>
-            </a:r>
-            <a:r>
-              <a:rPr kumimoji="0" lang="en-US" sz="3600" b="0" i="0" u="none" strike="noStrike" kern="1200" cap="none" spc="0" normalizeH="0" baseline="0" noProof="0" dirty="0" err="1">
-                <a:ln>
-                  <a:noFill/>
-                </a:ln>
-                <a:solidFill>
-                  <a:srgbClr val="569CD6"/>
-                </a:solidFill>
-                <a:effectLst/>
-                <a:uLnTx/>
-                <a:uFillTx/>
-                <a:latin typeface="Consolas" panose="020B0609020204030204" pitchFamily="49" charset="0"/>
-                <a:ea typeface="+mn-ea"/>
-                <a:cs typeface="+mn-cs"/>
-              </a:rPr>
-              <a:t>img</a:t>
-            </a:r>
-            <a:r>
-              <a:rPr kumimoji="0" lang="en-US" sz="3600" b="0" i="0" u="none" strike="noStrike" kern="1200" cap="none" spc="0" normalizeH="0" baseline="0" noProof="0" dirty="0">
-                <a:ln>
-                  <a:noFill/>
-                </a:ln>
-                <a:solidFill>
-                  <a:srgbClr val="D4D4D4"/>
-                </a:solidFill>
-                <a:effectLst/>
-                <a:uLnTx/>
-                <a:uFillTx/>
-                <a:latin typeface="Consolas" panose="020B0609020204030204" pitchFamily="49" charset="0"/>
-                <a:ea typeface="+mn-ea"/>
-                <a:cs typeface="+mn-cs"/>
-              </a:rPr>
-              <a:t> </a:t>
-            </a:r>
-            <a:r>
-              <a:rPr kumimoji="0" lang="en-US" sz="3600" b="0" i="0" u="none" strike="noStrike" kern="1200" cap="none" spc="0" normalizeH="0" baseline="0" noProof="0" dirty="0" err="1">
-                <a:ln>
-                  <a:noFill/>
-                </a:ln>
-                <a:solidFill>
-                  <a:srgbClr val="9CDCFE"/>
-                </a:solidFill>
-                <a:effectLst/>
-                <a:uLnTx/>
-                <a:uFillTx/>
-                <a:latin typeface="Consolas" panose="020B0609020204030204" pitchFamily="49" charset="0"/>
-                <a:ea typeface="+mn-ea"/>
-                <a:cs typeface="+mn-cs"/>
-              </a:rPr>
-              <a:t>src</a:t>
-            </a:r>
-            <a:r>
-              <a:rPr kumimoji="0" lang="en-US" sz="3600" b="0" i="0" u="none" strike="noStrike" kern="1200" cap="none" spc="0" normalizeH="0" baseline="0" noProof="0" dirty="0">
-                <a:ln>
-                  <a:noFill/>
-                </a:ln>
-                <a:solidFill>
-                  <a:srgbClr val="D4D4D4"/>
-                </a:solidFill>
-                <a:effectLst/>
-                <a:uLnTx/>
-                <a:uFillTx/>
-                <a:latin typeface="Consolas" panose="020B0609020204030204" pitchFamily="49" charset="0"/>
-                <a:ea typeface="+mn-ea"/>
-                <a:cs typeface="+mn-cs"/>
-              </a:rPr>
-              <a:t>=</a:t>
-            </a:r>
-            <a:r>
-              <a:rPr kumimoji="0" lang="en-US" sz="3600" b="0" i="0" u="none" strike="noStrike" kern="1200" cap="none" spc="0" normalizeH="0" baseline="0" noProof="0" dirty="0">
-                <a:ln>
-                  <a:noFill/>
-                </a:ln>
-                <a:solidFill>
-                  <a:srgbClr val="CE9178"/>
-                </a:solidFill>
-                <a:effectLst/>
-                <a:uLnTx/>
-                <a:uFillTx/>
-                <a:latin typeface="Consolas" panose="020B0609020204030204" pitchFamily="49" charset="0"/>
-                <a:ea typeface="+mn-ea"/>
-                <a:cs typeface="+mn-cs"/>
-              </a:rPr>
-              <a:t>"https://i.imgur.com/GfT5Z9R.png"</a:t>
-            </a:r>
-            <a:r>
-              <a:rPr kumimoji="0" lang="en-US" sz="3600" b="0" i="0" u="none" strike="noStrike" kern="1200" cap="none" spc="0" normalizeH="0" baseline="0" noProof="0" dirty="0">
-                <a:ln>
-                  <a:noFill/>
-                </a:ln>
-                <a:solidFill>
-                  <a:srgbClr val="808080"/>
-                </a:solidFill>
-                <a:effectLst/>
-                <a:uLnTx/>
-                <a:uFillTx/>
-                <a:latin typeface="Consolas" panose="020B0609020204030204" pitchFamily="49" charset="0"/>
-                <a:ea typeface="+mn-ea"/>
-                <a:cs typeface="+mn-cs"/>
-              </a:rPr>
-              <a:t>&gt;</a:t>
-            </a:r>
-            <a:endParaRPr kumimoji="0" lang="en-US" sz="3600" b="0" i="0" u="none" strike="noStrike" kern="1200" cap="none" spc="0" normalizeH="0" baseline="0" noProof="0" dirty="0">
-              <a:ln>
-                <a:noFill/>
-              </a:ln>
-              <a:solidFill>
-                <a:srgbClr val="D4D4D4"/>
-              </a:solidFill>
-              <a:effectLst/>
-              <a:uLnTx/>
-              <a:uFillTx/>
-              <a:latin typeface="Consolas" panose="020B0609020204030204" pitchFamily="49" charset="0"/>
-              <a:ea typeface="+mn-ea"/>
-              <a:cs typeface="+mn-cs"/>
-            </a:endParaRPr>
-          </a:p>
-        </p:txBody>
-      </p:sp>
-    </p:spTree>
-    <p:extLst>
-      <p:ext uri="{BB962C8B-B14F-4D97-AF65-F5344CB8AC3E}">
-        <p14:creationId xmlns:p14="http://schemas.microsoft.com/office/powerpoint/2010/main" val="1344415121"/>
-      </p:ext>
-    </p:extLst>
-  </p:cSld>
-  <p:clrMapOvr>
-    <a:masterClrMapping/>
-  </p:clrMapOvr>
-  <p:transition>
-    <p:fade/>
-  </p:transition>
-  <p:timing>
-    <p:tnLst>
-      <p:par>
-        <p:cTn id="1" dur="indefinite" restart="never" nodeType="tmRoot">
-          <p:childTnLst>
-            <p:seq concurrent="1" nextAc="seek">
-              <p:cTn id="2" dur="indefinite" nodeType="mainSeq">
-                <p:childTnLst>
-                  <p:par>
-                    <p:cTn id="3" fill="hold">
-                      <p:stCondLst>
-                        <p:cond delay="indefinite"/>
-                      </p:stCondLst>
-                      <p:childTnLst>
-                        <p:par>
-                          <p:cTn id="4" fill="hold">
-                            <p:stCondLst>
-                              <p:cond delay="0"/>
-                            </p:stCondLst>
-                            <p:childTnLst>
-                              <p:par>
-                                <p:cTn id="5" presetID="10" presetClass="entr" presetSubtype="0" fill="hold" grpId="0" nodeType="clickEffect">
-                                  <p:stCondLst>
-                                    <p:cond delay="0"/>
-                                  </p:stCondLst>
-                                  <p:childTnLst>
-                                    <p:set>
-                                      <p:cBhvr>
-                                        <p:cTn id="6" dur="1" fill="hold">
-                                          <p:stCondLst>
-                                            <p:cond delay="0"/>
-                                          </p:stCondLst>
-                                        </p:cTn>
-                                        <p:tgtEl>
-                                          <p:spTgt spid="4"/>
-                                        </p:tgtEl>
-                                        <p:attrNameLst>
-                                          <p:attrName>style.visibility</p:attrName>
-                                        </p:attrNameLst>
-                                      </p:cBhvr>
-                                      <p:to>
-                                        <p:strVal val="visible"/>
-                                      </p:to>
-                                    </p:set>
-                                    <p:animEffect transition="in" filter="fade">
-                                      <p:cBhvr>
-                                        <p:cTn id="7" dur="500"/>
-                                        <p:tgtEl>
-                                          <p:spTgt spid="4"/>
-                                        </p:tgtEl>
-                                      </p:cBhvr>
-                                    </p:animEffect>
-                                  </p:childTnLst>
-                                </p:cTn>
-                              </p:par>
-                            </p:childTnLst>
-                          </p:cTn>
-                        </p:par>
-                      </p:childTnLst>
-                    </p:cTn>
-                  </p:par>
-                </p:childTnLst>
-              </p:cTn>
-              <p:prevCondLst>
-                <p:cond evt="onPrev" delay="0">
-                  <p:tgtEl>
-                    <p:sldTgt/>
-                  </p:tgtEl>
-                </p:cond>
-              </p:prevCondLst>
-              <p:nextCondLst>
-                <p:cond evt="onNext" delay="0">
-                  <p:tgtEl>
-                    <p:sldTgt/>
-                  </p:tgtEl>
-                </p:cond>
-              </p:nextCondLst>
-            </p:seq>
-          </p:childTnLst>
-        </p:cTn>
-      </p:par>
-    </p:tnLst>
-    <p:bldLst>
-      <p:bldP spid="4" grpId="0"/>
-    </p:bldLst>
-  </p:timing>
-</p:sld>
-</file>
-
-<file path=ppt/slides/slide16.xml><?xml version="1.0" encoding="utf-8"?>
-<p:sld xmlns:a="http://schemas.openxmlformats.org/drawingml/2006/main" xmlns:r="http://schemas.openxmlformats.org/officeDocument/2006/relationships" xmlns:p="http://schemas.openxmlformats.org/presentationml/2006/main">
-  <p:cSld>
-    <p:bg>
-      <p:bgPr>
-        <a:solidFill>
-          <a:schemeClr val="tx1">
-            <a:lumMod val="50000"/>
-          </a:schemeClr>
-        </a:solidFill>
-        <a:effectLst/>
-      </p:bgPr>
-    </p:bg>
-    <p:spTree>
-      <p:nvGrpSpPr>
-        <p:cNvPr id="1" name=""/>
-        <p:cNvGrpSpPr/>
-        <p:nvPr/>
-      </p:nvGrpSpPr>
-      <p:grpSpPr>
-        <a:xfrm>
-          <a:off x="0" y="0"/>
-          <a:ext cx="0" cy="0"/>
-          <a:chOff x="0" y="0"/>
-          <a:chExt cx="0" cy="0"/>
-        </a:xfrm>
-      </p:grpSpPr>
-      <p:sp>
-        <p:nvSpPr>
-          <p:cNvPr id="2" name="Title 1"/>
-          <p:cNvSpPr>
-            <a:spLocks noGrp="1"/>
-          </p:cNvSpPr>
-          <p:nvPr>
-            <p:ph type="title"/>
-          </p:nvPr>
-        </p:nvSpPr>
-        <p:spPr/>
-        <p:txBody>
-          <a:bodyPr/>
-          <a:lstStyle/>
-          <a:p>
-            <a:r>
-              <a:rPr lang="en-US" dirty="0"/>
-              <a:t>A Full Example</a:t>
-            </a:r>
-          </a:p>
-        </p:txBody>
-      </p:sp>
-      <p:sp>
-        <p:nvSpPr>
-          <p:cNvPr id="6" name="Content Placeholder 5">
-            <a:extLst>
-              <a:ext uri="{FF2B5EF4-FFF2-40B4-BE49-F238E27FC236}">
-                <a16:creationId xmlns:a16="http://schemas.microsoft.com/office/drawing/2014/main" id="{064A53E3-6D9C-44DE-BCDE-2CE3EE95B8BD}"/>
-              </a:ext>
-            </a:extLst>
-          </p:cNvPr>
-          <p:cNvSpPr>
-            <a:spLocks noGrp="1"/>
-          </p:cNvSpPr>
-          <p:nvPr>
-            <p:ph idx="1"/>
-          </p:nvPr>
-        </p:nvSpPr>
-        <p:spPr/>
-        <p:txBody>
-          <a:bodyPr>
-            <a:normAutofit/>
-          </a:bodyPr>
-          <a:lstStyle/>
-          <a:p>
-            <a:pPr marL="57150" indent="0">
-              <a:buNone/>
-            </a:pPr>
-            <a:r>
-              <a:rPr lang="en-US" sz="11500" dirty="0">
-                <a:hlinkClick r:id="rId2"/>
-              </a:rPr>
-              <a:t>https://replit.com/@HylandOutreach/HtmlExample</a:t>
-            </a:r>
-            <a:endParaRPr lang="en-US" sz="3600" dirty="0"/>
-          </a:p>
-        </p:txBody>
-      </p:sp>
-    </p:spTree>
-    <p:extLst>
-      <p:ext uri="{BB962C8B-B14F-4D97-AF65-F5344CB8AC3E}">
-        <p14:creationId xmlns:p14="http://schemas.microsoft.com/office/powerpoint/2010/main" val="678630062"/>
-      </p:ext>
-    </p:extLst>
-  </p:cSld>
-  <p:clrMapOvr>
-    <a:masterClrMapping/>
-  </p:clrMapOvr>
-  <p:transition>
-    <p:fade/>
-  </p:transition>
-</p:sld>
-</file>
-
-<file path=ppt/slides/slide17.xml><?xml version="1.0" encoding="utf-8"?>
-<p:sld xmlns:a="http://schemas.openxmlformats.org/drawingml/2006/main" xmlns:r="http://schemas.openxmlformats.org/officeDocument/2006/relationships" xmlns:p="http://schemas.openxmlformats.org/presentationml/2006/main">
-  <p:cSld>
-    <p:spTree>
-      <p:nvGrpSpPr>
-        <p:cNvPr id="1" name=""/>
-        <p:cNvGrpSpPr/>
-        <p:nvPr/>
-      </p:nvGrpSpPr>
-      <p:grpSpPr>
-        <a:xfrm>
-          <a:off x="0" y="0"/>
-          <a:ext cx="0" cy="0"/>
-          <a:chOff x="0" y="0"/>
-          <a:chExt cx="0" cy="0"/>
-        </a:xfrm>
-      </p:grpSpPr>
-      <p:sp>
-        <p:nvSpPr>
-          <p:cNvPr id="2" name="Text Placeholder 1">
-            <a:extLst>
-              <a:ext uri="{FF2B5EF4-FFF2-40B4-BE49-F238E27FC236}">
-                <a16:creationId xmlns:a16="http://schemas.microsoft.com/office/drawing/2014/main" id="{27C54231-2C08-42F5-BE1C-203CB8D282B2}"/>
-              </a:ext>
-            </a:extLst>
-          </p:cNvPr>
-          <p:cNvSpPr>
-            <a:spLocks noGrp="1"/>
-          </p:cNvSpPr>
-          <p:nvPr>
-            <p:ph type="body" sz="quarter" idx="10"/>
-          </p:nvPr>
-        </p:nvSpPr>
-        <p:spPr/>
-        <p:txBody>
-          <a:bodyPr/>
-          <a:lstStyle/>
-          <a:p>
-            <a:r>
-              <a:rPr lang="en-US" dirty="0"/>
-              <a:t>Questions?</a:t>
-            </a:r>
-          </a:p>
-        </p:txBody>
-      </p:sp>
-    </p:spTree>
-    <p:extLst>
-      <p:ext uri="{BB962C8B-B14F-4D97-AF65-F5344CB8AC3E}">
-        <p14:creationId xmlns:p14="http://schemas.microsoft.com/office/powerpoint/2010/main" val="4287245496"/>
-      </p:ext>
-    </p:extLst>
-  </p:cSld>
-  <p:clrMapOvr>
-    <a:masterClrMapping/>
-  </p:clrMapOvr>
-  <p:transition>
-    <p:fade/>
-  </p:transition>
-</p:sld>
-</file>
-
-<file path=ppt/slides/slide2.xml><?xml version="1.0" encoding="utf-8"?>
-<p:sld xmlns:a="http://schemas.openxmlformats.org/drawingml/2006/main" xmlns:r="http://schemas.openxmlformats.org/officeDocument/2006/relationships" xmlns:p="http://schemas.openxmlformats.org/presentationml/2006/main">
-  <p:cSld>
-    <p:spTree>
-      <p:nvGrpSpPr>
-        <p:cNvPr id="1" name=""/>
-        <p:cNvGrpSpPr/>
-        <p:nvPr/>
-      </p:nvGrpSpPr>
-      <p:grpSpPr>
-        <a:xfrm>
-          <a:off x="0" y="0"/>
-          <a:ext cx="0" cy="0"/>
-          <a:chOff x="0" y="0"/>
-          <a:chExt cx="0" cy="0"/>
-        </a:xfrm>
-      </p:grpSpPr>
-      <p:sp>
-        <p:nvSpPr>
-          <p:cNvPr id="2" name="Title 1"/>
-          <p:cNvSpPr>
-            <a:spLocks noGrp="1"/>
-          </p:cNvSpPr>
-          <p:nvPr>
-            <p:ph type="title"/>
-          </p:nvPr>
-        </p:nvSpPr>
-        <p:spPr/>
-        <p:txBody>
-          <a:bodyPr/>
-          <a:lstStyle/>
-          <a:p>
-            <a:r>
-              <a:rPr lang="en-US" dirty="0"/>
-              <a:t>Web Overview</a:t>
-            </a:r>
-          </a:p>
-        </p:txBody>
-      </p:sp>
-      <p:pic>
-        <p:nvPicPr>
-          <p:cNvPr id="2052" name="Picture 4" descr="Image result for spider-man web"/>
-          <p:cNvPicPr>
-            <a:picLocks noChangeAspect="1" noChangeArrowheads="1"/>
-          </p:cNvPicPr>
-          <p:nvPr/>
-        </p:nvPicPr>
-        <p:blipFill rotWithShape="1">
-          <a:blip r:embed="rId2">
-            <a:extLst>
-              <a:ext uri="{28A0092B-C50C-407E-A947-70E740481C1C}">
-                <a14:useLocalDpi xmlns:a14="http://schemas.microsoft.com/office/drawing/2010/main" val="0"/>
-              </a:ext>
-            </a:extLst>
-          </a:blip>
-          <a:srcRect b="1907"/>
-          <a:stretch/>
-        </p:blipFill>
-        <p:spPr bwMode="auto">
-          <a:xfrm>
-            <a:off x="5200650" y="0"/>
-            <a:ext cx="6991350" cy="6858000"/>
-          </a:xfrm>
-          <a:prstGeom prst="rect">
-            <a:avLst/>
-          </a:prstGeom>
-          <a:noFill/>
-          <a:extLst>
-            <a:ext uri="{909E8E84-426E-40DD-AFC4-6F175D3DCCD1}">
-              <a14:hiddenFill xmlns:a14="http://schemas.microsoft.com/office/drawing/2010/main">
-                <a:solidFill>
-                  <a:srgbClr val="FFFFFF"/>
-                </a:solidFill>
-              </a14:hiddenFill>
-            </a:ext>
-          </a:extLst>
-        </p:spPr>
-      </p:pic>
-    </p:spTree>
-    <p:extLst>
-      <p:ext uri="{BB962C8B-B14F-4D97-AF65-F5344CB8AC3E}">
-        <p14:creationId xmlns:p14="http://schemas.microsoft.com/office/powerpoint/2010/main" val="3729235405"/>
-      </p:ext>
-    </p:extLst>
-  </p:cSld>
-  <p:clrMapOvr>
-    <a:masterClrMapping/>
-  </p:clrMapOvr>
-  <p:transition>
-    <p:fade/>
-  </p:transition>
-</p:sld>
-</file>
-
-<file path=ppt/slides/slide3.xml><?xml version="1.0" encoding="utf-8"?>
-<p:sld xmlns:a="http://schemas.openxmlformats.org/drawingml/2006/main" xmlns:r="http://schemas.openxmlformats.org/officeDocument/2006/relationships" xmlns:p="http://schemas.openxmlformats.org/presentationml/2006/main">
-  <p:cSld>
-    <p:spTree>
-      <p:nvGrpSpPr>
-        <p:cNvPr id="1" name=""/>
-        <p:cNvGrpSpPr/>
-        <p:nvPr/>
-      </p:nvGrpSpPr>
-      <p:grpSpPr>
-        <a:xfrm>
-          <a:off x="0" y="0"/>
-          <a:ext cx="0" cy="0"/>
-          <a:chOff x="0" y="0"/>
-          <a:chExt cx="0" cy="0"/>
-        </a:xfrm>
-      </p:grpSpPr>
-      <p:sp>
-        <p:nvSpPr>
-          <p:cNvPr id="2" name="Title 1">
-            <a:extLst>
-              <a:ext uri="{FF2B5EF4-FFF2-40B4-BE49-F238E27FC236}">
-                <a16:creationId xmlns:a16="http://schemas.microsoft.com/office/drawing/2014/main" id="{46F886F7-B6EE-4C21-843C-1528FD0248F3}"/>
-              </a:ext>
-            </a:extLst>
-          </p:cNvPr>
-          <p:cNvSpPr>
-            <a:spLocks noGrp="1"/>
-          </p:cNvSpPr>
-          <p:nvPr>
-            <p:ph type="title"/>
-          </p:nvPr>
-        </p:nvSpPr>
-        <p:spPr/>
-        <p:txBody>
-          <a:bodyPr/>
-          <a:lstStyle/>
-          <a:p>
-            <a:r>
-              <a:rPr lang="en-US" dirty="0"/>
-              <a:t>What is a web browser?</a:t>
-            </a:r>
-          </a:p>
-        </p:txBody>
-      </p:sp>
-      <p:sp>
-        <p:nvSpPr>
-          <p:cNvPr id="4" name="Content Placeholder 3">
-            <a:extLst>
-              <a:ext uri="{FF2B5EF4-FFF2-40B4-BE49-F238E27FC236}">
-                <a16:creationId xmlns:a16="http://schemas.microsoft.com/office/drawing/2014/main" id="{D82BD408-1743-4375-8AFF-C8311A74CF35}"/>
-              </a:ext>
-            </a:extLst>
-          </p:cNvPr>
-          <p:cNvSpPr>
-            <a:spLocks noGrp="1"/>
-          </p:cNvSpPr>
-          <p:nvPr>
-            <p:ph idx="1"/>
-          </p:nvPr>
-        </p:nvSpPr>
-        <p:spPr>
-          <a:xfrm>
-            <a:off x="381000" y="1143000"/>
-            <a:ext cx="11430000" cy="2743200"/>
-          </a:xfrm>
-        </p:spPr>
-        <p:txBody>
-          <a:bodyPr/>
-          <a:lstStyle/>
-          <a:p>
-            <a:pPr marL="57150" indent="0">
-              <a:buNone/>
-            </a:pPr>
-            <a:r>
-              <a:rPr lang="en-US" sz="6000" dirty="0"/>
-              <a:t>A </a:t>
-            </a:r>
-            <a:r>
-              <a:rPr lang="en-US" sz="6000" b="1" dirty="0"/>
-              <a:t>web browser</a:t>
-            </a:r>
-            <a:r>
-              <a:rPr lang="en-US" sz="6000" dirty="0"/>
-              <a:t> is an application that is used to view websites.</a:t>
-            </a:r>
-          </a:p>
-          <a:p>
-            <a:pPr marL="57150" indent="0">
-              <a:buNone/>
-            </a:pPr>
-            <a:r>
-              <a:rPr lang="en-US" sz="4000" b="1" i="1" dirty="0">
-                <a:solidFill>
-                  <a:schemeClr val="accent2"/>
-                </a:solidFill>
-              </a:rPr>
-              <a:t>What are some examples of web browsers?</a:t>
-            </a:r>
-          </a:p>
-        </p:txBody>
-      </p:sp>
-      <p:pic>
-        <p:nvPicPr>
-          <p:cNvPr id="1028" name="Picture 4" descr="An Overview of Web Browser Forensics | Digital Forensics | Computer  Forensics | Blog">
-            <a:extLst>
-              <a:ext uri="{FF2B5EF4-FFF2-40B4-BE49-F238E27FC236}">
-                <a16:creationId xmlns:a16="http://schemas.microsoft.com/office/drawing/2014/main" id="{48455B15-20B5-4375-95A5-480FCA845AC6}"/>
-              </a:ext>
-            </a:extLst>
-          </p:cNvPr>
-          <p:cNvPicPr>
-            <a:picLocks noChangeAspect="1" noChangeArrowheads="1"/>
-          </p:cNvPicPr>
-          <p:nvPr/>
-        </p:nvPicPr>
-        <p:blipFill rotWithShape="1">
-          <a:blip r:embed="rId3">
-            <a:extLst>
-              <a:ext uri="{28A0092B-C50C-407E-A947-70E740481C1C}">
-                <a14:useLocalDpi xmlns:a14="http://schemas.microsoft.com/office/drawing/2010/main" val="0"/>
-              </a:ext>
-            </a:extLst>
-          </a:blip>
-          <a:srcRect t="9193"/>
-          <a:stretch/>
-        </p:blipFill>
-        <p:spPr bwMode="auto">
-          <a:xfrm>
-            <a:off x="1204420" y="3856383"/>
-            <a:ext cx="9783159" cy="3675647"/>
-          </a:xfrm>
-          <a:prstGeom prst="rect">
-            <a:avLst/>
-          </a:prstGeom>
-          <a:noFill/>
-          <a:extLst>
-            <a:ext uri="{909E8E84-426E-40DD-AFC4-6F175D3DCCD1}">
-              <a14:hiddenFill xmlns:a14="http://schemas.microsoft.com/office/drawing/2010/main">
-                <a:solidFill>
-                  <a:srgbClr val="FFFFFF"/>
-                </a:solidFill>
-              </a14:hiddenFill>
-            </a:ext>
-          </a:extLst>
-        </p:spPr>
-      </p:pic>
-    </p:spTree>
-    <p:extLst>
-      <p:ext uri="{BB962C8B-B14F-4D97-AF65-F5344CB8AC3E}">
-        <p14:creationId xmlns:p14="http://schemas.microsoft.com/office/powerpoint/2010/main" val="3503690666"/>
-      </p:ext>
-    </p:extLst>
-  </p:cSld>
-  <p:clrMapOvr>
-    <a:masterClrMapping/>
-  </p:clrMapOvr>
-  <p:transition>
-    <p:fade/>
-  </p:transition>
-  <p:timing>
-    <p:tnLst>
-      <p:par>
-        <p:cTn id="1" dur="indefinite" restart="never" nodeType="tmRoot">
-          <p:childTnLst>
-            <p:seq concurrent="1" nextAc="seek">
-              <p:cTn id="2" dur="indefinite" nodeType="mainSeq">
-                <p:childTnLst>
-                  <p:par>
-                    <p:cTn id="3" fill="hold">
-                      <p:stCondLst>
-                        <p:cond delay="indefinite"/>
-                      </p:stCondLst>
-                      <p:childTnLst>
-                        <p:par>
-                          <p:cTn id="4" fill="hold">
-                            <p:stCondLst>
-                              <p:cond delay="0"/>
-                            </p:stCondLst>
-                            <p:childTnLst>
-                              <p:par>
-                                <p:cTn id="5" presetID="10" presetClass="entr" presetSubtype="0" fill="hold" nodeType="clickEffect">
-                                  <p:stCondLst>
-                                    <p:cond delay="0"/>
-                                  </p:stCondLst>
-                                  <p:childTnLst>
-                                    <p:set>
-                                      <p:cBhvr>
-                                        <p:cTn id="6" dur="1" fill="hold">
-                                          <p:stCondLst>
-                                            <p:cond delay="0"/>
-                                          </p:stCondLst>
-                                        </p:cTn>
-                                        <p:tgtEl>
-                                          <p:spTgt spid="4">
-                                            <p:txEl>
-                                              <p:pRg st="0" end="0"/>
-                                            </p:txEl>
-                                          </p:spTgt>
-                                        </p:tgtEl>
-                                        <p:attrNameLst>
-                                          <p:attrName>style.visibility</p:attrName>
-                                        </p:attrNameLst>
-                                      </p:cBhvr>
-                                      <p:to>
-                                        <p:strVal val="visible"/>
-                                      </p:to>
-                                    </p:set>
-                                    <p:animEffect transition="in" filter="fade">
-                                      <p:cBhvr>
-                                        <p:cTn id="7" dur="500"/>
-                                        <p:tgtEl>
-                                          <p:spTgt spid="4">
-                                            <p:txEl>
-                                              <p:pRg st="0" end="0"/>
-                                            </p:txEl>
-                                          </p:spTgt>
-                                        </p:tgtEl>
-                                      </p:cBhvr>
-                                    </p:animEffect>
-                                  </p:childTnLst>
-                                </p:cTn>
-                              </p:par>
-                            </p:childTnLst>
-                          </p:cTn>
-                        </p:par>
-                      </p:childTnLst>
-                    </p:cTn>
-                  </p:par>
-                  <p:par>
-                    <p:cTn id="8" fill="hold">
-                      <p:stCondLst>
-                        <p:cond delay="indefinite"/>
-                      </p:stCondLst>
-                      <p:childTnLst>
-                        <p:par>
-                          <p:cTn id="9" fill="hold">
-                            <p:stCondLst>
-                              <p:cond delay="0"/>
-                            </p:stCondLst>
-                            <p:childTnLst>
-                              <p:par>
-                                <p:cTn id="10" presetID="10" presetClass="entr" presetSubtype="0" fill="hold" nodeType="clickEffect">
-                                  <p:stCondLst>
-                                    <p:cond delay="0"/>
-                                  </p:stCondLst>
-                                  <p:childTnLst>
-                                    <p:set>
-                                      <p:cBhvr>
-                                        <p:cTn id="11" dur="1" fill="hold">
-                                          <p:stCondLst>
-                                            <p:cond delay="0"/>
-                                          </p:stCondLst>
-                                        </p:cTn>
-                                        <p:tgtEl>
-                                          <p:spTgt spid="4">
-                                            <p:txEl>
-                                              <p:pRg st="1" end="1"/>
-                                            </p:txEl>
-                                          </p:spTgt>
-                                        </p:tgtEl>
-                                        <p:attrNameLst>
-                                          <p:attrName>style.visibility</p:attrName>
-                                        </p:attrNameLst>
-                                      </p:cBhvr>
-                                      <p:to>
-                                        <p:strVal val="visible"/>
-                                      </p:to>
-                                    </p:set>
-                                    <p:animEffect transition="in" filter="fade">
-                                      <p:cBhvr>
-                                        <p:cTn id="12" dur="500"/>
-                                        <p:tgtEl>
-                                          <p:spTgt spid="4">
-                                            <p:txEl>
-                                              <p:pRg st="1" end="1"/>
-                                            </p:txEl>
-                                          </p:spTgt>
-                                        </p:tgtEl>
-                                      </p:cBhvr>
-                                    </p:animEffect>
-                                  </p:childTnLst>
-                                </p:cTn>
-                              </p:par>
-                            </p:childTnLst>
-                          </p:cTn>
-                        </p:par>
-                      </p:childTnLst>
-                    </p:cTn>
-                  </p:par>
-                  <p:par>
-                    <p:cTn id="13" fill="hold">
-                      <p:stCondLst>
-                        <p:cond delay="indefinite"/>
-                      </p:stCondLst>
-                      <p:childTnLst>
-                        <p:par>
-                          <p:cTn id="14" fill="hold">
-                            <p:stCondLst>
-                              <p:cond delay="0"/>
-                            </p:stCondLst>
-                            <p:childTnLst>
-                              <p:par>
-                                <p:cTn id="15" presetID="10" presetClass="entr" presetSubtype="0" fill="hold" nodeType="clickEffect">
-                                  <p:stCondLst>
-                                    <p:cond delay="0"/>
-                                  </p:stCondLst>
-                                  <p:childTnLst>
-                                    <p:set>
-                                      <p:cBhvr>
-                                        <p:cTn id="16" dur="1" fill="hold">
-                                          <p:stCondLst>
-                                            <p:cond delay="0"/>
-                                          </p:stCondLst>
-                                        </p:cTn>
-                                        <p:tgtEl>
-                                          <p:spTgt spid="1028"/>
-                                        </p:tgtEl>
-                                        <p:attrNameLst>
-                                          <p:attrName>style.visibility</p:attrName>
-                                        </p:attrNameLst>
-                                      </p:cBhvr>
-                                      <p:to>
-                                        <p:strVal val="visible"/>
-                                      </p:to>
-                                    </p:set>
-                                    <p:animEffect transition="in" filter="fade">
-                                      <p:cBhvr>
-                                        <p:cTn id="17" dur="500"/>
-                                        <p:tgtEl>
-                                          <p:spTgt spid="1028"/>
-                                        </p:tgtEl>
-                                      </p:cBhvr>
-                                    </p:animEffect>
-                                  </p:childTnLst>
-                                </p:cTn>
-                              </p:par>
-                            </p:childTnLst>
-                          </p:cTn>
-                        </p:par>
-                      </p:childTnLst>
-                    </p:cTn>
-                  </p:par>
-                </p:childTnLst>
-              </p:cTn>
-              <p:prevCondLst>
-                <p:cond evt="onPrev" delay="0">
-                  <p:tgtEl>
-                    <p:sldTgt/>
-                  </p:tgtEl>
-                </p:cond>
-              </p:prevCondLst>
-              <p:nextCondLst>
-                <p:cond evt="onNext" delay="0">
-                  <p:tgtEl>
-                    <p:sldTgt/>
-                  </p:tgtEl>
-                </p:cond>
-              </p:nextCondLst>
-            </p:seq>
-          </p:childTnLst>
-        </p:cTn>
-      </p:par>
-    </p:tnLst>
-  </p:timing>
-</p:sld>
-</file>
-
-<file path=ppt/slides/slide4.xml><?xml version="1.0" encoding="utf-8"?>
-<p:sld xmlns:a="http://schemas.openxmlformats.org/drawingml/2006/main" xmlns:r="http://schemas.openxmlformats.org/officeDocument/2006/relationships" xmlns:p="http://schemas.openxmlformats.org/presentationml/2006/main">
-  <p:cSld>
-    <p:spTree>
-      <p:nvGrpSpPr>
-        <p:cNvPr id="1" name=""/>
-        <p:cNvGrpSpPr/>
-        <p:nvPr/>
-      </p:nvGrpSpPr>
-      <p:grpSpPr>
-        <a:xfrm>
-          <a:off x="0" y="0"/>
-          <a:ext cx="0" cy="0"/>
-          <a:chOff x="0" y="0"/>
-          <a:chExt cx="0" cy="0"/>
-        </a:xfrm>
-      </p:grpSpPr>
-      <p:sp>
-        <p:nvSpPr>
-          <p:cNvPr id="2" name="Title 1"/>
-          <p:cNvSpPr>
-            <a:spLocks noGrp="1"/>
-          </p:cNvSpPr>
-          <p:nvPr>
-            <p:ph type="title"/>
-          </p:nvPr>
-        </p:nvSpPr>
-        <p:spPr/>
-        <p:txBody>
-          <a:bodyPr/>
-          <a:lstStyle/>
-          <a:p>
-            <a:r>
-              <a:rPr lang="en-US" dirty="0"/>
-              <a:t>How does the web work?</a:t>
-            </a:r>
-          </a:p>
-        </p:txBody>
-      </p:sp>
-      <p:sp>
-        <p:nvSpPr>
-          <p:cNvPr id="3" name="Content Placeholder 2"/>
-          <p:cNvSpPr>
-            <a:spLocks noGrp="1"/>
-          </p:cNvSpPr>
-          <p:nvPr>
-            <p:ph idx="1"/>
-          </p:nvPr>
-        </p:nvSpPr>
-        <p:spPr>
-          <a:xfrm>
-            <a:off x="381000" y="1143000"/>
-            <a:ext cx="5432994" cy="2057400"/>
-          </a:xfrm>
-        </p:spPr>
-        <p:txBody>
-          <a:bodyPr>
-            <a:normAutofit/>
-          </a:bodyPr>
-          <a:lstStyle/>
-          <a:p>
-            <a:pPr marL="57150" indent="0">
-              <a:buNone/>
-            </a:pPr>
-            <a:r>
-              <a:rPr lang="en-US" b="1" u="sng" dirty="0"/>
-              <a:t>User</a:t>
-            </a:r>
-          </a:p>
-          <a:p>
-            <a:r>
-              <a:rPr lang="en-US" dirty="0"/>
-              <a:t>Type a URL into a web browser</a:t>
-            </a:r>
-          </a:p>
-          <a:p>
-            <a:r>
-              <a:rPr lang="en-US" dirty="0"/>
-              <a:t>See the content of a website</a:t>
-            </a:r>
-          </a:p>
-          <a:p>
-            <a:endParaRPr lang="en-US" dirty="0"/>
-          </a:p>
-          <a:p>
-            <a:pPr marL="57150" indent="0">
-              <a:buNone/>
-            </a:pPr>
-            <a:endParaRPr lang="en-US" dirty="0"/>
-          </a:p>
-        </p:txBody>
-      </p:sp>
-      <p:pic>
-        <p:nvPicPr>
-          <p:cNvPr id="4" name="Picture 2" descr="http://4.bp.blogspot.com/-k02Z7I84nxc/Twcmm44Mn6I/AAAAAAAAAjk/isnJ942gCS4/s1600/How-Browsers-work.gif" title="http://4.bp.blogspot.com/-k02Z7I84nxc/Twcmm44Mn6I/AAAAAAAAAjk/isnJ942gCS4/s1600/How-Browsers-work.gif"/>
-          <p:cNvPicPr>
-            <a:picLocks noChangeAspect="1" noChangeArrowheads="1"/>
-          </p:cNvPicPr>
-          <p:nvPr/>
-        </p:nvPicPr>
-        <p:blipFill>
-          <a:blip r:embed="rId3">
-            <a:extLst>
-              <a:ext uri="{28A0092B-C50C-407E-A947-70E740481C1C}">
-                <a14:useLocalDpi xmlns:a14="http://schemas.microsoft.com/office/drawing/2010/main" val="0"/>
-              </a:ext>
-            </a:extLst>
-          </a:blip>
-          <a:stretch>
-            <a:fillRect/>
-          </a:stretch>
-        </p:blipFill>
-        <p:spPr bwMode="auto">
-          <a:xfrm>
-            <a:off x="5834888" y="2171700"/>
-            <a:ext cx="5976112" cy="3886200"/>
-          </a:xfrm>
-          <a:prstGeom prst="rect">
-            <a:avLst/>
-          </a:prstGeom>
-          <a:noFill/>
-          <a:extLst>
-            <a:ext uri="{909E8E84-426E-40DD-AFC4-6F175D3DCCD1}">
-              <a14:hiddenFill xmlns:a14="http://schemas.microsoft.com/office/drawing/2010/main">
-                <a:solidFill>
-                  <a:srgbClr val="FFFFFF"/>
-                </a:solidFill>
-              </a14:hiddenFill>
-            </a:ext>
-          </a:extLst>
-        </p:spPr>
-      </p:pic>
-      <p:sp>
-        <p:nvSpPr>
-          <p:cNvPr id="5" name="TextBox 4"/>
-          <p:cNvSpPr txBox="1"/>
-          <p:nvPr/>
-        </p:nvSpPr>
-        <p:spPr>
-          <a:xfrm>
-            <a:off x="152400" y="3457268"/>
-            <a:ext cx="5316199" cy="2966966"/>
-          </a:xfrm>
-          <a:prstGeom prst="rect">
-            <a:avLst/>
-          </a:prstGeom>
-          <a:noFill/>
-        </p:spPr>
-        <p:txBody>
-          <a:bodyPr wrap="none" lIns="182880" tIns="146304" rIns="182880" bIns="146304" rtlCol="0">
-            <a:spAutoFit/>
-          </a:bodyPr>
-          <a:lstStyle/>
-          <a:p>
-            <a:pPr marL="57150" lvl="0">
-              <a:spcAft>
-                <a:spcPts val="1200"/>
-              </a:spcAft>
-              <a:buClr>
-                <a:srgbClr val="98989A"/>
-              </a:buClr>
-            </a:pPr>
-            <a:r>
-              <a:rPr lang="en-US" sz="2800" b="1" u="sng" dirty="0">
-                <a:solidFill>
-                  <a:srgbClr val="56565A"/>
-                </a:solidFill>
-              </a:rPr>
-              <a:t>Behind the Scenes</a:t>
-            </a:r>
-          </a:p>
-          <a:p>
-            <a:pPr marL="342900" lvl="0" indent="-285750">
-              <a:spcAft>
-                <a:spcPts val="1200"/>
-              </a:spcAft>
-              <a:buClr>
-                <a:srgbClr val="98989A"/>
-              </a:buClr>
-              <a:buFont typeface="Wingdings" panose="05000000000000000000" pitchFamily="2" charset="2"/>
-              <a:buChar char="§"/>
-            </a:pPr>
-            <a:r>
-              <a:rPr lang="en-US" sz="2800" dirty="0">
-                <a:solidFill>
-                  <a:srgbClr val="56565A"/>
-                </a:solidFill>
-              </a:rPr>
-              <a:t>The browser finds the server</a:t>
-            </a:r>
-          </a:p>
-          <a:p>
-            <a:pPr marL="342900" lvl="0" indent="-285750">
-              <a:spcAft>
-                <a:spcPts val="1200"/>
-              </a:spcAft>
-              <a:buClr>
-                <a:srgbClr val="98989A"/>
-              </a:buClr>
-              <a:buFont typeface="Wingdings" panose="05000000000000000000" pitchFamily="2" charset="2"/>
-              <a:buChar char="§"/>
-            </a:pPr>
-            <a:r>
-              <a:rPr lang="en-US" sz="2800" dirty="0">
-                <a:solidFill>
-                  <a:srgbClr val="56565A"/>
-                </a:solidFill>
-              </a:rPr>
-              <a:t>The server sends content</a:t>
-            </a:r>
-          </a:p>
-          <a:p>
-            <a:pPr marL="342900" lvl="0" indent="-285750">
-              <a:spcAft>
-                <a:spcPts val="1200"/>
-              </a:spcAft>
-              <a:buClr>
-                <a:srgbClr val="98989A"/>
-              </a:buClr>
-              <a:buFont typeface="Wingdings" panose="05000000000000000000" pitchFamily="2" charset="2"/>
-              <a:buChar char="§"/>
-            </a:pPr>
-            <a:r>
-              <a:rPr lang="en-US" sz="2800" dirty="0">
-                <a:solidFill>
-                  <a:srgbClr val="56565A"/>
-                </a:solidFill>
-              </a:rPr>
-              <a:t>The browser renders content</a:t>
-            </a:r>
-          </a:p>
-          <a:p>
-            <a:pPr>
-              <a:lnSpc>
-                <a:spcPct val="90000"/>
-              </a:lnSpc>
-              <a:spcAft>
-                <a:spcPts val="600"/>
-              </a:spcAft>
-            </a:pPr>
-            <a:endParaRPr lang="en-US" sz="2400" dirty="0" err="1">
-              <a:gradFill>
-                <a:gsLst>
-                  <a:gs pos="2917">
-                    <a:schemeClr val="tx1"/>
-                  </a:gs>
-                  <a:gs pos="30000">
-                    <a:schemeClr val="tx1"/>
-                  </a:gs>
-                </a:gsLst>
-                <a:lin ang="5400000" scaled="0"/>
-              </a:gradFill>
-            </a:endParaRPr>
-          </a:p>
-        </p:txBody>
-      </p:sp>
-    </p:spTree>
-    <p:extLst>
-      <p:ext uri="{BB962C8B-B14F-4D97-AF65-F5344CB8AC3E}">
-        <p14:creationId xmlns:p14="http://schemas.microsoft.com/office/powerpoint/2010/main" val="2359480485"/>
-      </p:ext>
-    </p:extLst>
-  </p:cSld>
-  <p:clrMapOvr>
-    <a:masterClrMapping/>
-  </p:clrMapOvr>
-  <p:transition>
-    <p:fade/>
-  </p:transition>
-  <p:timing>
-    <p:tnLst>
-      <p:par>
-        <p:cTn id="1" dur="indefinite" restart="never" nodeType="tmRoot">
-          <p:childTnLst>
-            <p:seq concurrent="1" nextAc="seek">
-              <p:cTn id="2" dur="indefinite" nodeType="mainSeq">
-                <p:childTnLst>
-                  <p:par>
-                    <p:cTn id="3" fill="hold">
-                      <p:stCondLst>
-                        <p:cond delay="indefinite"/>
-                      </p:stCondLst>
-                      <p:childTnLst>
-                        <p:par>
-                          <p:cTn id="4" fill="hold">
-                            <p:stCondLst>
-                              <p:cond delay="0"/>
-                            </p:stCondLst>
-                            <p:childTnLst>
-                              <p:par>
-                                <p:cTn id="5" presetID="10" presetClass="entr" presetSubtype="0" fill="hold" grpId="0" nodeType="clickEffect">
-                                  <p:stCondLst>
-                                    <p:cond delay="0"/>
-                                  </p:stCondLst>
-                                  <p:childTnLst>
-                                    <p:set>
-                                      <p:cBhvr>
-                                        <p:cTn id="6" dur="1" fill="hold">
-                                          <p:stCondLst>
-                                            <p:cond delay="0"/>
-                                          </p:stCondLst>
-                                        </p:cTn>
-                                        <p:tgtEl>
-                                          <p:spTgt spid="5"/>
-                                        </p:tgtEl>
-                                        <p:attrNameLst>
-                                          <p:attrName>style.visibility</p:attrName>
-                                        </p:attrNameLst>
-                                      </p:cBhvr>
-                                      <p:to>
-                                        <p:strVal val="visible"/>
-                                      </p:to>
-                                    </p:set>
-                                    <p:animEffect transition="in" filter="fade">
-                                      <p:cBhvr>
-                                        <p:cTn id="7" dur="500"/>
-                                        <p:tgtEl>
-                                          <p:spTgt spid="5"/>
-                                        </p:tgtEl>
-                                      </p:cBhvr>
-                                    </p:animEffect>
-                                  </p:childTnLst>
-                                </p:cTn>
-                              </p:par>
-                            </p:childTnLst>
-                          </p:cTn>
-                        </p:par>
-                      </p:childTnLst>
-                    </p:cTn>
-                  </p:par>
-                  <p:par>
-                    <p:cTn id="8" fill="hold">
-                      <p:stCondLst>
-                        <p:cond delay="indefinite"/>
-                      </p:stCondLst>
-                      <p:childTnLst>
-                        <p:par>
-                          <p:cTn id="9" fill="hold">
-                            <p:stCondLst>
-                              <p:cond delay="0"/>
-                            </p:stCondLst>
-                            <p:childTnLst>
-                              <p:par>
-                                <p:cTn id="10" presetID="10" presetClass="entr" presetSubtype="0" fill="hold" nodeType="clickEffect">
-                                  <p:stCondLst>
-                                    <p:cond delay="0"/>
-                                  </p:stCondLst>
-                                  <p:childTnLst>
-                                    <p:set>
-                                      <p:cBhvr>
-                                        <p:cTn id="11" dur="1" fill="hold">
-                                          <p:stCondLst>
-                                            <p:cond delay="0"/>
-                                          </p:stCondLst>
-                                        </p:cTn>
-                                        <p:tgtEl>
-                                          <p:spTgt spid="4"/>
-                                        </p:tgtEl>
-                                        <p:attrNameLst>
-                                          <p:attrName>style.visibility</p:attrName>
-                                        </p:attrNameLst>
-                                      </p:cBhvr>
-                                      <p:to>
-                                        <p:strVal val="visible"/>
-                                      </p:to>
-                                    </p:set>
-                                    <p:animEffect transition="in" filter="fade">
-                                      <p:cBhvr>
-                                        <p:cTn id="12" dur="500"/>
-                                        <p:tgtEl>
-                                          <p:spTgt spid="4"/>
-                                        </p:tgtEl>
-                                      </p:cBhvr>
-                                    </p:animEffect>
-                                  </p:childTnLst>
-                                </p:cTn>
-                              </p:par>
-                            </p:childTnLst>
-                          </p:cTn>
-                        </p:par>
-                      </p:childTnLst>
-                    </p:cTn>
-                  </p:par>
-                </p:childTnLst>
-              </p:cTn>
-              <p:prevCondLst>
-                <p:cond evt="onPrev" delay="0">
-                  <p:tgtEl>
-                    <p:sldTgt/>
-                  </p:tgtEl>
-                </p:cond>
-              </p:prevCondLst>
-              <p:nextCondLst>
-                <p:cond evt="onNext" delay="0">
-                  <p:tgtEl>
-                    <p:sldTgt/>
-                  </p:tgtEl>
-                </p:cond>
-              </p:nextCondLst>
-            </p:seq>
-          </p:childTnLst>
-        </p:cTn>
-      </p:par>
-    </p:tnLst>
-    <p:bldLst>
-      <p:bldP spid="5" grpId="0"/>
-    </p:bldLst>
-  </p:timing>
-</p:sld>
-</file>
-
-<file path=ppt/slides/slide5.xml><?xml version="1.0" encoding="utf-8"?>
-<p:sld xmlns:a="http://schemas.openxmlformats.org/drawingml/2006/main" xmlns:r="http://schemas.openxmlformats.org/officeDocument/2006/relationships" xmlns:p="http://schemas.openxmlformats.org/presentationml/2006/main">
-  <p:cSld>
-    <p:spTree>
-      <p:nvGrpSpPr>
-        <p:cNvPr id="1" name=""/>
-        <p:cNvGrpSpPr/>
-        <p:nvPr/>
-      </p:nvGrpSpPr>
-      <p:grpSpPr>
-        <a:xfrm>
-          <a:off x="0" y="0"/>
-          <a:ext cx="0" cy="0"/>
-          <a:chOff x="0" y="0"/>
-          <a:chExt cx="0" cy="0"/>
-        </a:xfrm>
-      </p:grpSpPr>
-      <p:sp>
-        <p:nvSpPr>
-          <p:cNvPr id="2" name="Title 1"/>
-          <p:cNvSpPr>
-            <a:spLocks noGrp="1"/>
-          </p:cNvSpPr>
-          <p:nvPr>
-            <p:ph type="title"/>
-          </p:nvPr>
-        </p:nvSpPr>
-        <p:spPr/>
-        <p:txBody>
-          <a:bodyPr/>
-          <a:lstStyle/>
-          <a:p>
-            <a:r>
-              <a:rPr lang="en-US" dirty="0"/>
-              <a:t>How does a browser use HTML?</a:t>
-            </a:r>
-          </a:p>
-        </p:txBody>
-      </p:sp>
-      <p:sp>
-        <p:nvSpPr>
-          <p:cNvPr id="3" name="Content Placeholder 2"/>
-          <p:cNvSpPr>
-            <a:spLocks noGrp="1"/>
-          </p:cNvSpPr>
-          <p:nvPr>
-            <p:ph idx="1"/>
-          </p:nvPr>
-        </p:nvSpPr>
-        <p:spPr>
-          <a:xfrm>
-            <a:off x="381000" y="1143000"/>
-            <a:ext cx="11430000" cy="571500"/>
-          </a:xfrm>
-        </p:spPr>
-        <p:txBody>
-          <a:bodyPr/>
-          <a:lstStyle/>
-          <a:p>
-            <a:r>
-              <a:rPr lang="en-US" dirty="0"/>
-              <a:t>The browser gets HTML from the server and turns it into a webpage</a:t>
-            </a:r>
-          </a:p>
-        </p:txBody>
-      </p:sp>
-      <p:sp>
-        <p:nvSpPr>
-          <p:cNvPr id="5" name="Rounded Rectangle 4"/>
-          <p:cNvSpPr/>
-          <p:nvPr/>
-        </p:nvSpPr>
-        <p:spPr bwMode="auto">
-          <a:xfrm>
-            <a:off x="495300" y="2914650"/>
-            <a:ext cx="2286000" cy="2171700"/>
-          </a:xfrm>
-          <a:prstGeom prst="roundRect">
-            <a:avLst/>
-          </a:prstGeom>
-          <a:gradFill>
-            <a:gsLst>
-              <a:gs pos="4425">
-                <a:srgbClr val="AB8AC9"/>
-              </a:gs>
-              <a:gs pos="3000">
-                <a:srgbClr val="AB8AC9"/>
-              </a:gs>
-              <a:gs pos="97000">
-                <a:srgbClr val="CFB9DE"/>
-              </a:gs>
-              <a:gs pos="100000">
-                <a:srgbClr val="E1D3EA"/>
-              </a:gs>
-              <a:gs pos="98000">
-                <a:srgbClr val="C4A9D7"/>
-              </a:gs>
-              <a:gs pos="49000">
-                <a:srgbClr val="7030A0"/>
-              </a:gs>
-            </a:gsLst>
-            <a:lin ang="5400000" scaled="1"/>
-          </a:gradFill>
-          <a:ln w="12700">
-            <a:solidFill>
-              <a:schemeClr val="tx2"/>
-            </a:solidFill>
-            <a:miter lim="800000"/>
-            <a:headEnd type="none" w="med" len="med"/>
-            <a:tailEnd type="none" w="med" len="med"/>
-          </a:ln>
-          <a:effectLst/>
-        </p:spPr>
-        <p:style>
-          <a:lnRef idx="1">
-            <a:schemeClr val="accent2"/>
-          </a:lnRef>
-          <a:fillRef idx="3">
-            <a:schemeClr val="accent2"/>
-          </a:fillRef>
-          <a:effectRef idx="2">
-            <a:schemeClr val="accent2"/>
-          </a:effectRef>
-          <a:fontRef idx="minor">
-            <a:schemeClr val="lt1"/>
-          </a:fontRef>
-        </p:style>
-        <p:txBody>
-          <a:bodyPr rot="0" spcFirstLastPara="0" vertOverflow="overflow" horzOverflow="overflow" vert="horz" wrap="square" lIns="182880" tIns="146304" rIns="182880" bIns="146304" numCol="1" spcCol="0" rtlCol="0" fromWordArt="0" anchor="ctr" anchorCtr="0" forceAA="0" compatLnSpc="1">
-            <a:prstTxWarp prst="textNoShape">
-              <a:avLst/>
-            </a:prstTxWarp>
-            <a:noAutofit/>
-          </a:bodyPr>
-          <a:lstStyle/>
-          <a:p>
-            <a:pPr algn="ctr" defTabSz="932472" fontAlgn="base">
-              <a:lnSpc>
-                <a:spcPct val="90000"/>
-              </a:lnSpc>
-              <a:spcBef>
-                <a:spcPct val="0"/>
-              </a:spcBef>
-              <a:spcAft>
-                <a:spcPct val="0"/>
-              </a:spcAft>
-            </a:pPr>
-            <a:r>
-              <a:rPr lang="en-US" sz="3600" b="1" dirty="0">
-                <a:gradFill>
-                  <a:gsLst>
-                    <a:gs pos="0">
-                      <a:srgbClr val="FFFFFF"/>
-                    </a:gs>
-                    <a:gs pos="100000">
-                      <a:srgbClr val="FFFFFF"/>
-                    </a:gs>
-                  </a:gsLst>
-                  <a:lin ang="5400000" scaled="0"/>
-                </a:gradFill>
-                <a:ea typeface="Segoe UI" pitchFamily="34" charset="0"/>
-                <a:cs typeface="Segoe UI" pitchFamily="34" charset="0"/>
-              </a:rPr>
-              <a:t>Server</a:t>
-            </a:r>
-          </a:p>
-        </p:txBody>
-      </p:sp>
-      <p:sp>
-        <p:nvSpPr>
-          <p:cNvPr id="6" name="Right Arrow 5"/>
-          <p:cNvSpPr/>
-          <p:nvPr/>
-        </p:nvSpPr>
-        <p:spPr bwMode="auto">
-          <a:xfrm>
-            <a:off x="3009900" y="3657600"/>
-            <a:ext cx="800100" cy="685800"/>
-          </a:xfrm>
-          <a:prstGeom prst="rightArrow">
-            <a:avLst/>
-          </a:prstGeom>
-          <a:solidFill>
-            <a:schemeClr val="accent5"/>
-          </a:solidFill>
-          <a:ln w="12700">
-            <a:solidFill>
-              <a:schemeClr val="tx2"/>
-            </a:solidFill>
-            <a:miter lim="800000"/>
-            <a:headEnd type="none" w="med" len="med"/>
-            <a:tailEnd type="none" w="med" len="med"/>
-          </a:ln>
-          <a:effectLst/>
-        </p:spPr>
-        <p:style>
-          <a:lnRef idx="1">
-            <a:schemeClr val="accent2"/>
-          </a:lnRef>
-          <a:fillRef idx="3">
-            <a:schemeClr val="accent2"/>
-          </a:fillRef>
-          <a:effectRef idx="2">
-            <a:schemeClr val="accent2"/>
-          </a:effectRef>
-          <a:fontRef idx="minor">
-            <a:schemeClr val="lt1"/>
-          </a:fontRef>
-        </p:style>
-        <p:txBody>
-          <a:bodyPr rot="0" spcFirstLastPara="0" vertOverflow="overflow" horzOverflow="overflow" vert="horz" wrap="square" lIns="182880" tIns="146304" rIns="182880" bIns="146304" numCol="1" spcCol="0" rtlCol="0" fromWordArt="0" anchor="t" anchorCtr="0" forceAA="0" compatLnSpc="1">
-            <a:prstTxWarp prst="textNoShape">
-              <a:avLst/>
-            </a:prstTxWarp>
-            <a:noAutofit/>
-          </a:bodyPr>
-          <a:lstStyle/>
-          <a:p>
-            <a:pPr algn="ctr" defTabSz="932472" fontAlgn="base">
-              <a:lnSpc>
-                <a:spcPct val="90000"/>
-              </a:lnSpc>
-              <a:spcBef>
-                <a:spcPct val="0"/>
-              </a:spcBef>
-              <a:spcAft>
-                <a:spcPct val="0"/>
-              </a:spcAft>
-            </a:pPr>
-            <a:endParaRPr lang="en-US" sz="2400" dirty="0" err="1">
-              <a:gradFill>
-                <a:gsLst>
-                  <a:gs pos="0">
-                    <a:srgbClr val="FFFFFF"/>
-                  </a:gs>
-                  <a:gs pos="100000">
-                    <a:srgbClr val="FFFFFF"/>
-                  </a:gs>
-                </a:gsLst>
-                <a:lin ang="5400000" scaled="0"/>
-              </a:gradFill>
-              <a:ea typeface="Segoe UI" pitchFamily="34" charset="0"/>
-              <a:cs typeface="Segoe UI" pitchFamily="34" charset="0"/>
-            </a:endParaRPr>
-          </a:p>
-        </p:txBody>
-      </p:sp>
-      <p:sp>
-        <p:nvSpPr>
-          <p:cNvPr id="7" name="Rectangle 6"/>
-          <p:cNvSpPr/>
-          <p:nvPr/>
-        </p:nvSpPr>
-        <p:spPr bwMode="auto">
-          <a:xfrm>
-            <a:off x="4152900" y="2514600"/>
-            <a:ext cx="3200400" cy="2971800"/>
-          </a:xfrm>
-          <a:prstGeom prst="rect">
-            <a:avLst/>
-          </a:prstGeom>
-          <a:solidFill>
-            <a:schemeClr val="tx1">
-              <a:lumMod val="50000"/>
-            </a:schemeClr>
-          </a:solidFill>
-          <a:ln w="12700">
-            <a:solidFill>
-              <a:schemeClr val="tx2"/>
-            </a:solidFill>
-            <a:miter lim="800000"/>
-            <a:headEnd type="none" w="med" len="med"/>
-            <a:tailEnd type="none" w="med" len="med"/>
-          </a:ln>
-          <a:effectLst/>
-        </p:spPr>
-        <p:style>
-          <a:lnRef idx="1">
-            <a:schemeClr val="accent2"/>
-          </a:lnRef>
-          <a:fillRef idx="3">
-            <a:schemeClr val="accent2"/>
-          </a:fillRef>
-          <a:effectRef idx="2">
-            <a:schemeClr val="accent2"/>
-          </a:effectRef>
-          <a:fontRef idx="minor">
-            <a:schemeClr val="lt1"/>
-          </a:fontRef>
-        </p:style>
-        <p:txBody>
-          <a:bodyPr rot="0" spcFirstLastPara="0" vertOverflow="overflow" horzOverflow="overflow" vert="horz" wrap="square" lIns="182880" tIns="146304" rIns="182880" bIns="146304" numCol="1" spcCol="0" rtlCol="0" fromWordArt="0" anchor="t" anchorCtr="0" forceAA="0" compatLnSpc="1">
-            <a:prstTxWarp prst="textNoShape">
-              <a:avLst/>
-            </a:prstTxWarp>
-            <a:noAutofit/>
-          </a:bodyPr>
-          <a:lstStyle/>
-          <a:p>
-            <a:r>
-              <a:rPr lang="en-US" sz="1050" dirty="0">
-                <a:solidFill>
-                  <a:srgbClr val="808080"/>
-                </a:solidFill>
-                <a:latin typeface="Consolas" panose="020B0609020204030204" pitchFamily="49" charset="0"/>
-              </a:rPr>
-              <a:t>&lt;</a:t>
-            </a:r>
-            <a:r>
-              <a:rPr lang="en-US" sz="1050" dirty="0">
-                <a:solidFill>
-                  <a:srgbClr val="569CD6"/>
-                </a:solidFill>
-                <a:latin typeface="Consolas" panose="020B0609020204030204" pitchFamily="49" charset="0"/>
-              </a:rPr>
-              <a:t>html</a:t>
-            </a:r>
-            <a:r>
-              <a:rPr lang="en-US" sz="1050" dirty="0">
-                <a:solidFill>
-                  <a:srgbClr val="808080"/>
-                </a:solidFill>
-                <a:latin typeface="Consolas" panose="020B0609020204030204" pitchFamily="49" charset="0"/>
-              </a:rPr>
-              <a:t>&gt;</a:t>
-            </a:r>
-            <a:endParaRPr lang="en-US" sz="1050" dirty="0">
-              <a:solidFill>
-                <a:srgbClr val="D4D4D4"/>
-              </a:solidFill>
-              <a:latin typeface="Consolas" panose="020B0609020204030204" pitchFamily="49" charset="0"/>
-            </a:endParaRPr>
-          </a:p>
-          <a:p>
-            <a:r>
-              <a:rPr lang="en-US" sz="1050" dirty="0">
-                <a:solidFill>
-                  <a:srgbClr val="D4D4D4"/>
-                </a:solidFill>
-                <a:latin typeface="Consolas" panose="020B0609020204030204" pitchFamily="49" charset="0"/>
-              </a:rPr>
-              <a:t>    </a:t>
-            </a:r>
-            <a:r>
-              <a:rPr lang="en-US" sz="1050" dirty="0">
-                <a:solidFill>
-                  <a:srgbClr val="808080"/>
-                </a:solidFill>
-                <a:latin typeface="Consolas" panose="020B0609020204030204" pitchFamily="49" charset="0"/>
-              </a:rPr>
-              <a:t>&lt;</a:t>
-            </a:r>
-            <a:r>
-              <a:rPr lang="en-US" sz="1050" dirty="0">
-                <a:solidFill>
-                  <a:srgbClr val="569CD6"/>
-                </a:solidFill>
-                <a:latin typeface="Consolas" panose="020B0609020204030204" pitchFamily="49" charset="0"/>
-              </a:rPr>
-              <a:t>body</a:t>
-            </a:r>
-            <a:r>
-              <a:rPr lang="en-US" sz="1050" dirty="0">
-                <a:solidFill>
-                  <a:srgbClr val="808080"/>
-                </a:solidFill>
-                <a:latin typeface="Consolas" panose="020B0609020204030204" pitchFamily="49" charset="0"/>
-              </a:rPr>
-              <a:t>&gt;</a:t>
-            </a:r>
-            <a:endParaRPr lang="en-US" sz="1050" dirty="0">
-              <a:solidFill>
-                <a:srgbClr val="D4D4D4"/>
-              </a:solidFill>
-              <a:latin typeface="Consolas" panose="020B0609020204030204" pitchFamily="49" charset="0"/>
-            </a:endParaRPr>
-          </a:p>
-          <a:p>
-            <a:r>
-              <a:rPr lang="en-US" sz="1050" dirty="0">
-                <a:solidFill>
-                  <a:srgbClr val="D4D4D4"/>
-                </a:solidFill>
-                <a:latin typeface="Consolas" panose="020B0609020204030204" pitchFamily="49" charset="0"/>
-              </a:rPr>
-              <a:t>        </a:t>
-            </a:r>
-            <a:r>
-              <a:rPr lang="en-US" sz="1050" dirty="0">
-                <a:solidFill>
-                  <a:srgbClr val="808080"/>
-                </a:solidFill>
-                <a:latin typeface="Consolas" panose="020B0609020204030204" pitchFamily="49" charset="0"/>
-              </a:rPr>
-              <a:t>&lt;</a:t>
-            </a:r>
-            <a:r>
-              <a:rPr lang="en-US" sz="1050" dirty="0">
-                <a:solidFill>
-                  <a:srgbClr val="569CD6"/>
-                </a:solidFill>
-                <a:latin typeface="Consolas" panose="020B0609020204030204" pitchFamily="49" charset="0"/>
-              </a:rPr>
-              <a:t>h1</a:t>
-            </a:r>
-            <a:r>
-              <a:rPr lang="en-US" sz="1050" dirty="0">
-                <a:solidFill>
-                  <a:srgbClr val="808080"/>
-                </a:solidFill>
-                <a:latin typeface="Consolas" panose="020B0609020204030204" pitchFamily="49" charset="0"/>
-              </a:rPr>
-              <a:t>&gt;</a:t>
-            </a:r>
-            <a:r>
-              <a:rPr lang="en-US" sz="1050" dirty="0">
-                <a:solidFill>
-                  <a:srgbClr val="D4D4D4"/>
-                </a:solidFill>
-                <a:latin typeface="Consolas" panose="020B0609020204030204" pitchFamily="49" charset="0"/>
-              </a:rPr>
-              <a:t>About Me</a:t>
-            </a:r>
-            <a:r>
-              <a:rPr lang="en-US" sz="1050" dirty="0">
-                <a:solidFill>
-                  <a:srgbClr val="808080"/>
-                </a:solidFill>
-                <a:latin typeface="Consolas" panose="020B0609020204030204" pitchFamily="49" charset="0"/>
-              </a:rPr>
-              <a:t>&lt;/</a:t>
-            </a:r>
-            <a:r>
-              <a:rPr lang="en-US" sz="1050" dirty="0">
-                <a:solidFill>
-                  <a:srgbClr val="569CD6"/>
-                </a:solidFill>
-                <a:latin typeface="Consolas" panose="020B0609020204030204" pitchFamily="49" charset="0"/>
-              </a:rPr>
-              <a:t>h1</a:t>
-            </a:r>
-            <a:r>
-              <a:rPr lang="en-US" sz="1050" dirty="0">
-                <a:solidFill>
-                  <a:srgbClr val="808080"/>
-                </a:solidFill>
-                <a:latin typeface="Consolas" panose="020B0609020204030204" pitchFamily="49" charset="0"/>
-              </a:rPr>
-              <a:t>&gt;</a:t>
-            </a:r>
-            <a:endParaRPr lang="en-US" sz="1050" dirty="0">
-              <a:solidFill>
-                <a:srgbClr val="D4D4D4"/>
-              </a:solidFill>
-              <a:latin typeface="Consolas" panose="020B0609020204030204" pitchFamily="49" charset="0"/>
-            </a:endParaRPr>
-          </a:p>
-          <a:p>
-            <a:br>
-              <a:rPr lang="en-US" sz="1050" dirty="0">
-                <a:solidFill>
-                  <a:srgbClr val="D4D4D4"/>
-                </a:solidFill>
-                <a:latin typeface="Consolas" panose="020B0609020204030204" pitchFamily="49" charset="0"/>
-              </a:rPr>
-            </a:br>
-            <a:r>
-              <a:rPr lang="en-US" sz="1050" dirty="0">
-                <a:solidFill>
-                  <a:srgbClr val="D4D4D4"/>
-                </a:solidFill>
-                <a:latin typeface="Consolas" panose="020B0609020204030204" pitchFamily="49" charset="0"/>
-              </a:rPr>
-              <a:t>        </a:t>
-            </a:r>
-            <a:r>
-              <a:rPr lang="en-US" sz="1050" dirty="0">
-                <a:solidFill>
-                  <a:srgbClr val="808080"/>
-                </a:solidFill>
-                <a:latin typeface="Consolas" panose="020B0609020204030204" pitchFamily="49" charset="0"/>
-              </a:rPr>
-              <a:t>&lt;</a:t>
-            </a:r>
-            <a:r>
-              <a:rPr lang="en-US" sz="1050" dirty="0">
-                <a:solidFill>
-                  <a:srgbClr val="569CD6"/>
-                </a:solidFill>
-                <a:latin typeface="Consolas" panose="020B0609020204030204" pitchFamily="49" charset="0"/>
-              </a:rPr>
-              <a:t>p</a:t>
-            </a:r>
-            <a:r>
-              <a:rPr lang="en-US" sz="1050" dirty="0">
-                <a:solidFill>
-                  <a:srgbClr val="808080"/>
-                </a:solidFill>
-                <a:latin typeface="Consolas" panose="020B0609020204030204" pitchFamily="49" charset="0"/>
-              </a:rPr>
-              <a:t>&gt;</a:t>
-            </a:r>
-            <a:r>
-              <a:rPr lang="en-US" sz="1050" dirty="0">
-                <a:solidFill>
-                  <a:srgbClr val="D4D4D4"/>
-                </a:solidFill>
-                <a:latin typeface="Consolas" panose="020B0609020204030204" pitchFamily="49" charset="0"/>
-              </a:rPr>
-              <a:t>Welcome to my page!</a:t>
-            </a:r>
-            <a:r>
-              <a:rPr lang="en-US" sz="1050" dirty="0">
-                <a:solidFill>
-                  <a:srgbClr val="808080"/>
-                </a:solidFill>
-                <a:latin typeface="Consolas" panose="020B0609020204030204" pitchFamily="49" charset="0"/>
-              </a:rPr>
-              <a:t>&lt;/</a:t>
-            </a:r>
-            <a:r>
-              <a:rPr lang="en-US" sz="1050" dirty="0">
-                <a:solidFill>
-                  <a:srgbClr val="569CD6"/>
-                </a:solidFill>
-                <a:latin typeface="Consolas" panose="020B0609020204030204" pitchFamily="49" charset="0"/>
-              </a:rPr>
-              <a:t>p</a:t>
-            </a:r>
-            <a:r>
-              <a:rPr lang="en-US" sz="1050" dirty="0">
-                <a:solidFill>
-                  <a:srgbClr val="808080"/>
-                </a:solidFill>
-                <a:latin typeface="Consolas" panose="020B0609020204030204" pitchFamily="49" charset="0"/>
-              </a:rPr>
-              <a:t>&gt;</a:t>
-            </a:r>
-            <a:endParaRPr lang="en-US" sz="1050" dirty="0">
-              <a:solidFill>
-                <a:srgbClr val="D4D4D4"/>
-              </a:solidFill>
-              <a:latin typeface="Consolas" panose="020B0609020204030204" pitchFamily="49" charset="0"/>
-            </a:endParaRPr>
-          </a:p>
-          <a:p>
-            <a:r>
-              <a:rPr lang="en-US" sz="1050" dirty="0">
-                <a:solidFill>
-                  <a:srgbClr val="D4D4D4"/>
-                </a:solidFill>
-                <a:latin typeface="Consolas" panose="020B0609020204030204" pitchFamily="49" charset="0"/>
-              </a:rPr>
-              <a:t>        </a:t>
-            </a:r>
-            <a:r>
-              <a:rPr lang="en-US" sz="1050" dirty="0">
-                <a:solidFill>
-                  <a:srgbClr val="808080"/>
-                </a:solidFill>
-                <a:latin typeface="Consolas" panose="020B0609020204030204" pitchFamily="49" charset="0"/>
-              </a:rPr>
-              <a:t>&lt;</a:t>
-            </a:r>
-            <a:r>
-              <a:rPr lang="en-US" sz="1050" dirty="0">
-                <a:solidFill>
-                  <a:srgbClr val="569CD6"/>
-                </a:solidFill>
-                <a:latin typeface="Consolas" panose="020B0609020204030204" pitchFamily="49" charset="0"/>
-              </a:rPr>
-              <a:t>p</a:t>
-            </a:r>
-            <a:r>
-              <a:rPr lang="en-US" sz="1050" dirty="0">
-                <a:solidFill>
-                  <a:srgbClr val="808080"/>
-                </a:solidFill>
-                <a:latin typeface="Consolas" panose="020B0609020204030204" pitchFamily="49" charset="0"/>
-              </a:rPr>
-              <a:t>&gt;</a:t>
-            </a:r>
-            <a:r>
-              <a:rPr lang="en-US" sz="1050" dirty="0">
-                <a:solidFill>
-                  <a:srgbClr val="D4D4D4"/>
-                </a:solidFill>
-                <a:latin typeface="Consolas" panose="020B0609020204030204" pitchFamily="49" charset="0"/>
-              </a:rPr>
-              <a:t>My name is Arthur Read</a:t>
-            </a:r>
-            <a:r>
-              <a:rPr lang="en-US" sz="1050" dirty="0">
-                <a:solidFill>
-                  <a:srgbClr val="808080"/>
-                </a:solidFill>
-                <a:latin typeface="Consolas" panose="020B0609020204030204" pitchFamily="49" charset="0"/>
-              </a:rPr>
-              <a:t>&lt;/</a:t>
-            </a:r>
-            <a:r>
-              <a:rPr lang="en-US" sz="1050" dirty="0">
-                <a:solidFill>
-                  <a:srgbClr val="569CD6"/>
-                </a:solidFill>
-                <a:latin typeface="Consolas" panose="020B0609020204030204" pitchFamily="49" charset="0"/>
-              </a:rPr>
-              <a:t>p</a:t>
-            </a:r>
-            <a:r>
-              <a:rPr lang="en-US" sz="1050" dirty="0">
-                <a:solidFill>
-                  <a:srgbClr val="808080"/>
-                </a:solidFill>
-                <a:latin typeface="Consolas" panose="020B0609020204030204" pitchFamily="49" charset="0"/>
-              </a:rPr>
-              <a:t>&gt;</a:t>
-            </a:r>
-            <a:br>
-              <a:rPr lang="en-US" sz="1050" dirty="0">
-                <a:solidFill>
-                  <a:srgbClr val="D4D4D4"/>
-                </a:solidFill>
-                <a:latin typeface="Consolas" panose="020B0609020204030204" pitchFamily="49" charset="0"/>
-              </a:rPr>
-            </a:br>
-            <a:r>
-              <a:rPr lang="en-US" sz="1050" dirty="0">
-                <a:solidFill>
-                  <a:srgbClr val="D4D4D4"/>
-                </a:solidFill>
-                <a:latin typeface="Consolas" panose="020B0609020204030204" pitchFamily="49" charset="0"/>
-              </a:rPr>
-              <a:t>        </a:t>
-            </a:r>
-            <a:r>
-              <a:rPr lang="en-US" sz="1050" dirty="0">
-                <a:solidFill>
-                  <a:srgbClr val="808080"/>
-                </a:solidFill>
-                <a:latin typeface="Consolas" panose="020B0609020204030204" pitchFamily="49" charset="0"/>
-              </a:rPr>
-              <a:t>&lt;</a:t>
-            </a:r>
-            <a:r>
-              <a:rPr lang="en-US" sz="1050" dirty="0">
-                <a:solidFill>
-                  <a:srgbClr val="569CD6"/>
-                </a:solidFill>
-                <a:latin typeface="Consolas" panose="020B0609020204030204" pitchFamily="49" charset="0"/>
-              </a:rPr>
-              <a:t>h3</a:t>
-            </a:r>
-            <a:r>
-              <a:rPr lang="en-US" sz="1050" dirty="0">
-                <a:solidFill>
-                  <a:srgbClr val="808080"/>
-                </a:solidFill>
-                <a:latin typeface="Consolas" panose="020B0609020204030204" pitchFamily="49" charset="0"/>
-              </a:rPr>
-              <a:t>&gt;</a:t>
-            </a:r>
-            <a:r>
-              <a:rPr lang="en-US" sz="1050" dirty="0">
-                <a:solidFill>
-                  <a:srgbClr val="D4D4D4"/>
-                </a:solidFill>
-                <a:latin typeface="Consolas" panose="020B0609020204030204" pitchFamily="49" charset="0"/>
-              </a:rPr>
-              <a:t>Favorite Animal</a:t>
-            </a:r>
-            <a:r>
-              <a:rPr lang="en-US" sz="1050" dirty="0">
-                <a:solidFill>
-                  <a:srgbClr val="808080"/>
-                </a:solidFill>
-                <a:latin typeface="Consolas" panose="020B0609020204030204" pitchFamily="49" charset="0"/>
-              </a:rPr>
-              <a:t>&lt;/</a:t>
-            </a:r>
-            <a:r>
-              <a:rPr lang="en-US" sz="1050" dirty="0">
-                <a:solidFill>
-                  <a:srgbClr val="569CD6"/>
-                </a:solidFill>
-                <a:latin typeface="Consolas" panose="020B0609020204030204" pitchFamily="49" charset="0"/>
-              </a:rPr>
-              <a:t>h3</a:t>
-            </a:r>
-            <a:r>
-              <a:rPr lang="en-US" sz="1050" dirty="0">
-                <a:solidFill>
-                  <a:srgbClr val="808080"/>
-                </a:solidFill>
-                <a:latin typeface="Consolas" panose="020B0609020204030204" pitchFamily="49" charset="0"/>
-              </a:rPr>
-              <a:t>&gt;</a:t>
-            </a:r>
-            <a:endParaRPr lang="en-US" sz="1050" dirty="0">
-              <a:solidFill>
-                <a:srgbClr val="D4D4D4"/>
-              </a:solidFill>
-              <a:latin typeface="Consolas" panose="020B0609020204030204" pitchFamily="49" charset="0"/>
-            </a:endParaRPr>
-          </a:p>
-          <a:p>
-            <a:r>
-              <a:rPr lang="en-US" sz="1050" dirty="0">
-                <a:solidFill>
-                  <a:srgbClr val="D4D4D4"/>
-                </a:solidFill>
-                <a:latin typeface="Consolas" panose="020B0609020204030204" pitchFamily="49" charset="0"/>
-              </a:rPr>
-              <a:t>        </a:t>
-            </a:r>
-            <a:r>
-              <a:rPr lang="en-US" sz="1050" dirty="0">
-                <a:solidFill>
-                  <a:srgbClr val="808080"/>
-                </a:solidFill>
-                <a:latin typeface="Consolas" panose="020B0609020204030204" pitchFamily="49" charset="0"/>
-              </a:rPr>
-              <a:t>&lt;</a:t>
-            </a:r>
-            <a:r>
-              <a:rPr lang="en-US" sz="1050" dirty="0" err="1">
-                <a:solidFill>
-                  <a:srgbClr val="569CD6"/>
-                </a:solidFill>
-                <a:latin typeface="Consolas" panose="020B0609020204030204" pitchFamily="49" charset="0"/>
-              </a:rPr>
-              <a:t>img</a:t>
-            </a:r>
-            <a:r>
-              <a:rPr lang="en-US" sz="1050" dirty="0">
-                <a:solidFill>
-                  <a:srgbClr val="D4D4D4"/>
-                </a:solidFill>
-                <a:latin typeface="Consolas" panose="020B0609020204030204" pitchFamily="49" charset="0"/>
-              </a:rPr>
-              <a:t> </a:t>
-            </a:r>
-            <a:r>
-              <a:rPr lang="en-US" sz="1050" dirty="0" err="1">
-                <a:solidFill>
-                  <a:srgbClr val="9CDCFE"/>
-                </a:solidFill>
-                <a:latin typeface="Consolas" panose="020B0609020204030204" pitchFamily="49" charset="0"/>
-              </a:rPr>
-              <a:t>src</a:t>
-            </a:r>
-            <a:r>
-              <a:rPr lang="en-US" sz="1050" dirty="0">
-                <a:solidFill>
-                  <a:srgbClr val="D4D4D4"/>
-                </a:solidFill>
-                <a:latin typeface="Consolas" panose="020B0609020204030204" pitchFamily="49" charset="0"/>
-              </a:rPr>
-              <a:t>=</a:t>
-            </a:r>
-            <a:r>
-              <a:rPr lang="en-US" sz="1050" dirty="0">
-                <a:solidFill>
-                  <a:srgbClr val="CE9178"/>
-                </a:solidFill>
-                <a:latin typeface="Consolas" panose="020B0609020204030204" pitchFamily="49" charset="0"/>
-              </a:rPr>
-              <a:t>"https://i.imgur.com/GfT5Z9R.png"</a:t>
-            </a:r>
-            <a:r>
-              <a:rPr lang="en-US" sz="1050" dirty="0">
-                <a:solidFill>
-                  <a:srgbClr val="808080"/>
-                </a:solidFill>
-                <a:latin typeface="Consolas" panose="020B0609020204030204" pitchFamily="49" charset="0"/>
-              </a:rPr>
-              <a:t>&gt;</a:t>
-            </a:r>
-            <a:endParaRPr lang="en-US" sz="1050" dirty="0">
-              <a:solidFill>
-                <a:srgbClr val="D4D4D4"/>
-              </a:solidFill>
-              <a:latin typeface="Consolas" panose="020B0609020204030204" pitchFamily="49" charset="0"/>
-            </a:endParaRPr>
-          </a:p>
-          <a:p>
-            <a:r>
-              <a:rPr lang="en-US" sz="1050" dirty="0">
-                <a:solidFill>
-                  <a:srgbClr val="D4D4D4"/>
-                </a:solidFill>
-                <a:latin typeface="Consolas" panose="020B0609020204030204" pitchFamily="49" charset="0"/>
-              </a:rPr>
-              <a:t>        </a:t>
-            </a:r>
-            <a:r>
-              <a:rPr lang="en-US" sz="1050" dirty="0">
-                <a:solidFill>
-                  <a:srgbClr val="808080"/>
-                </a:solidFill>
-                <a:latin typeface="Consolas" panose="020B0609020204030204" pitchFamily="49" charset="0"/>
-              </a:rPr>
-              <a:t>&lt;</a:t>
-            </a:r>
-            <a:r>
-              <a:rPr lang="en-US" sz="1050" dirty="0">
-                <a:solidFill>
-                  <a:srgbClr val="569CD6"/>
-                </a:solidFill>
-                <a:latin typeface="Consolas" panose="020B0609020204030204" pitchFamily="49" charset="0"/>
-              </a:rPr>
-              <a:t>p</a:t>
-            </a:r>
-            <a:r>
-              <a:rPr lang="en-US" sz="1050" dirty="0">
-                <a:solidFill>
-                  <a:srgbClr val="808080"/>
-                </a:solidFill>
-                <a:latin typeface="Consolas" panose="020B0609020204030204" pitchFamily="49" charset="0"/>
-              </a:rPr>
-              <a:t>&gt;</a:t>
-            </a:r>
-            <a:r>
-              <a:rPr lang="en-US" sz="1050" dirty="0">
-                <a:solidFill>
-                  <a:srgbClr val="D4D4D4"/>
-                </a:solidFill>
-                <a:latin typeface="Consolas" panose="020B0609020204030204" pitchFamily="49" charset="0"/>
-              </a:rPr>
-              <a:t>Dogs are the best!</a:t>
-            </a:r>
-            <a:r>
-              <a:rPr lang="en-US" sz="1050" dirty="0">
-                <a:solidFill>
-                  <a:srgbClr val="808080"/>
-                </a:solidFill>
-                <a:latin typeface="Consolas" panose="020B0609020204030204" pitchFamily="49" charset="0"/>
-              </a:rPr>
-              <a:t>&lt;/</a:t>
-            </a:r>
-            <a:r>
-              <a:rPr lang="en-US" sz="1050" dirty="0">
-                <a:solidFill>
-                  <a:srgbClr val="569CD6"/>
-                </a:solidFill>
-                <a:latin typeface="Consolas" panose="020B0609020204030204" pitchFamily="49" charset="0"/>
-              </a:rPr>
-              <a:t>p</a:t>
-            </a:r>
-            <a:r>
-              <a:rPr lang="en-US" sz="1050" dirty="0">
-                <a:solidFill>
-                  <a:srgbClr val="808080"/>
-                </a:solidFill>
-                <a:latin typeface="Consolas" panose="020B0609020204030204" pitchFamily="49" charset="0"/>
-              </a:rPr>
-              <a:t>&gt;</a:t>
-            </a:r>
-            <a:endParaRPr lang="en-US" sz="1050" dirty="0">
-              <a:solidFill>
-                <a:srgbClr val="D4D4D4"/>
-              </a:solidFill>
-              <a:latin typeface="Consolas" panose="020B0609020204030204" pitchFamily="49" charset="0"/>
-            </a:endParaRPr>
-          </a:p>
-          <a:p>
-            <a:r>
-              <a:rPr lang="en-US" sz="1050" dirty="0">
-                <a:solidFill>
-                  <a:srgbClr val="D4D4D4"/>
-                </a:solidFill>
-                <a:latin typeface="Consolas" panose="020B0609020204030204" pitchFamily="49" charset="0"/>
-              </a:rPr>
-              <a:t>        </a:t>
-            </a:r>
-            <a:r>
-              <a:rPr lang="en-US" sz="1050" dirty="0">
-                <a:solidFill>
-                  <a:srgbClr val="808080"/>
-                </a:solidFill>
-                <a:latin typeface="Consolas" panose="020B0609020204030204" pitchFamily="49" charset="0"/>
-              </a:rPr>
-              <a:t>&lt;</a:t>
-            </a:r>
-            <a:r>
-              <a:rPr lang="en-US" sz="1050" dirty="0">
-                <a:solidFill>
-                  <a:srgbClr val="569CD6"/>
-                </a:solidFill>
-                <a:latin typeface="Consolas" panose="020B0609020204030204" pitchFamily="49" charset="0"/>
-              </a:rPr>
-              <a:t>a</a:t>
-            </a:r>
-            <a:r>
-              <a:rPr lang="en-US" sz="1050" dirty="0">
-                <a:solidFill>
-                  <a:srgbClr val="D4D4D4"/>
-                </a:solidFill>
-                <a:latin typeface="Consolas" panose="020B0609020204030204" pitchFamily="49" charset="0"/>
-              </a:rPr>
-              <a:t> </a:t>
-            </a:r>
-            <a:r>
-              <a:rPr lang="en-US" sz="1050" dirty="0" err="1">
-                <a:solidFill>
-                  <a:srgbClr val="9CDCFE"/>
-                </a:solidFill>
-                <a:latin typeface="Consolas" panose="020B0609020204030204" pitchFamily="49" charset="0"/>
-              </a:rPr>
-              <a:t>href</a:t>
-            </a:r>
-            <a:r>
-              <a:rPr lang="en-US" sz="1050" dirty="0">
-                <a:solidFill>
-                  <a:srgbClr val="D4D4D4"/>
-                </a:solidFill>
-                <a:latin typeface="Consolas" panose="020B0609020204030204" pitchFamily="49" charset="0"/>
-              </a:rPr>
-              <a:t>=</a:t>
-            </a:r>
-            <a:r>
-              <a:rPr lang="en-US" sz="1050" dirty="0">
-                <a:solidFill>
-                  <a:srgbClr val="CE9178"/>
-                </a:solidFill>
-                <a:latin typeface="Consolas" panose="020B0609020204030204" pitchFamily="49" charset="0"/>
-              </a:rPr>
-              <a:t>"https://en.wikipedia.org/wiki/Dog"</a:t>
-            </a:r>
-            <a:r>
-              <a:rPr lang="en-US" sz="1050" dirty="0">
-                <a:solidFill>
-                  <a:srgbClr val="808080"/>
-                </a:solidFill>
-                <a:latin typeface="Consolas" panose="020B0609020204030204" pitchFamily="49" charset="0"/>
-              </a:rPr>
-              <a:t>&gt;</a:t>
-            </a:r>
-            <a:r>
-              <a:rPr lang="en-US" sz="1050" dirty="0">
-                <a:solidFill>
-                  <a:srgbClr val="D4D4D4"/>
-                </a:solidFill>
-                <a:latin typeface="Consolas" panose="020B0609020204030204" pitchFamily="49" charset="0"/>
-              </a:rPr>
-              <a:t>Wikipedia</a:t>
-            </a:r>
-            <a:r>
-              <a:rPr lang="en-US" sz="1050" dirty="0">
-                <a:solidFill>
-                  <a:srgbClr val="808080"/>
-                </a:solidFill>
-                <a:latin typeface="Consolas" panose="020B0609020204030204" pitchFamily="49" charset="0"/>
-              </a:rPr>
-              <a:t>&lt;/</a:t>
-            </a:r>
-            <a:r>
-              <a:rPr lang="en-US" sz="1050" dirty="0">
-                <a:solidFill>
-                  <a:srgbClr val="569CD6"/>
-                </a:solidFill>
-                <a:latin typeface="Consolas" panose="020B0609020204030204" pitchFamily="49" charset="0"/>
-              </a:rPr>
-              <a:t>a</a:t>
-            </a:r>
-            <a:r>
-              <a:rPr lang="en-US" sz="1050" dirty="0">
-                <a:solidFill>
-                  <a:srgbClr val="808080"/>
-                </a:solidFill>
-                <a:latin typeface="Consolas" panose="020B0609020204030204" pitchFamily="49" charset="0"/>
-              </a:rPr>
-              <a:t>&gt;</a:t>
-            </a:r>
-            <a:endParaRPr lang="en-US" sz="1050" dirty="0">
-              <a:solidFill>
-                <a:srgbClr val="D4D4D4"/>
-              </a:solidFill>
-              <a:latin typeface="Consolas" panose="020B0609020204030204" pitchFamily="49" charset="0"/>
-            </a:endParaRPr>
-          </a:p>
-          <a:p>
-            <a:r>
-              <a:rPr lang="en-US" sz="1050" dirty="0">
-                <a:solidFill>
-                  <a:srgbClr val="D4D4D4"/>
-                </a:solidFill>
-                <a:latin typeface="Consolas" panose="020B0609020204030204" pitchFamily="49" charset="0"/>
-              </a:rPr>
-              <a:t>    </a:t>
-            </a:r>
-            <a:r>
-              <a:rPr lang="en-US" sz="1050" dirty="0">
-                <a:solidFill>
-                  <a:srgbClr val="808080"/>
-                </a:solidFill>
-                <a:latin typeface="Consolas" panose="020B0609020204030204" pitchFamily="49" charset="0"/>
-              </a:rPr>
-              <a:t>&lt;/</a:t>
-            </a:r>
-            <a:r>
-              <a:rPr lang="en-US" sz="1050" dirty="0">
-                <a:solidFill>
-                  <a:srgbClr val="569CD6"/>
-                </a:solidFill>
-                <a:latin typeface="Consolas" panose="020B0609020204030204" pitchFamily="49" charset="0"/>
-              </a:rPr>
-              <a:t>body</a:t>
-            </a:r>
-            <a:r>
-              <a:rPr lang="en-US" sz="1050" dirty="0">
-                <a:solidFill>
-                  <a:srgbClr val="808080"/>
-                </a:solidFill>
-                <a:latin typeface="Consolas" panose="020B0609020204030204" pitchFamily="49" charset="0"/>
-              </a:rPr>
-              <a:t>&gt;</a:t>
-            </a:r>
-            <a:endParaRPr lang="en-US" sz="1050" dirty="0">
-              <a:solidFill>
-                <a:srgbClr val="D4D4D4"/>
-              </a:solidFill>
-              <a:latin typeface="Consolas" panose="020B0609020204030204" pitchFamily="49" charset="0"/>
-            </a:endParaRPr>
-          </a:p>
-          <a:p>
-            <a:r>
-              <a:rPr lang="en-US" sz="1050" dirty="0">
-                <a:solidFill>
-                  <a:srgbClr val="808080"/>
-                </a:solidFill>
-                <a:latin typeface="Consolas" panose="020B0609020204030204" pitchFamily="49" charset="0"/>
-              </a:rPr>
-              <a:t>&lt;/</a:t>
-            </a:r>
-            <a:r>
-              <a:rPr lang="en-US" sz="1050" dirty="0">
-                <a:solidFill>
-                  <a:srgbClr val="569CD6"/>
-                </a:solidFill>
-                <a:latin typeface="Consolas" panose="020B0609020204030204" pitchFamily="49" charset="0"/>
-              </a:rPr>
-              <a:t>html</a:t>
-            </a:r>
-            <a:r>
-              <a:rPr lang="en-US" sz="1050" dirty="0">
-                <a:solidFill>
-                  <a:srgbClr val="808080"/>
-                </a:solidFill>
-                <a:latin typeface="Consolas" panose="020B0609020204030204" pitchFamily="49" charset="0"/>
-              </a:rPr>
-              <a:t>&gt;</a:t>
-            </a:r>
-            <a:endParaRPr lang="en-US" sz="1050" b="0" dirty="0">
-              <a:solidFill>
-                <a:srgbClr val="D4D4D4"/>
-              </a:solidFill>
-              <a:effectLst/>
-              <a:latin typeface="Consolas" panose="020B0609020204030204" pitchFamily="49" charset="0"/>
-            </a:endParaRPr>
-          </a:p>
-        </p:txBody>
-      </p:sp>
-      <p:sp>
-        <p:nvSpPr>
-          <p:cNvPr id="13" name="Right Arrow 12"/>
-          <p:cNvSpPr/>
-          <p:nvPr/>
-        </p:nvSpPr>
-        <p:spPr bwMode="auto">
-          <a:xfrm>
-            <a:off x="7581900" y="3657600"/>
-            <a:ext cx="800100" cy="685800"/>
-          </a:xfrm>
-          <a:prstGeom prst="rightArrow">
-            <a:avLst/>
-          </a:prstGeom>
-          <a:solidFill>
-            <a:schemeClr val="accent5"/>
-          </a:solidFill>
-          <a:ln w="12700">
-            <a:solidFill>
-              <a:schemeClr val="tx2"/>
-            </a:solidFill>
-            <a:miter lim="800000"/>
-            <a:headEnd type="none" w="med" len="med"/>
-            <a:tailEnd type="none" w="med" len="med"/>
-          </a:ln>
-          <a:effectLst/>
-        </p:spPr>
-        <p:style>
-          <a:lnRef idx="1">
-            <a:schemeClr val="accent2"/>
-          </a:lnRef>
-          <a:fillRef idx="3">
-            <a:schemeClr val="accent2"/>
-          </a:fillRef>
-          <a:effectRef idx="2">
-            <a:schemeClr val="accent2"/>
-          </a:effectRef>
-          <a:fontRef idx="minor">
-            <a:schemeClr val="lt1"/>
-          </a:fontRef>
-        </p:style>
-        <p:txBody>
-          <a:bodyPr rot="0" spcFirstLastPara="0" vertOverflow="overflow" horzOverflow="overflow" vert="horz" wrap="square" lIns="182880" tIns="146304" rIns="182880" bIns="146304" numCol="1" spcCol="0" rtlCol="0" fromWordArt="0" anchor="t" anchorCtr="0" forceAA="0" compatLnSpc="1">
-            <a:prstTxWarp prst="textNoShape">
-              <a:avLst/>
-            </a:prstTxWarp>
-            <a:noAutofit/>
-          </a:bodyPr>
-          <a:lstStyle/>
-          <a:p>
-            <a:pPr algn="ctr" defTabSz="932472" fontAlgn="base">
-              <a:lnSpc>
-                <a:spcPct val="90000"/>
-              </a:lnSpc>
-              <a:spcBef>
-                <a:spcPct val="0"/>
-              </a:spcBef>
-              <a:spcAft>
-                <a:spcPct val="0"/>
-              </a:spcAft>
-            </a:pPr>
-            <a:endParaRPr lang="en-US" sz="2400" dirty="0" err="1">
-              <a:gradFill>
-                <a:gsLst>
-                  <a:gs pos="0">
-                    <a:srgbClr val="FFFFFF"/>
-                  </a:gs>
-                  <a:gs pos="100000">
-                    <a:srgbClr val="FFFFFF"/>
-                  </a:gs>
-                </a:gsLst>
-                <a:lin ang="5400000" scaled="0"/>
-              </a:gradFill>
-              <a:ea typeface="Segoe UI" pitchFamily="34" charset="0"/>
-              <a:cs typeface="Segoe UI" pitchFamily="34" charset="0"/>
-            </a:endParaRPr>
-          </a:p>
-        </p:txBody>
-      </p:sp>
-      <p:pic>
-        <p:nvPicPr>
-          <p:cNvPr id="15" name="Picture 14"/>
-          <p:cNvPicPr>
-            <a:picLocks noChangeAspect="1"/>
-          </p:cNvPicPr>
-          <p:nvPr/>
-        </p:nvPicPr>
-        <p:blipFill>
-          <a:blip r:embed="rId3"/>
-          <a:stretch>
-            <a:fillRect/>
-          </a:stretch>
-        </p:blipFill>
-        <p:spPr>
-          <a:xfrm>
-            <a:off x="9067800" y="1746455"/>
-            <a:ext cx="2238687" cy="4706007"/>
-          </a:xfrm>
-          <a:prstGeom prst="rect">
-            <a:avLst/>
-          </a:prstGeom>
-        </p:spPr>
-      </p:pic>
-    </p:spTree>
-    <p:extLst>
-      <p:ext uri="{BB962C8B-B14F-4D97-AF65-F5344CB8AC3E}">
-        <p14:creationId xmlns:p14="http://schemas.microsoft.com/office/powerpoint/2010/main" val="1466082927"/>
-      </p:ext>
-    </p:extLst>
-  </p:cSld>
-  <p:clrMapOvr>
-    <a:masterClrMapping/>
-  </p:clrMapOvr>
-  <p:transition>
-    <p:fade/>
-  </p:transition>
-  <p:timing>
-    <p:tnLst>
-      <p:par>
-        <p:cTn id="1" dur="indefinite" restart="never" nodeType="tmRoot">
-          <p:childTnLst>
-            <p:seq concurrent="1" nextAc="seek">
-              <p:cTn id="2" dur="indefinite" nodeType="mainSeq">
-                <p:childTnLst>
-                  <p:par>
-                    <p:cTn id="3" fill="hold">
-                      <p:stCondLst>
-                        <p:cond delay="indefinite"/>
-                      </p:stCondLst>
-                      <p:childTnLst>
-                        <p:par>
-                          <p:cTn id="4" fill="hold">
-                            <p:stCondLst>
-                              <p:cond delay="0"/>
-                            </p:stCondLst>
-                            <p:childTnLst>
-                              <p:par>
-                                <p:cTn id="5" presetID="10" presetClass="entr" presetSubtype="0" fill="hold" grpId="0" nodeType="clickEffect">
-                                  <p:stCondLst>
-                                    <p:cond delay="0"/>
-                                  </p:stCondLst>
-                                  <p:childTnLst>
-                                    <p:set>
-                                      <p:cBhvr>
-                                        <p:cTn id="6" dur="1" fill="hold">
-                                          <p:stCondLst>
-                                            <p:cond delay="0"/>
-                                          </p:stCondLst>
-                                        </p:cTn>
-                                        <p:tgtEl>
-                                          <p:spTgt spid="6"/>
-                                        </p:tgtEl>
-                                        <p:attrNameLst>
-                                          <p:attrName>style.visibility</p:attrName>
-                                        </p:attrNameLst>
-                                      </p:cBhvr>
-                                      <p:to>
-                                        <p:strVal val="visible"/>
-                                      </p:to>
-                                    </p:set>
-                                    <p:animEffect transition="in" filter="fade">
-                                      <p:cBhvr>
-                                        <p:cTn id="7" dur="500"/>
-                                        <p:tgtEl>
-                                          <p:spTgt spid="6"/>
-                                        </p:tgtEl>
-                                      </p:cBhvr>
-                                    </p:animEffect>
-                                  </p:childTnLst>
-                                </p:cTn>
-                              </p:par>
-                              <p:par>
-                                <p:cTn id="8" presetID="10" presetClass="entr" presetSubtype="0" fill="hold" grpId="0" nodeType="withEffect">
-                                  <p:stCondLst>
-                                    <p:cond delay="0"/>
-                                  </p:stCondLst>
-                                  <p:childTnLst>
-                                    <p:set>
-                                      <p:cBhvr>
-                                        <p:cTn id="9" dur="1" fill="hold">
-                                          <p:stCondLst>
-                                            <p:cond delay="0"/>
-                                          </p:stCondLst>
-                                        </p:cTn>
-                                        <p:tgtEl>
-                                          <p:spTgt spid="7"/>
-                                        </p:tgtEl>
-                                        <p:attrNameLst>
-                                          <p:attrName>style.visibility</p:attrName>
-                                        </p:attrNameLst>
-                                      </p:cBhvr>
-                                      <p:to>
-                                        <p:strVal val="visible"/>
-                                      </p:to>
-                                    </p:set>
-                                    <p:animEffect transition="in" filter="fade">
-                                      <p:cBhvr>
-                                        <p:cTn id="10" dur="500"/>
-                                        <p:tgtEl>
-                                          <p:spTgt spid="7"/>
-                                        </p:tgtEl>
-                                      </p:cBhvr>
-                                    </p:animEffect>
-                                  </p:childTnLst>
-                                </p:cTn>
-                              </p:par>
-                            </p:childTnLst>
-                          </p:cTn>
-                        </p:par>
-                      </p:childTnLst>
-                    </p:cTn>
-                  </p:par>
-                  <p:par>
-                    <p:cTn id="11" fill="hold">
-                      <p:stCondLst>
-                        <p:cond delay="indefinite"/>
-                      </p:stCondLst>
-                      <p:childTnLst>
-                        <p:par>
-                          <p:cTn id="12" fill="hold">
-                            <p:stCondLst>
-                              <p:cond delay="0"/>
-                            </p:stCondLst>
-                            <p:childTnLst>
-                              <p:par>
-                                <p:cTn id="13" presetID="10" presetClass="entr" presetSubtype="0" fill="hold" grpId="0" nodeType="clickEffect">
-                                  <p:stCondLst>
-                                    <p:cond delay="0"/>
-                                  </p:stCondLst>
-                                  <p:childTnLst>
-                                    <p:set>
-                                      <p:cBhvr>
-                                        <p:cTn id="14" dur="1" fill="hold">
-                                          <p:stCondLst>
-                                            <p:cond delay="0"/>
-                                          </p:stCondLst>
-                                        </p:cTn>
-                                        <p:tgtEl>
-                                          <p:spTgt spid="13"/>
-                                        </p:tgtEl>
-                                        <p:attrNameLst>
-                                          <p:attrName>style.visibility</p:attrName>
-                                        </p:attrNameLst>
-                                      </p:cBhvr>
-                                      <p:to>
-                                        <p:strVal val="visible"/>
-                                      </p:to>
-                                    </p:set>
-                                    <p:animEffect transition="in" filter="fade">
-                                      <p:cBhvr>
-                                        <p:cTn id="15" dur="500"/>
-                                        <p:tgtEl>
-                                          <p:spTgt spid="13"/>
-                                        </p:tgtEl>
-                                      </p:cBhvr>
-                                    </p:animEffect>
-                                  </p:childTnLst>
-                                </p:cTn>
-                              </p:par>
-                              <p:par>
-                                <p:cTn id="16" presetID="10" presetClass="entr" presetSubtype="0" fill="hold" nodeType="withEffect">
-                                  <p:stCondLst>
-                                    <p:cond delay="0"/>
-                                  </p:stCondLst>
-                                  <p:childTnLst>
-                                    <p:set>
-                                      <p:cBhvr>
-                                        <p:cTn id="17" dur="1" fill="hold">
-                                          <p:stCondLst>
-                                            <p:cond delay="0"/>
-                                          </p:stCondLst>
-                                        </p:cTn>
-                                        <p:tgtEl>
-                                          <p:spTgt spid="15"/>
-                                        </p:tgtEl>
-                                        <p:attrNameLst>
-                                          <p:attrName>style.visibility</p:attrName>
-                                        </p:attrNameLst>
-                                      </p:cBhvr>
-                                      <p:to>
-                                        <p:strVal val="visible"/>
-                                      </p:to>
-                                    </p:set>
-                                    <p:animEffect transition="in" filter="fade">
-                                      <p:cBhvr>
-                                        <p:cTn id="18" dur="500"/>
-                                        <p:tgtEl>
-                                          <p:spTgt spid="15"/>
-                                        </p:tgtEl>
-                                      </p:cBhvr>
-                                    </p:animEffect>
-                                  </p:childTnLst>
-                                </p:cTn>
-                              </p:par>
-                            </p:childTnLst>
-                          </p:cTn>
-                        </p:par>
-                      </p:childTnLst>
-                    </p:cTn>
-                  </p:par>
-                </p:childTnLst>
-              </p:cTn>
-              <p:prevCondLst>
-                <p:cond evt="onPrev" delay="0">
-                  <p:tgtEl>
-                    <p:sldTgt/>
-                  </p:tgtEl>
-                </p:cond>
-              </p:prevCondLst>
-              <p:nextCondLst>
-                <p:cond evt="onNext" delay="0">
-                  <p:tgtEl>
-                    <p:sldTgt/>
-                  </p:tgtEl>
-                </p:cond>
-              </p:nextCondLst>
-            </p:seq>
-          </p:childTnLst>
-        </p:cTn>
-      </p:par>
-    </p:tnLst>
-    <p:bldLst>
-      <p:bldP spid="6" grpId="0" animBg="1"/>
-      <p:bldP spid="7" grpId="0" animBg="1"/>
-      <p:bldP spid="13" grpId="0" animBg="1"/>
-    </p:bldLst>
-  </p:timing>
-</p:sld>
-</file>
-
-<file path=ppt/slides/slide6.xml><?xml version="1.0" encoding="utf-8"?>
-<p:sld xmlns:a="http://schemas.openxmlformats.org/drawingml/2006/main" xmlns:r="http://schemas.openxmlformats.org/officeDocument/2006/relationships" xmlns:p="http://schemas.openxmlformats.org/presentationml/2006/main">
-  <p:cSld>
-    <p:spTree>
-      <p:nvGrpSpPr>
-        <p:cNvPr id="1" name=""/>
-        <p:cNvGrpSpPr/>
-        <p:nvPr/>
-      </p:nvGrpSpPr>
-      <p:grpSpPr>
-        <a:xfrm>
-          <a:off x="0" y="0"/>
-          <a:ext cx="0" cy="0"/>
-          <a:chOff x="0" y="0"/>
-          <a:chExt cx="0" cy="0"/>
-        </a:xfrm>
-      </p:grpSpPr>
-      <p:sp>
-        <p:nvSpPr>
-          <p:cNvPr id="2" name="Title 1"/>
-          <p:cNvSpPr>
-            <a:spLocks noGrp="1"/>
-          </p:cNvSpPr>
-          <p:nvPr>
-            <p:ph type="title"/>
-          </p:nvPr>
-        </p:nvSpPr>
-        <p:spPr>
-          <a:xfrm>
-            <a:off x="381000" y="2062162"/>
-            <a:ext cx="4572000" cy="2738438"/>
-          </a:xfrm>
-        </p:spPr>
-        <p:txBody>
-          <a:bodyPr/>
-          <a:lstStyle/>
-          <a:p>
-            <a:r>
-              <a:rPr lang="en-US" dirty="0"/>
-              <a:t>HTML Introduction</a:t>
-            </a:r>
-          </a:p>
-        </p:txBody>
-      </p:sp>
-      <p:pic>
-        <p:nvPicPr>
-          <p:cNvPr id="3074" name="Picture 2" descr="Image result for html"/>
-          <p:cNvPicPr>
-            <a:picLocks noChangeAspect="1" noChangeArrowheads="1"/>
-          </p:cNvPicPr>
-          <p:nvPr/>
-        </p:nvPicPr>
-        <p:blipFill>
-          <a:blip r:embed="rId2">
-            <a:extLst>
-              <a:ext uri="{28A0092B-C50C-407E-A947-70E740481C1C}">
-                <a14:useLocalDpi xmlns:a14="http://schemas.microsoft.com/office/drawing/2010/main" val="0"/>
-              </a:ext>
-            </a:extLst>
-          </a:blip>
-          <a:srcRect/>
-          <a:stretch>
-            <a:fillRect/>
-          </a:stretch>
-        </p:blipFill>
-        <p:spPr bwMode="auto">
-          <a:xfrm>
-            <a:off x="5181599" y="0"/>
-            <a:ext cx="10289571" cy="6858000"/>
-          </a:xfrm>
-          <a:prstGeom prst="rect">
-            <a:avLst/>
-          </a:prstGeom>
-          <a:noFill/>
-          <a:extLst>
-            <a:ext uri="{909E8E84-426E-40DD-AFC4-6F175D3DCCD1}">
-              <a14:hiddenFill xmlns:a14="http://schemas.microsoft.com/office/drawing/2010/main">
-                <a:solidFill>
-                  <a:srgbClr val="FFFFFF"/>
-                </a:solidFill>
-              </a14:hiddenFill>
-            </a:ext>
-          </a:extLst>
-        </p:spPr>
-      </p:pic>
-    </p:spTree>
-    <p:extLst>
-      <p:ext uri="{BB962C8B-B14F-4D97-AF65-F5344CB8AC3E}">
-        <p14:creationId xmlns:p14="http://schemas.microsoft.com/office/powerpoint/2010/main" val="1114395347"/>
-      </p:ext>
-    </p:extLst>
-  </p:cSld>
-  <p:clrMapOvr>
-    <a:masterClrMapping/>
-  </p:clrMapOvr>
-  <p:transition>
-    <p:fade/>
-  </p:transition>
-</p:sld>
-</file>
-
-<file path=ppt/slides/slide7.xml><?xml version="1.0" encoding="utf-8"?>
-<p:sld xmlns:a="http://schemas.openxmlformats.org/drawingml/2006/main" xmlns:r="http://schemas.openxmlformats.org/officeDocument/2006/relationships" xmlns:p="http://schemas.openxmlformats.org/presentationml/2006/main">
-  <p:cSld>
-    <p:spTree>
-      <p:nvGrpSpPr>
-        <p:cNvPr id="1" name=""/>
-        <p:cNvGrpSpPr/>
-        <p:nvPr/>
-      </p:nvGrpSpPr>
-      <p:grpSpPr>
-        <a:xfrm>
-          <a:off x="0" y="0"/>
-          <a:ext cx="0" cy="0"/>
-          <a:chOff x="0" y="0"/>
-          <a:chExt cx="0" cy="0"/>
-        </a:xfrm>
-      </p:grpSpPr>
-      <p:sp>
-        <p:nvSpPr>
-          <p:cNvPr id="2" name="Title 1"/>
-          <p:cNvSpPr>
-            <a:spLocks noGrp="1"/>
-          </p:cNvSpPr>
-          <p:nvPr>
-            <p:ph type="title"/>
-          </p:nvPr>
-        </p:nvSpPr>
-        <p:spPr/>
-        <p:txBody>
-          <a:bodyPr/>
-          <a:lstStyle/>
-          <a:p>
-            <a:r>
-              <a:rPr lang="en-US" dirty="0"/>
-              <a:t>HTML Introduction</a:t>
-            </a:r>
-          </a:p>
-        </p:txBody>
-      </p:sp>
-      <p:sp>
-        <p:nvSpPr>
-          <p:cNvPr id="3" name="Content Placeholder 2"/>
-          <p:cNvSpPr>
-            <a:spLocks noGrp="1"/>
-          </p:cNvSpPr>
-          <p:nvPr>
-            <p:ph idx="1"/>
-          </p:nvPr>
-        </p:nvSpPr>
-        <p:spPr>
-          <a:xfrm>
-            <a:off x="381000" y="1143000"/>
-            <a:ext cx="11430000" cy="3314700"/>
-          </a:xfrm>
-        </p:spPr>
-        <p:txBody>
-          <a:bodyPr>
-            <a:normAutofit/>
-          </a:bodyPr>
-          <a:lstStyle/>
-          <a:p>
-            <a:r>
-              <a:rPr lang="en-US" sz="3500" dirty="0"/>
-              <a:t>An </a:t>
-            </a:r>
-            <a:r>
-              <a:rPr lang="en-US" sz="3500" b="1" dirty="0"/>
-              <a:t>HTML Document </a:t>
-            </a:r>
-            <a:r>
-              <a:rPr lang="en-US" sz="3500" dirty="0"/>
-              <a:t>is a text file with a specific format</a:t>
-            </a:r>
-          </a:p>
-          <a:p>
-            <a:pPr lvl="1"/>
-            <a:r>
-              <a:rPr lang="en-US" sz="3000" dirty="0"/>
-              <a:t>The file extension should be </a:t>
-            </a:r>
-            <a:r>
-              <a:rPr lang="en-US" sz="3000" b="1" dirty="0">
-                <a:solidFill>
-                  <a:schemeClr val="accent2"/>
-                </a:solidFill>
-              </a:rPr>
-              <a:t>.html</a:t>
-            </a:r>
-            <a:r>
-              <a:rPr lang="en-US" sz="3000" dirty="0"/>
-              <a:t> (e.g., </a:t>
-            </a:r>
-            <a:r>
-              <a:rPr lang="en-US" sz="3000" b="1" dirty="0">
-                <a:solidFill>
-                  <a:schemeClr val="accent2"/>
-                </a:solidFill>
-              </a:rPr>
-              <a:t>index.html</a:t>
-            </a:r>
-            <a:r>
-              <a:rPr lang="en-US" sz="3000" dirty="0"/>
-              <a:t>)</a:t>
-            </a:r>
-          </a:p>
-          <a:p>
-            <a:pPr marL="457200" lvl="1" indent="0">
-              <a:buNone/>
-            </a:pPr>
-            <a:endParaRPr lang="en-US" sz="3000" dirty="0"/>
-          </a:p>
-          <a:p>
-            <a:r>
-              <a:rPr lang="en-US" sz="3500" dirty="0"/>
-              <a:t>HTML has </a:t>
-            </a:r>
-            <a:r>
-              <a:rPr lang="en-US" sz="3500" b="1" dirty="0"/>
-              <a:t>elements</a:t>
-            </a:r>
-            <a:r>
-              <a:rPr lang="en-US" sz="3500" dirty="0"/>
-              <a:t>, each with a different purpose</a:t>
-            </a:r>
-          </a:p>
-          <a:p>
-            <a:pPr lvl="1"/>
-            <a:r>
-              <a:rPr lang="en-US" sz="3000" dirty="0"/>
-              <a:t>E.g., images, text, tables, links, and so on!</a:t>
-            </a:r>
-          </a:p>
-        </p:txBody>
-      </p:sp>
-      <p:pic>
-        <p:nvPicPr>
-          <p:cNvPr id="2052" name="Picture 4" descr="Periodic table - Wikipedia">
-            <a:extLst>
-              <a:ext uri="{FF2B5EF4-FFF2-40B4-BE49-F238E27FC236}">
-                <a16:creationId xmlns:a16="http://schemas.microsoft.com/office/drawing/2014/main" id="{2DF01B77-D78A-424B-835B-BD855F79CF11}"/>
-              </a:ext>
-            </a:extLst>
-          </p:cNvPr>
-          <p:cNvPicPr>
-            <a:picLocks noChangeAspect="1" noChangeArrowheads="1"/>
-          </p:cNvPicPr>
-          <p:nvPr/>
-        </p:nvPicPr>
-        <p:blipFill>
-          <a:blip r:embed="rId3">
-            <a:clrChange>
-              <a:clrFrom>
-                <a:srgbClr val="FFFFFF"/>
-              </a:clrFrom>
-              <a:clrTo>
-                <a:srgbClr val="FFFFFF">
-                  <a:alpha val="0"/>
-                </a:srgbClr>
-              </a:clrTo>
-            </a:clrChange>
-            <a:extLst>
-              <a:ext uri="{28A0092B-C50C-407E-A947-70E740481C1C}">
-                <a14:useLocalDpi xmlns:a14="http://schemas.microsoft.com/office/drawing/2010/main" val="0"/>
-              </a:ext>
-            </a:extLst>
-          </a:blip>
-          <a:srcRect/>
-          <a:stretch>
-            <a:fillRect/>
-          </a:stretch>
-        </p:blipFill>
-        <p:spPr bwMode="auto">
-          <a:xfrm>
-            <a:off x="1784851" y="4178455"/>
-            <a:ext cx="8622297" cy="2679545"/>
-          </a:xfrm>
-          <a:prstGeom prst="rect">
-            <a:avLst/>
-          </a:prstGeom>
-          <a:noFill/>
-          <a:extLst>
-            <a:ext uri="{909E8E84-426E-40DD-AFC4-6F175D3DCCD1}">
-              <a14:hiddenFill xmlns:a14="http://schemas.microsoft.com/office/drawing/2010/main">
-                <a:solidFill>
-                  <a:srgbClr val="FFFFFF"/>
-                </a:solidFill>
-              </a14:hiddenFill>
-            </a:ext>
-          </a:extLst>
-        </p:spPr>
-      </p:pic>
-    </p:spTree>
-    <p:extLst>
-      <p:ext uri="{BB962C8B-B14F-4D97-AF65-F5344CB8AC3E}">
-        <p14:creationId xmlns:p14="http://schemas.microsoft.com/office/powerpoint/2010/main" val="2488801181"/>
-      </p:ext>
-    </p:extLst>
-  </p:cSld>
-  <p:clrMapOvr>
-    <a:masterClrMapping/>
-  </p:clrMapOvr>
-  <p:transition>
-    <p:fade/>
-  </p:transition>
-  <p:timing>
-    <p:tnLst>
-      <p:par>
-        <p:cTn id="1" dur="indefinite" restart="never" nodeType="tmRoot">
-          <p:childTnLst>
-            <p:seq concurrent="1" nextAc="seek">
-              <p:cTn id="2" dur="indefinite" nodeType="mainSeq">
-                <p:childTnLst>
-                  <p:par>
-                    <p:cTn id="3" fill="hold">
-                      <p:stCondLst>
-                        <p:cond delay="indefinite"/>
-                      </p:stCondLst>
-                      <p:childTnLst>
-                        <p:par>
-                          <p:cTn id="4" fill="hold">
-                            <p:stCondLst>
-                              <p:cond delay="0"/>
-                            </p:stCondLst>
-                            <p:childTnLst>
-                              <p:par>
-                                <p:cTn id="5" presetID="10" presetClass="entr" presetSubtype="0" fill="hold" grpId="0" nodeType="clickEffect">
-                                  <p:stCondLst>
-                                    <p:cond delay="0"/>
-                                  </p:stCondLst>
-                                  <p:childTnLst>
-                                    <p:set>
-                                      <p:cBhvr>
-                                        <p:cTn id="6" dur="1" fill="hold">
-                                          <p:stCondLst>
-                                            <p:cond delay="0"/>
-                                          </p:stCondLst>
-                                        </p:cTn>
-                                        <p:tgtEl>
-                                          <p:spTgt spid="3">
-                                            <p:txEl>
-                                              <p:pRg st="0" end="0"/>
-                                            </p:txEl>
-                                          </p:spTgt>
-                                        </p:tgtEl>
-                                        <p:attrNameLst>
-                                          <p:attrName>style.visibility</p:attrName>
-                                        </p:attrNameLst>
-                                      </p:cBhvr>
-                                      <p:to>
-                                        <p:strVal val="visible"/>
-                                      </p:to>
-                                    </p:set>
-                                    <p:animEffect transition="in" filter="fade">
-                                      <p:cBhvr>
-                                        <p:cTn id="7" dur="500"/>
-                                        <p:tgtEl>
-                                          <p:spTgt spid="3">
-                                            <p:txEl>
-                                              <p:pRg st="0" end="0"/>
-                                            </p:txEl>
-                                          </p:spTgt>
-                                        </p:tgtEl>
-                                      </p:cBhvr>
-                                    </p:animEffect>
-                                  </p:childTnLst>
-                                </p:cTn>
-                              </p:par>
-                              <p:par>
-                                <p:cTn id="8" presetID="10" presetClass="entr" presetSubtype="0" fill="hold" grpId="0" nodeType="withEffect">
-                                  <p:stCondLst>
-                                    <p:cond delay="0"/>
-                                  </p:stCondLst>
-                                  <p:childTnLst>
-                                    <p:set>
-                                      <p:cBhvr>
-                                        <p:cTn id="9" dur="1" fill="hold">
-                                          <p:stCondLst>
-                                            <p:cond delay="0"/>
-                                          </p:stCondLst>
-                                        </p:cTn>
-                                        <p:tgtEl>
-                                          <p:spTgt spid="3">
-                                            <p:txEl>
-                                              <p:pRg st="1" end="1"/>
-                                            </p:txEl>
-                                          </p:spTgt>
-                                        </p:tgtEl>
-                                        <p:attrNameLst>
-                                          <p:attrName>style.visibility</p:attrName>
-                                        </p:attrNameLst>
-                                      </p:cBhvr>
-                                      <p:to>
-                                        <p:strVal val="visible"/>
-                                      </p:to>
-                                    </p:set>
-                                    <p:animEffect transition="in" filter="fade">
-                                      <p:cBhvr>
-                                        <p:cTn id="10" dur="500"/>
-                                        <p:tgtEl>
-                                          <p:spTgt spid="3">
-                                            <p:txEl>
-                                              <p:pRg st="1" end="1"/>
-                                            </p:txEl>
-                                          </p:spTgt>
-                                        </p:tgtEl>
-                                      </p:cBhvr>
-                                    </p:animEffect>
-                                  </p:childTnLst>
-                                </p:cTn>
-                              </p:par>
-                            </p:childTnLst>
-                          </p:cTn>
-                        </p:par>
-                      </p:childTnLst>
-                    </p:cTn>
-                  </p:par>
-                  <p:par>
-                    <p:cTn id="11" fill="hold">
-                      <p:stCondLst>
-                        <p:cond delay="indefinite"/>
-                      </p:stCondLst>
-                      <p:childTnLst>
-                        <p:par>
-                          <p:cTn id="12" fill="hold">
-                            <p:stCondLst>
-                              <p:cond delay="0"/>
-                            </p:stCondLst>
-                            <p:childTnLst>
-                              <p:par>
-                                <p:cTn id="13" presetID="10" presetClass="entr" presetSubtype="0" fill="hold" grpId="0" nodeType="clickEffect">
-                                  <p:stCondLst>
-                                    <p:cond delay="0"/>
-                                  </p:stCondLst>
-                                  <p:childTnLst>
-                                    <p:set>
-                                      <p:cBhvr>
-                                        <p:cTn id="14" dur="1" fill="hold">
-                                          <p:stCondLst>
-                                            <p:cond delay="0"/>
-                                          </p:stCondLst>
-                                        </p:cTn>
-                                        <p:tgtEl>
-                                          <p:spTgt spid="3">
-                                            <p:txEl>
-                                              <p:pRg st="3" end="3"/>
-                                            </p:txEl>
-                                          </p:spTgt>
-                                        </p:tgtEl>
-                                        <p:attrNameLst>
-                                          <p:attrName>style.visibility</p:attrName>
-                                        </p:attrNameLst>
-                                      </p:cBhvr>
-                                      <p:to>
-                                        <p:strVal val="visible"/>
-                                      </p:to>
-                                    </p:set>
-                                    <p:animEffect transition="in" filter="fade">
-                                      <p:cBhvr>
-                                        <p:cTn id="15" dur="500"/>
-                                        <p:tgtEl>
-                                          <p:spTgt spid="3">
-                                            <p:txEl>
-                                              <p:pRg st="3" end="3"/>
-                                            </p:txEl>
-                                          </p:spTgt>
-                                        </p:tgtEl>
-                                      </p:cBhvr>
-                                    </p:animEffect>
-                                  </p:childTnLst>
-                                </p:cTn>
-                              </p:par>
-                              <p:par>
-                                <p:cTn id="16" presetID="10" presetClass="entr" presetSubtype="0" fill="hold" grpId="0" nodeType="withEffect">
-                                  <p:stCondLst>
-                                    <p:cond delay="0"/>
-                                  </p:stCondLst>
-                                  <p:childTnLst>
-                                    <p:set>
-                                      <p:cBhvr>
-                                        <p:cTn id="17" dur="1" fill="hold">
-                                          <p:stCondLst>
-                                            <p:cond delay="0"/>
-                                          </p:stCondLst>
-                                        </p:cTn>
-                                        <p:tgtEl>
-                                          <p:spTgt spid="3">
-                                            <p:txEl>
-                                              <p:pRg st="4" end="4"/>
-                                            </p:txEl>
-                                          </p:spTgt>
-                                        </p:tgtEl>
-                                        <p:attrNameLst>
-                                          <p:attrName>style.visibility</p:attrName>
-                                        </p:attrNameLst>
-                                      </p:cBhvr>
-                                      <p:to>
-                                        <p:strVal val="visible"/>
-                                      </p:to>
-                                    </p:set>
-                                    <p:animEffect transition="in" filter="fade">
-                                      <p:cBhvr>
-                                        <p:cTn id="18" dur="500"/>
-                                        <p:tgtEl>
-                                          <p:spTgt spid="3">
-                                            <p:txEl>
-                                              <p:pRg st="4" end="4"/>
-                                            </p:txEl>
-                                          </p:spTgt>
-                                        </p:tgtEl>
-                                      </p:cBhvr>
-                                    </p:animEffect>
-                                  </p:childTnLst>
-                                </p:cTn>
-                              </p:par>
-                              <p:par>
-                                <p:cTn id="19" presetID="10" presetClass="entr" presetSubtype="0" fill="hold" nodeType="withEffect">
-                                  <p:stCondLst>
-                                    <p:cond delay="0"/>
-                                  </p:stCondLst>
-                                  <p:childTnLst>
-                                    <p:set>
-                                      <p:cBhvr>
-                                        <p:cTn id="20" dur="1" fill="hold">
-                                          <p:stCondLst>
-                                            <p:cond delay="0"/>
-                                          </p:stCondLst>
-                                        </p:cTn>
-                                        <p:tgtEl>
-                                          <p:spTgt spid="2052"/>
-                                        </p:tgtEl>
-                                        <p:attrNameLst>
-                                          <p:attrName>style.visibility</p:attrName>
-                                        </p:attrNameLst>
-                                      </p:cBhvr>
-                                      <p:to>
-                                        <p:strVal val="visible"/>
-                                      </p:to>
-                                    </p:set>
-                                    <p:animEffect transition="in" filter="fade">
-                                      <p:cBhvr>
-                                        <p:cTn id="21" dur="500"/>
-                                        <p:tgtEl>
-                                          <p:spTgt spid="2052"/>
-                                        </p:tgtEl>
-                                      </p:cBhvr>
-                                    </p:animEffect>
-                                  </p:childTnLst>
-                                </p:cTn>
-                              </p:par>
-                            </p:childTnLst>
-                          </p:cTn>
-                        </p:par>
-                      </p:childTnLst>
-                    </p:cTn>
-                  </p:par>
-                </p:childTnLst>
-              </p:cTn>
-              <p:prevCondLst>
-                <p:cond evt="onPrev" delay="0">
-                  <p:tgtEl>
-                    <p:sldTgt/>
-                  </p:tgtEl>
-                </p:cond>
-              </p:prevCondLst>
-              <p:nextCondLst>
-                <p:cond evt="onNext" delay="0">
-                  <p:tgtEl>
-                    <p:sldTgt/>
-                  </p:tgtEl>
-                </p:cond>
-              </p:nextCondLst>
-            </p:seq>
-          </p:childTnLst>
-        </p:cTn>
-      </p:par>
-    </p:tnLst>
-    <p:bldLst>
-      <p:bldP spid="3" grpId="0" uiExpand="1" build="p"/>
-    </p:bldLst>
-  </p:timing>
-</p:sld>
-</file>
-
-<file path=ppt/slides/slide8.xml><?xml version="1.0" encoding="utf-8"?>
-<p:sld xmlns:a="http://schemas.openxmlformats.org/drawingml/2006/main" xmlns:r="http://schemas.openxmlformats.org/officeDocument/2006/relationships" xmlns:p="http://schemas.openxmlformats.org/presentationml/2006/main">
-  <p:cSld>
-    <p:spTree>
-      <p:nvGrpSpPr>
-        <p:cNvPr id="1" name=""/>
-        <p:cNvGrpSpPr/>
-        <p:nvPr/>
-      </p:nvGrpSpPr>
-      <p:grpSpPr>
-        <a:xfrm>
-          <a:off x="0" y="0"/>
-          <a:ext cx="0" cy="0"/>
-          <a:chOff x="0" y="0"/>
-          <a:chExt cx="0" cy="0"/>
-        </a:xfrm>
-      </p:grpSpPr>
-      <p:sp>
-        <p:nvSpPr>
-          <p:cNvPr id="2" name="Title 1">
-            <a:extLst>
-              <a:ext uri="{FF2B5EF4-FFF2-40B4-BE49-F238E27FC236}">
-                <a16:creationId xmlns:a16="http://schemas.microsoft.com/office/drawing/2014/main" id="{2DCD5728-5DCE-45D5-AC0C-0A2F46F14A73}"/>
-              </a:ext>
-            </a:extLst>
-          </p:cNvPr>
-          <p:cNvSpPr>
-            <a:spLocks noGrp="1"/>
-          </p:cNvSpPr>
-          <p:nvPr>
-            <p:ph type="title"/>
-          </p:nvPr>
-        </p:nvSpPr>
-        <p:spPr/>
-        <p:txBody>
-          <a:bodyPr/>
-          <a:lstStyle/>
-          <a:p>
-            <a:r>
-              <a:rPr lang="en-US" dirty="0"/>
-              <a:t>HTML </a:t>
-            </a:r>
-            <a:r>
-              <a:rPr lang="en-US" dirty="0" err="1"/>
-              <a:t>ElementS</a:t>
-            </a:r>
-            <a:endParaRPr lang="en-US" dirty="0"/>
-          </a:p>
-        </p:txBody>
-      </p:sp>
-      <p:sp>
-        <p:nvSpPr>
-          <p:cNvPr id="3" name="Content Placeholder 2">
-            <a:extLst>
-              <a:ext uri="{FF2B5EF4-FFF2-40B4-BE49-F238E27FC236}">
-                <a16:creationId xmlns:a16="http://schemas.microsoft.com/office/drawing/2014/main" id="{8702A13E-67FE-4FA1-A6EA-83255D7078AE}"/>
-              </a:ext>
-            </a:extLst>
-          </p:cNvPr>
-          <p:cNvSpPr>
-            <a:spLocks noGrp="1"/>
-          </p:cNvSpPr>
-          <p:nvPr>
-            <p:ph idx="1"/>
-          </p:nvPr>
-        </p:nvSpPr>
-        <p:spPr/>
-        <p:txBody>
-          <a:bodyPr>
-            <a:normAutofit/>
-          </a:bodyPr>
-          <a:lstStyle/>
-          <a:p>
-            <a:pPr marL="57150" indent="0">
-              <a:buNone/>
-            </a:pPr>
-            <a:r>
-              <a:rPr lang="en-US" sz="6000" b="1" dirty="0">
-                <a:solidFill>
-                  <a:schemeClr val="accent1">
-                    <a:lumMod val="75000"/>
-                  </a:schemeClr>
-                </a:solidFill>
-                <a:latin typeface="Consolas" panose="020B0609020204030204" pitchFamily="49" charset="0"/>
-              </a:rPr>
-              <a:t>html</a:t>
-            </a:r>
-            <a:r>
-              <a:rPr lang="en-US" sz="6000" dirty="0"/>
-              <a:t> – </a:t>
-            </a:r>
-            <a:r>
-              <a:rPr lang="en-US" sz="5400" dirty="0"/>
-              <a:t>container for everything</a:t>
-            </a:r>
-            <a:endParaRPr lang="en-US" sz="5400" dirty="0">
-              <a:latin typeface="Consolas" panose="020B0609020204030204" pitchFamily="49" charset="0"/>
-            </a:endParaRPr>
-          </a:p>
-          <a:p>
-            <a:pPr marL="57150" indent="0">
-              <a:buNone/>
-            </a:pPr>
-            <a:r>
-              <a:rPr lang="en-US" sz="6000" b="1" dirty="0">
-                <a:solidFill>
-                  <a:schemeClr val="accent1">
-                    <a:lumMod val="75000"/>
-                  </a:schemeClr>
-                </a:solidFill>
-                <a:latin typeface="Consolas" panose="020B0609020204030204" pitchFamily="49" charset="0"/>
-              </a:rPr>
-              <a:t>body</a:t>
-            </a:r>
-            <a:r>
-              <a:rPr lang="en-US" sz="6000" dirty="0"/>
-              <a:t> – </a:t>
-            </a:r>
-            <a:r>
-              <a:rPr lang="en-US" sz="5400" dirty="0"/>
-              <a:t>container visible elements</a:t>
-            </a:r>
-            <a:endParaRPr lang="en-US" sz="5400" dirty="0">
-              <a:latin typeface="Consolas" panose="020B0609020204030204" pitchFamily="49" charset="0"/>
-            </a:endParaRPr>
-          </a:p>
-          <a:p>
-            <a:pPr marL="57150" indent="0">
-              <a:buNone/>
-            </a:pPr>
-            <a:r>
-              <a:rPr lang="en-US" sz="6000" b="1" dirty="0">
-                <a:solidFill>
-                  <a:schemeClr val="accent1">
-                    <a:lumMod val="75000"/>
-                  </a:schemeClr>
-                </a:solidFill>
-                <a:latin typeface="Consolas" panose="020B0609020204030204" pitchFamily="49" charset="0"/>
-              </a:rPr>
-              <a:t>p</a:t>
-            </a:r>
-            <a:r>
-              <a:rPr lang="en-US" sz="6000" dirty="0"/>
-              <a:t> – </a:t>
-            </a:r>
-            <a:r>
-              <a:rPr lang="en-US" sz="5200" dirty="0"/>
-              <a:t>(paragraph) </a:t>
-            </a:r>
-            <a:r>
-              <a:rPr lang="en-US" sz="5400" dirty="0"/>
-              <a:t>used for normal text</a:t>
-            </a:r>
-            <a:endParaRPr lang="en-US" sz="5400" dirty="0">
-              <a:latin typeface="Consolas" panose="020B0609020204030204" pitchFamily="49" charset="0"/>
-            </a:endParaRPr>
-          </a:p>
-          <a:p>
-            <a:pPr marL="57150" indent="0">
-              <a:buNone/>
-            </a:pPr>
-            <a:r>
-              <a:rPr lang="en-US" sz="6000" b="1" dirty="0">
-                <a:solidFill>
-                  <a:schemeClr val="accent1">
-                    <a:lumMod val="75000"/>
-                  </a:schemeClr>
-                </a:solidFill>
-                <a:latin typeface="Consolas" panose="020B0609020204030204" pitchFamily="49" charset="0"/>
-              </a:rPr>
-              <a:t>h1</a:t>
-            </a:r>
-            <a:r>
-              <a:rPr lang="en-US" sz="6000" dirty="0">
-                <a:latin typeface="Consolas" panose="020B0609020204030204" pitchFamily="49" charset="0"/>
-              </a:rPr>
-              <a:t>-</a:t>
-            </a:r>
-            <a:r>
-              <a:rPr lang="en-US" sz="6000" b="1" dirty="0">
-                <a:solidFill>
-                  <a:schemeClr val="accent1">
-                    <a:lumMod val="75000"/>
-                  </a:schemeClr>
-                </a:solidFill>
-                <a:latin typeface="Consolas" panose="020B0609020204030204" pitchFamily="49" charset="0"/>
-              </a:rPr>
-              <a:t>h6</a:t>
-            </a:r>
-            <a:r>
-              <a:rPr lang="en-US" sz="6000" dirty="0"/>
-              <a:t> – </a:t>
-            </a:r>
-            <a:r>
-              <a:rPr lang="en-US" sz="5400" dirty="0"/>
-              <a:t>headers of different size</a:t>
-            </a:r>
-            <a:endParaRPr lang="en-US" sz="5400" dirty="0">
-              <a:latin typeface="Consolas" panose="020B0609020204030204" pitchFamily="49" charset="0"/>
-            </a:endParaRPr>
-          </a:p>
-          <a:p>
-            <a:pPr marL="57150" indent="0">
-              <a:buNone/>
-            </a:pPr>
-            <a:r>
-              <a:rPr lang="en-US" sz="6000" b="1" dirty="0" err="1">
-                <a:solidFill>
-                  <a:schemeClr val="accent1">
-                    <a:lumMod val="75000"/>
-                  </a:schemeClr>
-                </a:solidFill>
-                <a:latin typeface="Consolas" panose="020B0609020204030204" pitchFamily="49" charset="0"/>
-              </a:rPr>
-              <a:t>img</a:t>
-            </a:r>
-            <a:r>
-              <a:rPr lang="en-US" sz="6000" dirty="0"/>
-              <a:t> – </a:t>
-            </a:r>
-            <a:r>
-              <a:rPr lang="en-US" sz="5400" dirty="0"/>
-              <a:t>image</a:t>
-            </a:r>
-            <a:endParaRPr lang="en-US" sz="6000" dirty="0">
-              <a:latin typeface="Consolas" panose="020B0609020204030204" pitchFamily="49" charset="0"/>
-            </a:endParaRPr>
-          </a:p>
-        </p:txBody>
-      </p:sp>
-    </p:spTree>
-    <p:extLst>
-      <p:ext uri="{BB962C8B-B14F-4D97-AF65-F5344CB8AC3E}">
-        <p14:creationId xmlns:p14="http://schemas.microsoft.com/office/powerpoint/2010/main" val="819152679"/>
-      </p:ext>
-    </p:extLst>
-  </p:cSld>
-  <p:clrMapOvr>
-    <a:masterClrMapping/>
-  </p:clrMapOvr>
-  <p:transition>
-    <p:fade/>
-  </p:transition>
-  <p:timing>
-    <p:tnLst>
-      <p:par>
-        <p:cTn id="1" dur="indefinite" restart="never" nodeType="tmRoot">
-          <p:childTnLst>
-            <p:seq concurrent="1" nextAc="seek">
-              <p:cTn id="2" dur="indefinite" nodeType="mainSeq">
-                <p:childTnLst>
-                  <p:par>
-                    <p:cTn id="3" fill="hold">
-                      <p:stCondLst>
-                        <p:cond delay="indefinite"/>
-                      </p:stCondLst>
-                      <p:childTnLst>
-                        <p:par>
-                          <p:cTn id="4" fill="hold">
-                            <p:stCondLst>
-                              <p:cond delay="0"/>
-                            </p:stCondLst>
-                            <p:childTnLst>
-                              <p:par>
-                                <p:cTn id="5" presetID="10" presetClass="entr" presetSubtype="0" fill="hold" nodeType="clickEffect">
-                                  <p:stCondLst>
-                                    <p:cond delay="0"/>
-                                  </p:stCondLst>
-                                  <p:childTnLst>
-                                    <p:set>
-                                      <p:cBhvr>
-                                        <p:cTn id="6" dur="1" fill="hold">
-                                          <p:stCondLst>
-                                            <p:cond delay="0"/>
-                                          </p:stCondLst>
-                                        </p:cTn>
-                                        <p:tgtEl>
-                                          <p:spTgt spid="3">
-                                            <p:txEl>
-                                              <p:pRg st="0" end="0"/>
-                                            </p:txEl>
-                                          </p:spTgt>
-                                        </p:tgtEl>
-                                        <p:attrNameLst>
-                                          <p:attrName>style.visibility</p:attrName>
-                                        </p:attrNameLst>
-                                      </p:cBhvr>
-                                      <p:to>
-                                        <p:strVal val="visible"/>
-                                      </p:to>
-                                    </p:set>
-                                    <p:animEffect transition="in" filter="fade">
-                                      <p:cBhvr>
-                                        <p:cTn id="7" dur="500"/>
-                                        <p:tgtEl>
-                                          <p:spTgt spid="3">
-                                            <p:txEl>
-                                              <p:pRg st="0" end="0"/>
-                                            </p:txEl>
-                                          </p:spTgt>
-                                        </p:tgtEl>
-                                      </p:cBhvr>
-                                    </p:animEffect>
-                                  </p:childTnLst>
-                                </p:cTn>
-                              </p:par>
-                            </p:childTnLst>
-                          </p:cTn>
-                        </p:par>
-                      </p:childTnLst>
-                    </p:cTn>
-                  </p:par>
-                  <p:par>
-                    <p:cTn id="8" fill="hold">
-                      <p:stCondLst>
-                        <p:cond delay="indefinite"/>
-                      </p:stCondLst>
-                      <p:childTnLst>
-                        <p:par>
-                          <p:cTn id="9" fill="hold">
-                            <p:stCondLst>
-                              <p:cond delay="0"/>
-                            </p:stCondLst>
-                            <p:childTnLst>
-                              <p:par>
-                                <p:cTn id="10" presetID="10" presetClass="entr" presetSubtype="0" fill="hold" nodeType="clickEffect">
-                                  <p:stCondLst>
-                                    <p:cond delay="0"/>
-                                  </p:stCondLst>
-                                  <p:childTnLst>
-                                    <p:set>
-                                      <p:cBhvr>
-                                        <p:cTn id="11" dur="1" fill="hold">
-                                          <p:stCondLst>
-                                            <p:cond delay="0"/>
-                                          </p:stCondLst>
-                                        </p:cTn>
-                                        <p:tgtEl>
-                                          <p:spTgt spid="3">
-                                            <p:txEl>
-                                              <p:pRg st="1" end="1"/>
-                                            </p:txEl>
-                                          </p:spTgt>
-                                        </p:tgtEl>
-                                        <p:attrNameLst>
-                                          <p:attrName>style.visibility</p:attrName>
-                                        </p:attrNameLst>
-                                      </p:cBhvr>
-                                      <p:to>
-                                        <p:strVal val="visible"/>
-                                      </p:to>
-                                    </p:set>
-                                    <p:animEffect transition="in" filter="fade">
-                                      <p:cBhvr>
-                                        <p:cTn id="12" dur="500"/>
-                                        <p:tgtEl>
-                                          <p:spTgt spid="3">
-                                            <p:txEl>
-                                              <p:pRg st="1" end="1"/>
-                                            </p:txEl>
-                                          </p:spTgt>
-                                        </p:tgtEl>
-                                      </p:cBhvr>
-                                    </p:animEffect>
-                                  </p:childTnLst>
-                                </p:cTn>
-                              </p:par>
-                            </p:childTnLst>
-                          </p:cTn>
-                        </p:par>
-                      </p:childTnLst>
-                    </p:cTn>
-                  </p:par>
-                  <p:par>
-                    <p:cTn id="13" fill="hold">
-                      <p:stCondLst>
-                        <p:cond delay="indefinite"/>
-                      </p:stCondLst>
-                      <p:childTnLst>
-                        <p:par>
-                          <p:cTn id="14" fill="hold">
-                            <p:stCondLst>
-                              <p:cond delay="0"/>
-                            </p:stCondLst>
-                            <p:childTnLst>
-                              <p:par>
-                                <p:cTn id="15" presetID="10" presetClass="entr" presetSubtype="0" fill="hold" nodeType="clickEffect">
-                                  <p:stCondLst>
-                                    <p:cond delay="0"/>
-                                  </p:stCondLst>
-                                  <p:childTnLst>
-                                    <p:set>
-                                      <p:cBhvr>
-                                        <p:cTn id="16" dur="1" fill="hold">
-                                          <p:stCondLst>
-                                            <p:cond delay="0"/>
-                                          </p:stCondLst>
-                                        </p:cTn>
-                                        <p:tgtEl>
-                                          <p:spTgt spid="3">
-                                            <p:txEl>
-                                              <p:pRg st="2" end="2"/>
-                                            </p:txEl>
-                                          </p:spTgt>
-                                        </p:tgtEl>
-                                        <p:attrNameLst>
-                                          <p:attrName>style.visibility</p:attrName>
-                                        </p:attrNameLst>
-                                      </p:cBhvr>
-                                      <p:to>
-                                        <p:strVal val="visible"/>
-                                      </p:to>
-                                    </p:set>
-                                    <p:animEffect transition="in" filter="fade">
-                                      <p:cBhvr>
-                                        <p:cTn id="17" dur="500"/>
-                                        <p:tgtEl>
-                                          <p:spTgt spid="3">
-                                            <p:txEl>
-                                              <p:pRg st="2" end="2"/>
-                                            </p:txEl>
-                                          </p:spTgt>
-                                        </p:tgtEl>
-                                      </p:cBhvr>
-                                    </p:animEffect>
-                                  </p:childTnLst>
-                                </p:cTn>
-                              </p:par>
-                            </p:childTnLst>
-                          </p:cTn>
-                        </p:par>
-                      </p:childTnLst>
-                    </p:cTn>
-                  </p:par>
-                  <p:par>
-                    <p:cTn id="18" fill="hold">
-                      <p:stCondLst>
-                        <p:cond delay="indefinite"/>
-                      </p:stCondLst>
-                      <p:childTnLst>
-                        <p:par>
-                          <p:cTn id="19" fill="hold">
-                            <p:stCondLst>
-                              <p:cond delay="0"/>
-                            </p:stCondLst>
-                            <p:childTnLst>
-                              <p:par>
-                                <p:cTn id="20" presetID="10" presetClass="entr" presetSubtype="0" fill="hold" nodeType="clickEffect">
-                                  <p:stCondLst>
-                                    <p:cond delay="0"/>
-                                  </p:stCondLst>
-                                  <p:childTnLst>
-                                    <p:set>
-                                      <p:cBhvr>
-                                        <p:cTn id="21" dur="1" fill="hold">
-                                          <p:stCondLst>
-                                            <p:cond delay="0"/>
-                                          </p:stCondLst>
-                                        </p:cTn>
-                                        <p:tgtEl>
-                                          <p:spTgt spid="3">
-                                            <p:txEl>
-                                              <p:pRg st="3" end="3"/>
-                                            </p:txEl>
-                                          </p:spTgt>
-                                        </p:tgtEl>
-                                        <p:attrNameLst>
-                                          <p:attrName>style.visibility</p:attrName>
-                                        </p:attrNameLst>
-                                      </p:cBhvr>
-                                      <p:to>
-                                        <p:strVal val="visible"/>
-                                      </p:to>
-                                    </p:set>
-                                    <p:animEffect transition="in" filter="fade">
-                                      <p:cBhvr>
-                                        <p:cTn id="22" dur="500"/>
-                                        <p:tgtEl>
-                                          <p:spTgt spid="3">
-                                            <p:txEl>
-                                              <p:pRg st="3" end="3"/>
-                                            </p:txEl>
-                                          </p:spTgt>
-                                        </p:tgtEl>
-                                      </p:cBhvr>
-                                    </p:animEffect>
-                                  </p:childTnLst>
-                                </p:cTn>
-                              </p:par>
-                            </p:childTnLst>
-                          </p:cTn>
-                        </p:par>
-                      </p:childTnLst>
-                    </p:cTn>
-                  </p:par>
-                  <p:par>
-                    <p:cTn id="23" fill="hold">
-                      <p:stCondLst>
-                        <p:cond delay="indefinite"/>
-                      </p:stCondLst>
-                      <p:childTnLst>
-                        <p:par>
-                          <p:cTn id="24" fill="hold">
-                            <p:stCondLst>
-                              <p:cond delay="0"/>
-                            </p:stCondLst>
-                            <p:childTnLst>
-                              <p:par>
-                                <p:cTn id="25" presetID="10" presetClass="entr" presetSubtype="0" fill="hold" nodeType="clickEffect">
-                                  <p:stCondLst>
-                                    <p:cond delay="0"/>
-                                  </p:stCondLst>
-                                  <p:childTnLst>
-                                    <p:set>
-                                      <p:cBhvr>
-                                        <p:cTn id="26" dur="1" fill="hold">
-                                          <p:stCondLst>
-                                            <p:cond delay="0"/>
-                                          </p:stCondLst>
-                                        </p:cTn>
-                                        <p:tgtEl>
-                                          <p:spTgt spid="3">
-                                            <p:txEl>
-                                              <p:pRg st="4" end="4"/>
-                                            </p:txEl>
-                                          </p:spTgt>
-                                        </p:tgtEl>
-                                        <p:attrNameLst>
-                                          <p:attrName>style.visibility</p:attrName>
-                                        </p:attrNameLst>
-                                      </p:cBhvr>
-                                      <p:to>
-                                        <p:strVal val="visible"/>
-                                      </p:to>
-                                    </p:set>
-                                    <p:animEffect transition="in" filter="fade">
-                                      <p:cBhvr>
-                                        <p:cTn id="27" dur="500"/>
-                                        <p:tgtEl>
-                                          <p:spTgt spid="3">
-                                            <p:txEl>
-                                              <p:pRg st="4" end="4"/>
-                                            </p:txEl>
-                                          </p:spTgt>
-                                        </p:tgtEl>
-                                      </p:cBhvr>
-                                    </p:animEffect>
-                                  </p:childTnLst>
-                                </p:cTn>
-                              </p:par>
-                            </p:childTnLst>
-                          </p:cTn>
-                        </p:par>
-                      </p:childTnLst>
-                    </p:cTn>
-                  </p:par>
-                </p:childTnLst>
-              </p:cTn>
-              <p:prevCondLst>
-                <p:cond evt="onPrev" delay="0">
-                  <p:tgtEl>
-                    <p:sldTgt/>
-                  </p:tgtEl>
-                </p:cond>
-              </p:prevCondLst>
-              <p:nextCondLst>
-                <p:cond evt="onNext" delay="0">
-                  <p:tgtEl>
-                    <p:sldTgt/>
-                  </p:tgtEl>
-                </p:cond>
-              </p:nextCondLst>
-            </p:seq>
-          </p:childTnLst>
-        </p:cTn>
-      </p:par>
-    </p:tnLst>
-  </p:timing>
-</p:sld>
-</file>
-
-<file path=ppt/slides/slide9.xml><?xml version="1.0" encoding="utf-8"?>
-<p:sld xmlns:a="http://schemas.openxmlformats.org/drawingml/2006/main" xmlns:r="http://schemas.openxmlformats.org/officeDocument/2006/relationships" xmlns:p="http://schemas.openxmlformats.org/presentationml/2006/main">
-  <p:cSld>
-    <p:spTree>
-      <p:nvGrpSpPr>
-        <p:cNvPr id="1" name=""/>
-        <p:cNvGrpSpPr/>
-        <p:nvPr/>
-      </p:nvGrpSpPr>
-      <p:grpSpPr>
-        <a:xfrm>
-          <a:off x="0" y="0"/>
-          <a:ext cx="0" cy="0"/>
-          <a:chOff x="0" y="0"/>
-          <a:chExt cx="0" cy="0"/>
-        </a:xfrm>
-      </p:grpSpPr>
-      <p:sp>
-        <p:nvSpPr>
-          <p:cNvPr id="2" name="Title 1">
-            <a:extLst>
-              <a:ext uri="{FF2B5EF4-FFF2-40B4-BE49-F238E27FC236}">
-                <a16:creationId xmlns:a16="http://schemas.microsoft.com/office/drawing/2014/main" id="{724B590B-F8A9-473F-98F4-147150BD78DE}"/>
-              </a:ext>
-            </a:extLst>
-          </p:cNvPr>
-          <p:cNvSpPr>
-            <a:spLocks noGrp="1"/>
-          </p:cNvSpPr>
-          <p:nvPr>
-            <p:ph type="title"/>
-          </p:nvPr>
-        </p:nvSpPr>
-        <p:spPr/>
-        <p:txBody>
-          <a:bodyPr/>
-          <a:lstStyle/>
-          <a:p>
-            <a:r>
-              <a:rPr lang="en-US" dirty="0"/>
-              <a:t>What are these?</a:t>
-            </a:r>
-          </a:p>
-        </p:txBody>
-      </p:sp>
-      <p:sp>
-        <p:nvSpPr>
-          <p:cNvPr id="3" name="Content Placeholder 2">
-            <a:extLst>
-              <a:ext uri="{FF2B5EF4-FFF2-40B4-BE49-F238E27FC236}">
-                <a16:creationId xmlns:a16="http://schemas.microsoft.com/office/drawing/2014/main" id="{6AE26C5C-FC3A-412F-AEFE-1420E2335709}"/>
-              </a:ext>
-            </a:extLst>
-          </p:cNvPr>
-          <p:cNvSpPr>
-            <a:spLocks noGrp="1"/>
-          </p:cNvSpPr>
-          <p:nvPr>
-            <p:ph idx="1"/>
-          </p:nvPr>
-        </p:nvSpPr>
-        <p:spPr/>
-        <p:txBody>
-          <a:bodyPr anchor="ctr">
-            <a:normAutofit/>
-          </a:bodyPr>
-          <a:lstStyle/>
-          <a:p>
-            <a:pPr marL="57150" indent="0" algn="ctr">
-              <a:buNone/>
-            </a:pPr>
-            <a:r>
-              <a:rPr lang="en-US" sz="19900" b="1" dirty="0">
-                <a:latin typeface="Consolas" panose="020B0609020204030204" pitchFamily="49" charset="0"/>
-              </a:rPr>
-              <a:t>&lt; &gt;</a:t>
-            </a:r>
-            <a:endParaRPr lang="en-US" sz="1800" b="1" dirty="0">
-              <a:latin typeface="Consolas" panose="020B0609020204030204" pitchFamily="49" charset="0"/>
-            </a:endParaRPr>
-          </a:p>
-        </p:txBody>
-      </p:sp>
-      <p:sp>
-        <p:nvSpPr>
-          <p:cNvPr id="4" name="TextBox 3">
-            <a:extLst>
-              <a:ext uri="{FF2B5EF4-FFF2-40B4-BE49-F238E27FC236}">
-                <a16:creationId xmlns:a16="http://schemas.microsoft.com/office/drawing/2014/main" id="{70D52820-953E-4EFE-9DF1-16F73A58CCA2}"/>
-              </a:ext>
-            </a:extLst>
-          </p:cNvPr>
-          <p:cNvSpPr txBox="1"/>
-          <p:nvPr/>
-        </p:nvSpPr>
-        <p:spPr>
-          <a:xfrm>
-            <a:off x="1892407" y="5143498"/>
-            <a:ext cx="3791744" cy="849463"/>
-          </a:xfrm>
-          <a:prstGeom prst="rect">
-            <a:avLst/>
-          </a:prstGeom>
-          <a:solidFill>
-            <a:schemeClr val="accent2">
-              <a:lumMod val="20000"/>
-              <a:lumOff val="80000"/>
-            </a:schemeClr>
-          </a:solidFill>
-          <a:ln w="19050">
-            <a:solidFill>
-              <a:schemeClr val="accent2"/>
-            </a:solidFill>
-          </a:ln>
-        </p:spPr>
-        <p:txBody>
-          <a:bodyPr wrap="none" lIns="182880" tIns="146304" rIns="182880" bIns="146304" rtlCol="0">
-            <a:spAutoFit/>
-          </a:bodyPr>
-          <a:lstStyle/>
-          <a:p>
-            <a:pPr>
-              <a:lnSpc>
-                <a:spcPct val="90000"/>
-              </a:lnSpc>
-              <a:spcAft>
-                <a:spcPts val="600"/>
-              </a:spcAft>
-            </a:pPr>
-            <a:r>
-              <a:rPr lang="en-US" sz="4000" dirty="0">
-                <a:gradFill>
-                  <a:gsLst>
-                    <a:gs pos="2917">
-                      <a:schemeClr val="tx1"/>
-                    </a:gs>
-                    <a:gs pos="30000">
-                      <a:schemeClr val="tx1"/>
-                    </a:gs>
-                  </a:gsLst>
-                  <a:lin ang="5400000" scaled="0"/>
-                </a:gradFill>
-              </a:rPr>
-              <a:t>Less-than Sign</a:t>
-            </a:r>
-          </a:p>
-        </p:txBody>
-      </p:sp>
-      <p:sp>
-        <p:nvSpPr>
-          <p:cNvPr id="5" name="TextBox 4">
-            <a:extLst>
-              <a:ext uri="{FF2B5EF4-FFF2-40B4-BE49-F238E27FC236}">
-                <a16:creationId xmlns:a16="http://schemas.microsoft.com/office/drawing/2014/main" id="{2264245D-99AD-4C0B-969F-5B05D68B7C91}"/>
-              </a:ext>
-            </a:extLst>
-          </p:cNvPr>
-          <p:cNvSpPr txBox="1"/>
-          <p:nvPr/>
-        </p:nvSpPr>
-        <p:spPr>
-          <a:xfrm>
-            <a:off x="6506193" y="5143499"/>
-            <a:ext cx="4448975" cy="849463"/>
-          </a:xfrm>
-          <a:prstGeom prst="rect">
-            <a:avLst/>
-          </a:prstGeom>
-          <a:solidFill>
-            <a:schemeClr val="accent2">
-              <a:lumMod val="20000"/>
-              <a:lumOff val="80000"/>
-            </a:schemeClr>
-          </a:solidFill>
-          <a:ln w="19050">
-            <a:solidFill>
-              <a:schemeClr val="accent2"/>
-            </a:solidFill>
-          </a:ln>
-        </p:spPr>
-        <p:txBody>
-          <a:bodyPr wrap="none" lIns="182880" tIns="146304" rIns="182880" bIns="146304" rtlCol="0">
-            <a:spAutoFit/>
-          </a:bodyPr>
-          <a:lstStyle/>
-          <a:p>
-            <a:pPr>
-              <a:lnSpc>
-                <a:spcPct val="90000"/>
-              </a:lnSpc>
-              <a:spcAft>
-                <a:spcPts val="600"/>
-              </a:spcAft>
-            </a:pPr>
-            <a:r>
-              <a:rPr lang="en-US" sz="4000" dirty="0">
-                <a:gradFill>
-                  <a:gsLst>
-                    <a:gs pos="2917">
-                      <a:schemeClr val="tx1"/>
-                    </a:gs>
-                    <a:gs pos="30000">
-                      <a:schemeClr val="tx1"/>
-                    </a:gs>
-                  </a:gsLst>
-                  <a:lin ang="5400000" scaled="0"/>
-                </a:gradFill>
-              </a:rPr>
-              <a:t>Greater-than Sign</a:t>
-            </a:r>
-          </a:p>
-        </p:txBody>
-      </p:sp>
-      <p:sp>
-        <p:nvSpPr>
-          <p:cNvPr id="6" name="TextBox 5">
-            <a:extLst>
-              <a:ext uri="{FF2B5EF4-FFF2-40B4-BE49-F238E27FC236}">
-                <a16:creationId xmlns:a16="http://schemas.microsoft.com/office/drawing/2014/main" id="{25F7A2A0-F390-4DCB-B8BA-FC4D94269D34}"/>
-              </a:ext>
-            </a:extLst>
-          </p:cNvPr>
-          <p:cNvSpPr txBox="1"/>
-          <p:nvPr/>
-        </p:nvSpPr>
-        <p:spPr>
-          <a:xfrm>
-            <a:off x="3352800" y="1473434"/>
-            <a:ext cx="5543825" cy="1126462"/>
-          </a:xfrm>
-          <a:prstGeom prst="rect">
-            <a:avLst/>
-          </a:prstGeom>
-          <a:solidFill>
-            <a:schemeClr val="accent1">
-              <a:lumMod val="20000"/>
-              <a:lumOff val="80000"/>
-            </a:schemeClr>
-          </a:solidFill>
-          <a:ln w="19050">
-            <a:solidFill>
-              <a:schemeClr val="accent1"/>
-            </a:solidFill>
-          </a:ln>
-        </p:spPr>
-        <p:txBody>
-          <a:bodyPr wrap="none" lIns="182880" tIns="146304" rIns="182880" bIns="146304" rtlCol="0">
-            <a:spAutoFit/>
-          </a:bodyPr>
-          <a:lstStyle/>
-          <a:p>
-            <a:pPr>
-              <a:lnSpc>
-                <a:spcPct val="90000"/>
-              </a:lnSpc>
-              <a:spcAft>
-                <a:spcPts val="600"/>
-              </a:spcAft>
-            </a:pPr>
-            <a:r>
-              <a:rPr lang="en-US" sz="6000" dirty="0">
-                <a:gradFill>
-                  <a:gsLst>
-                    <a:gs pos="2917">
-                      <a:schemeClr val="tx1"/>
-                    </a:gs>
-                    <a:gs pos="30000">
-                      <a:schemeClr val="tx1"/>
-                    </a:gs>
-                  </a:gsLst>
-                  <a:lin ang="5400000" scaled="0"/>
-                </a:gradFill>
-              </a:rPr>
-              <a:t>Angle Brackets</a:t>
-            </a:r>
-          </a:p>
-        </p:txBody>
-      </p:sp>
-    </p:spTree>
-    <p:extLst>
-      <p:ext uri="{BB962C8B-B14F-4D97-AF65-F5344CB8AC3E}">
-        <p14:creationId xmlns:p14="http://schemas.microsoft.com/office/powerpoint/2010/main" val="1236349874"/>
-      </p:ext>
-    </p:extLst>
-  </p:cSld>
-  <p:clrMapOvr>
-    <a:masterClrMapping/>
-  </p:clrMapOvr>
-  <p:transition>
-    <p:fade/>
-  </p:transition>
-  <p:timing>
-    <p:tnLst>
-      <p:par>
-        <p:cTn id="1" dur="indefinite" restart="never" nodeType="tmRoot">
-          <p:childTnLst>
-            <p:seq concurrent="1" nextAc="seek">
-              <p:cTn id="2" dur="indefinite" nodeType="mainSeq">
-                <p:childTnLst>
-                  <p:par>
-                    <p:cTn id="3" fill="hold">
-                      <p:stCondLst>
-                        <p:cond delay="indefinite"/>
-                      </p:stCondLst>
-                      <p:childTnLst>
-                        <p:par>
-                          <p:cTn id="4" fill="hold">
-                            <p:stCondLst>
-                              <p:cond delay="0"/>
-                            </p:stCondLst>
-                            <p:childTnLst>
-                              <p:par>
-                                <p:cTn id="5" presetID="10" presetClass="entr" presetSubtype="0" fill="hold" grpId="0" nodeType="clickEffect">
-                                  <p:stCondLst>
-                                    <p:cond delay="0"/>
-                                  </p:stCondLst>
-                                  <p:childTnLst>
-                                    <p:set>
-                                      <p:cBhvr>
-                                        <p:cTn id="6" dur="1" fill="hold">
-                                          <p:stCondLst>
-                                            <p:cond delay="0"/>
-                                          </p:stCondLst>
-                                        </p:cTn>
-                                        <p:tgtEl>
-                                          <p:spTgt spid="4"/>
-                                        </p:tgtEl>
-                                        <p:attrNameLst>
-                                          <p:attrName>style.visibility</p:attrName>
-                                        </p:attrNameLst>
-                                      </p:cBhvr>
-                                      <p:to>
-                                        <p:strVal val="visible"/>
-                                      </p:to>
-                                    </p:set>
-                                    <p:animEffect transition="in" filter="fade">
-                                      <p:cBhvr>
-                                        <p:cTn id="7" dur="500"/>
-                                        <p:tgtEl>
-                                          <p:spTgt spid="4"/>
-                                        </p:tgtEl>
-                                      </p:cBhvr>
-                                    </p:animEffect>
-                                  </p:childTnLst>
-                                </p:cTn>
-                              </p:par>
-                            </p:childTnLst>
-                          </p:cTn>
-                        </p:par>
-                      </p:childTnLst>
-                    </p:cTn>
-                  </p:par>
-                  <p:par>
-                    <p:cTn id="8" fill="hold">
-                      <p:stCondLst>
-                        <p:cond delay="indefinite"/>
-                      </p:stCondLst>
-                      <p:childTnLst>
-                        <p:par>
-                          <p:cTn id="9" fill="hold">
-                            <p:stCondLst>
-                              <p:cond delay="0"/>
-                            </p:stCondLst>
-                            <p:childTnLst>
-                              <p:par>
-                                <p:cTn id="10" presetID="10" presetClass="entr" presetSubtype="0" fill="hold" grpId="0" nodeType="clickEffect">
-                                  <p:stCondLst>
-                                    <p:cond delay="0"/>
-                                  </p:stCondLst>
-                                  <p:childTnLst>
-                                    <p:set>
-                                      <p:cBhvr>
-                                        <p:cTn id="11" dur="1" fill="hold">
-                                          <p:stCondLst>
-                                            <p:cond delay="0"/>
-                                          </p:stCondLst>
-                                        </p:cTn>
-                                        <p:tgtEl>
-                                          <p:spTgt spid="5"/>
-                                        </p:tgtEl>
-                                        <p:attrNameLst>
-                                          <p:attrName>style.visibility</p:attrName>
-                                        </p:attrNameLst>
-                                      </p:cBhvr>
-                                      <p:to>
-                                        <p:strVal val="visible"/>
-                                      </p:to>
-                                    </p:set>
-                                    <p:animEffect transition="in" filter="fade">
-                                      <p:cBhvr>
-                                        <p:cTn id="12" dur="500"/>
-                                        <p:tgtEl>
-                                          <p:spTgt spid="5"/>
-                                        </p:tgtEl>
-                                      </p:cBhvr>
-                                    </p:animEffect>
-                                  </p:childTnLst>
-                                </p:cTn>
-                              </p:par>
-                            </p:childTnLst>
-                          </p:cTn>
-                        </p:par>
-                      </p:childTnLst>
-                    </p:cTn>
-                  </p:par>
-                  <p:par>
-                    <p:cTn id="13" fill="hold">
-                      <p:stCondLst>
-                        <p:cond delay="indefinite"/>
-                      </p:stCondLst>
-                      <p:childTnLst>
-                        <p:par>
-                          <p:cTn id="14" fill="hold">
-                            <p:stCondLst>
-                              <p:cond delay="0"/>
-                            </p:stCondLst>
-                            <p:childTnLst>
-                              <p:par>
-                                <p:cTn id="15" presetID="10" presetClass="entr" presetSubtype="0" fill="hold" grpId="0" nodeType="clickEffect">
-                                  <p:stCondLst>
-                                    <p:cond delay="0"/>
-                                  </p:stCondLst>
-                                  <p:childTnLst>
-                                    <p:set>
-                                      <p:cBhvr>
-                                        <p:cTn id="16" dur="1" fill="hold">
-                                          <p:stCondLst>
-                                            <p:cond delay="0"/>
-                                          </p:stCondLst>
-                                        </p:cTn>
-                                        <p:tgtEl>
-                                          <p:spTgt spid="6"/>
-                                        </p:tgtEl>
-                                        <p:attrNameLst>
-                                          <p:attrName>style.visibility</p:attrName>
-                                        </p:attrNameLst>
-                                      </p:cBhvr>
-                                      <p:to>
-                                        <p:strVal val="visible"/>
-                                      </p:to>
-                                    </p:set>
-                                    <p:animEffect transition="in" filter="fade">
-                                      <p:cBhvr>
-                                        <p:cTn id="17" dur="500"/>
-                                        <p:tgtEl>
-                                          <p:spTgt spid="6"/>
-                                        </p:tgtEl>
-                                      </p:cBhvr>
-                                    </p:animEffect>
-                                  </p:childTnLst>
-                                </p:cTn>
-                              </p:par>
-                            </p:childTnLst>
-                          </p:cTn>
-                        </p:par>
-                      </p:childTnLst>
-                    </p:cTn>
-                  </p:par>
-                </p:childTnLst>
-              </p:cTn>
-              <p:prevCondLst>
-                <p:cond evt="onPrev" delay="0">
-                  <p:tgtEl>
-                    <p:sldTgt/>
-                  </p:tgtEl>
-                </p:cond>
-              </p:prevCondLst>
-              <p:nextCondLst>
-                <p:cond evt="onNext" delay="0">
-                  <p:tgtEl>
-                    <p:sldTgt/>
-                  </p:tgtEl>
-                </p:cond>
-              </p:nextCondLst>
-            </p:seq>
-          </p:childTnLst>
-        </p:cTn>
-      </p:par>
-    </p:tnLst>
-    <p:bldLst>
-      <p:bldP spid="4" grpId="0" animBg="1"/>
-      <p:bldP spid="5" grpId="0" animBg="1"/>
-      <p:bldP spid="6" grpId="0" animBg="1"/>
-    </p:bldLst>
-  </p:timing>
-</p:sld>
-</file>
-
 <file path=ppt/theme/theme1.xml><?xml version="1.0" encoding="utf-8"?>
 <a:theme xmlns:a="http://schemas.openxmlformats.org/drawingml/2006/main" name="Hyland 2019">
   <a:themeElements>

--- a/Session2HtmlIntro/HelloHtml.pptx
+++ b/Session2HtmlIntro/HelloHtml.pptx
@@ -219,7 +219,7 @@
           <a:p>
             <a:fld id="{19104133-B5B0-4351-8158-4F0E5EB1E2BF}" type="datetimeFigureOut">
               <a:rPr lang="en-US" smtClean="0"/>
-              <a:t>8/23/2021</a:t>
+              <a:t>8/26/2021</a:t>
             </a:fld>
             <a:endParaRPr lang="en-US"/>
           </a:p>
@@ -1471,7 +1471,7 @@
             <a:fld id="{1C2D31DE-C454-491C-B5C3-F097855E3DF7}" type="datetime4">
               <a:rPr lang="en-US" smtClean="0"/>
               <a:pPr/>
-              <a:t>August 23, 2021</a:t>
+              <a:t>August 26, 2021</a:t>
             </a:fld>
             <a:endParaRPr lang="en-US" dirty="0"/>
           </a:p>
@@ -4863,7 +4863,7 @@
           <a:p>
             <a:fld id="{5958763E-B898-436D-883D-03711491D54A}" type="datetimeFigureOut">
               <a:rPr lang="en-US" smtClean="0"/>
-              <a:t>8/23/2021</a:t>
+              <a:t>8/26/2021</a:t>
             </a:fld>
             <a:endParaRPr lang="en-US"/>
           </a:p>
@@ -5056,7 +5056,7 @@
           <a:p>
             <a:fld id="{5958763E-B898-436D-883D-03711491D54A}" type="datetimeFigureOut">
               <a:rPr lang="en-US" smtClean="0"/>
-              <a:t>8/23/2021</a:t>
+              <a:t>8/26/2021</a:t>
             </a:fld>
             <a:endParaRPr lang="en-US"/>
           </a:p>
@@ -5306,7 +5306,7 @@
           <a:p>
             <a:fld id="{5958763E-B898-436D-883D-03711491D54A}" type="datetimeFigureOut">
               <a:rPr lang="en-US" smtClean="0"/>
-              <a:t>8/23/2021</a:t>
+              <a:t>8/26/2021</a:t>
             </a:fld>
             <a:endParaRPr lang="en-US"/>
           </a:p>
@@ -5654,7 +5654,7 @@
           <a:p>
             <a:fld id="{5958763E-B898-436D-883D-03711491D54A}" type="datetimeFigureOut">
               <a:rPr lang="en-US" smtClean="0"/>
-              <a:t>8/23/2021</a:t>
+              <a:t>8/26/2021</a:t>
             </a:fld>
             <a:endParaRPr lang="en-US"/>
           </a:p>
@@ -6070,7 +6070,7 @@
           <a:p>
             <a:fld id="{5958763E-B898-436D-883D-03711491D54A}" type="datetimeFigureOut">
               <a:rPr lang="en-US" smtClean="0"/>
-              <a:t>8/23/2021</a:t>
+              <a:t>8/26/2021</a:t>
             </a:fld>
             <a:endParaRPr lang="en-US"/>
           </a:p>
@@ -6571,7 +6571,7 @@
           <a:p>
             <a:fld id="{5958763E-B898-436D-883D-03711491D54A}" type="datetimeFigureOut">
               <a:rPr lang="en-US" smtClean="0"/>
-              <a:t>8/23/2021</a:t>
+              <a:t>8/26/2021</a:t>
             </a:fld>
             <a:endParaRPr lang="en-US"/>
           </a:p>
@@ -7022,7 +7022,7 @@
           <a:p>
             <a:fld id="{5958763E-B898-436D-883D-03711491D54A}" type="datetimeFigureOut">
               <a:rPr lang="en-US" smtClean="0"/>
-              <a:t>8/23/2021</a:t>
+              <a:t>8/26/2021</a:t>
             </a:fld>
             <a:endParaRPr lang="en-US"/>
           </a:p>
@@ -7633,7 +7633,7 @@
           <a:p>
             <a:fld id="{5958763E-B898-436D-883D-03711491D54A}" type="datetimeFigureOut">
               <a:rPr lang="en-US" smtClean="0"/>
-              <a:t>8/23/2021</a:t>
+              <a:t>8/26/2021</a:t>
             </a:fld>
             <a:endParaRPr lang="en-US"/>
           </a:p>
@@ -8404,7 +8404,7 @@
           <a:p>
             <a:fld id="{5958763E-B898-436D-883D-03711491D54A}" type="datetimeFigureOut">
               <a:rPr lang="en-US" smtClean="0"/>
-              <a:t>8/23/2021</a:t>
+              <a:t>8/26/2021</a:t>
             </a:fld>
             <a:endParaRPr lang="en-US"/>
           </a:p>
@@ -8508,7 +8508,7 @@
           <a:p>
             <a:fld id="{5958763E-B898-436D-883D-03711491D54A}" type="datetimeFigureOut">
               <a:rPr lang="en-US" smtClean="0"/>
-              <a:t>8/23/2021</a:t>
+              <a:t>8/26/2021</a:t>
             </a:fld>
             <a:endParaRPr lang="en-US"/>
           </a:p>
@@ -8835,7 +8835,7 @@
             <a:fld id="{1C2D31DE-C454-491C-B5C3-F097855E3DF7}" type="datetime4">
               <a:rPr lang="en-US" smtClean="0"/>
               <a:pPr/>
-              <a:t>August 23, 2021</a:t>
+              <a:t>August 26, 2021</a:t>
             </a:fld>
             <a:endParaRPr lang="en-US" dirty="0"/>
           </a:p>
@@ -11987,7 +11987,7 @@
           <a:p>
             <a:fld id="{5958763E-B898-436D-883D-03711491D54A}" type="datetimeFigureOut">
               <a:rPr lang="en-US" smtClean="0"/>
-              <a:t>8/23/2021</a:t>
+              <a:t>8/26/2021</a:t>
             </a:fld>
             <a:endParaRPr lang="en-US"/>
           </a:p>
@@ -12111,7 +12111,7 @@
           <a:p>
             <a:fld id="{5958763E-B898-436D-883D-03711491D54A}" type="datetimeFigureOut">
               <a:rPr lang="en-US" smtClean="0"/>
-              <a:t>8/23/2021</a:t>
+              <a:t>8/26/2021</a:t>
             </a:fld>
             <a:endParaRPr lang="en-US"/>
           </a:p>
@@ -12235,7 +12235,7 @@
           <a:p>
             <a:fld id="{5958763E-B898-436D-883D-03711491D54A}" type="datetimeFigureOut">
               <a:rPr lang="en-US" smtClean="0"/>
-              <a:t>8/23/2021</a:t>
+              <a:t>8/26/2021</a:t>
             </a:fld>
             <a:endParaRPr lang="en-US"/>
           </a:p>
@@ -12359,7 +12359,7 @@
           <a:p>
             <a:fld id="{5958763E-B898-436D-883D-03711491D54A}" type="datetimeFigureOut">
               <a:rPr lang="en-US" smtClean="0"/>
-              <a:t>8/23/2021</a:t>
+              <a:t>8/26/2021</a:t>
             </a:fld>
             <a:endParaRPr lang="en-US"/>
           </a:p>
@@ -12483,7 +12483,7 @@
           <a:p>
             <a:fld id="{5958763E-B898-436D-883D-03711491D54A}" type="datetimeFigureOut">
               <a:rPr lang="en-US" smtClean="0"/>
-              <a:t>8/23/2021</a:t>
+              <a:t>8/26/2021</a:t>
             </a:fld>
             <a:endParaRPr lang="en-US"/>
           </a:p>
@@ -12607,7 +12607,7 @@
           <a:p>
             <a:fld id="{5958763E-B898-436D-883D-03711491D54A}" type="datetimeFigureOut">
               <a:rPr lang="en-US" smtClean="0"/>
-              <a:t>8/23/2021</a:t>
+              <a:t>8/26/2021</a:t>
             </a:fld>
             <a:endParaRPr lang="en-US"/>
           </a:p>
@@ -12731,7 +12731,7 @@
           <a:p>
             <a:fld id="{5958763E-B898-436D-883D-03711491D54A}" type="datetimeFigureOut">
               <a:rPr lang="en-US" smtClean="0"/>
-              <a:t>8/23/2021</a:t>
+              <a:t>8/26/2021</a:t>
             </a:fld>
             <a:endParaRPr lang="en-US"/>
           </a:p>
@@ -12855,7 +12855,7 @@
           <a:p>
             <a:fld id="{5958763E-B898-436D-883D-03711491D54A}" type="datetimeFigureOut">
               <a:rPr lang="en-US" smtClean="0"/>
-              <a:t>8/23/2021</a:t>
+              <a:t>8/26/2021</a:t>
             </a:fld>
             <a:endParaRPr lang="en-US"/>
           </a:p>
@@ -12988,7 +12988,7 @@
           <a:p>
             <a:fld id="{5958763E-B898-436D-883D-03711491D54A}" type="datetimeFigureOut">
               <a:rPr lang="en-US" smtClean="0"/>
-              <a:t>8/23/2021</a:t>
+              <a:t>8/26/2021</a:t>
             </a:fld>
             <a:endParaRPr lang="en-US"/>
           </a:p>
@@ -16327,7 +16327,7 @@
             <a:fld id="{1C2D31DE-C454-491C-B5C3-F097855E3DF7}" type="datetime4">
               <a:rPr lang="en-US" smtClean="0"/>
               <a:pPr/>
-              <a:t>August 23, 2021</a:t>
+              <a:t>August 26, 2021</a:t>
             </a:fld>
             <a:endParaRPr lang="en-US" dirty="0"/>
           </a:p>
@@ -28563,7 +28563,7 @@
           <a:p>
             <a:fld id="{5958763E-B898-436D-883D-03711491D54A}" type="datetimeFigureOut">
               <a:rPr lang="en-US" smtClean="0"/>
-              <a:t>8/23/2021</a:t>
+              <a:t>8/26/2021</a:t>
             </a:fld>
             <a:endParaRPr lang="en-US"/>
           </a:p>
@@ -28965,7 +28965,7 @@
           <a:p>
             <a:fld id="{5958763E-B898-436D-883D-03711491D54A}" type="datetimeFigureOut">
               <a:rPr lang="en-US" smtClean="0"/>
-              <a:t>8/23/2021</a:t>
+              <a:t>8/26/2021</a:t>
             </a:fld>
             <a:endParaRPr lang="en-US"/>
           </a:p>
@@ -29259,7 +29259,7 @@
           <a:p>
             <a:fld id="{5958763E-B898-436D-883D-03711491D54A}" type="datetimeFigureOut">
               <a:rPr lang="en-US" smtClean="0"/>
-              <a:t>8/23/2021</a:t>
+              <a:t>8/26/2021</a:t>
             </a:fld>
             <a:endParaRPr lang="en-US"/>
           </a:p>
@@ -29460,7 +29460,7 @@
           <a:p>
             <a:fld id="{5958763E-B898-436D-883D-03711491D54A}" type="datetimeFigureOut">
               <a:rPr lang="en-US" smtClean="0"/>
-              <a:t>8/23/2021</a:t>
+              <a:t>8/26/2021</a:t>
             </a:fld>
             <a:endParaRPr lang="en-US"/>
           </a:p>
@@ -29721,7 +29721,7 @@
           <a:p>
             <a:fld id="{5958763E-B898-436D-883D-03711491D54A}" type="datetimeFigureOut">
               <a:rPr lang="en-US" smtClean="0"/>
-              <a:t>8/23/2021</a:t>
+              <a:t>8/26/2021</a:t>
             </a:fld>
             <a:endParaRPr lang="en-US"/>
           </a:p>
@@ -30229,7 +30229,7 @@
           <a:p>
             <a:fld id="{5958763E-B898-436D-883D-03711491D54A}" type="datetimeFigureOut">
               <a:rPr lang="en-US" smtClean="0"/>
-              <a:t>8/23/2021</a:t>
+              <a:t>8/26/2021</a:t>
             </a:fld>
             <a:endParaRPr lang="en-US"/>
           </a:p>
@@ -30708,7 +30708,7 @@
           <a:p>
             <a:fld id="{5958763E-B898-436D-883D-03711491D54A}" type="datetimeFigureOut">
               <a:rPr lang="en-US" smtClean="0"/>
-              <a:t>8/23/2021</a:t>
+              <a:t>8/26/2021</a:t>
             </a:fld>
             <a:endParaRPr lang="en-US"/>
           </a:p>
@@ -31527,7 +31527,7 @@
           <a:p>
             <a:fld id="{5958763E-B898-436D-883D-03711491D54A}" type="datetimeFigureOut">
               <a:rPr lang="en-US" smtClean="0"/>
-              <a:t>8/23/2021</a:t>
+              <a:t>8/26/2021</a:t>
             </a:fld>
             <a:endParaRPr lang="en-US"/>
           </a:p>
@@ -31728,7 +31728,7 @@
           <a:p>
             <a:fld id="{5958763E-B898-436D-883D-03711491D54A}" type="datetimeFigureOut">
               <a:rPr lang="en-US" smtClean="0"/>
-              <a:t>8/23/2021</a:t>
+              <a:t>8/26/2021</a:t>
             </a:fld>
             <a:endParaRPr lang="en-US"/>
           </a:p>
@@ -32063,7 +32063,7 @@
           <a:p>
             <a:fld id="{5958763E-B898-436D-883D-03711491D54A}" type="datetimeFigureOut">
               <a:rPr lang="en-US" smtClean="0"/>
-              <a:t>8/23/2021</a:t>
+              <a:t>8/26/2021</a:t>
             </a:fld>
             <a:endParaRPr lang="en-US"/>
           </a:p>
@@ -32293,7 +32293,7 @@
           <a:p>
             <a:fld id="{5958763E-B898-436D-883D-03711491D54A}" type="datetimeFigureOut">
               <a:rPr lang="en-US" smtClean="0"/>
-              <a:t>8/23/2021</a:t>
+              <a:t>8/26/2021</a:t>
             </a:fld>
             <a:endParaRPr lang="en-US"/>
           </a:p>
@@ -32537,7 +32537,7 @@
           <a:p>
             <a:fld id="{5958763E-B898-436D-883D-03711491D54A}" type="datetimeFigureOut">
               <a:rPr lang="en-US" smtClean="0"/>
-              <a:t>8/23/2021</a:t>
+              <a:t>8/26/2021</a:t>
             </a:fld>
             <a:endParaRPr lang="en-US"/>
           </a:p>
@@ -37198,6 +37198,59 @@
                                               <p:pRg st="1" end="1"/>
                                             </p:txEl>
                                           </p:spTgt>
+                                        </p:tgtEl>
+                                      </p:cBhvr>
+                                    </p:animEffect>
+                                  </p:childTnLst>
+                                </p:cTn>
+                              </p:par>
+                            </p:childTnLst>
+                          </p:cTn>
+                        </p:par>
+                      </p:childTnLst>
+                    </p:cTn>
+                  </p:par>
+                  <p:par>
+                    <p:cTn id="13" fill="hold">
+                      <p:stCondLst>
+                        <p:cond delay="indefinite"/>
+                      </p:stCondLst>
+                      <p:childTnLst>
+                        <p:par>
+                          <p:cTn id="14" fill="hold">
+                            <p:stCondLst>
+                              <p:cond delay="0"/>
+                            </p:stCondLst>
+                            <p:childTnLst>
+                              <p:par>
+                                <p:cTn id="15" presetID="10" presetClass="entr" presetSubtype="0" fill="hold" nodeType="clickEffect">
+                                  <p:stCondLst>
+                                    <p:cond delay="0"/>
+                                  </p:stCondLst>
+                                  <p:childTnLst>
+                                    <p:set>
+                                      <p:cBhvr>
+                                        <p:cTn id="16" dur="1" fill="hold">
+                                          <p:stCondLst>
+                                            <p:cond delay="0"/>
+                                          </p:stCondLst>
+                                        </p:cTn>
+                                        <p:tgtEl>
+                                          <p:spTgt spid="1026"/>
+                                        </p:tgtEl>
+                                        <p:attrNameLst>
+                                          <p:attrName>style.visibility</p:attrName>
+                                        </p:attrNameLst>
+                                      </p:cBhvr>
+                                      <p:to>
+                                        <p:strVal val="visible"/>
+                                      </p:to>
+                                    </p:set>
+                                    <p:animEffect transition="in" filter="fade">
+                                      <p:cBhvr>
+                                        <p:cTn id="17" dur="500"/>
+                                        <p:tgtEl>
+                                          <p:spTgt spid="1026"/>
                                         </p:tgtEl>
                                       </p:cBhvr>
                                     </p:animEffect>
